--- a/spring13/slides13/genfunclinrec-inhom.pptx
+++ b/spring13/slides13/genfunclinrec-inhom.pptx
@@ -5494,7 +5494,7 @@
                                     </p:set>
                                     <p:animEffect transition="in" filter="fade">
                                       <p:cBhvr>
-                                        <p:cTn id="12" dur="1000"/>
+                                        <p:cTn id="12" dur="500"/>
                                         <p:tgtEl>
                                           <p:spTgt spid="596995">
                                             <p:txEl>
@@ -5577,7 +5577,7 @@
           <a:graphicData uri="http://schemas.openxmlformats.org/presentationml/2006/ole">
             <mc:AlternateContent xmlns:mc="http://schemas.openxmlformats.org/markup-compatibility/2006">
               <mc:Choice xmlns:v="urn:schemas-microsoft-com:vml" Requires="v">
-                <p:oleObj spid="_x0000_s192628" name="Equation" r:id="rId4" imgW="8280400" imgH="850900" progId="Equation.DSMT4">
+                <p:oleObj spid="_x0000_s192634" name="Equation" r:id="rId4" imgW="8280400" imgH="850900" progId="Equation.DSMT4">
                   <p:embed/>
                 </p:oleObj>
               </mc:Choice>
@@ -5810,7 +5810,7 @@
           <a:graphicData uri="http://schemas.openxmlformats.org/presentationml/2006/ole">
             <mc:AlternateContent xmlns:mc="http://schemas.openxmlformats.org/markup-compatibility/2006">
               <mc:Choice xmlns:v="urn:schemas-microsoft-com:vml" Requires="v">
-                <p:oleObj spid="_x0000_s192629" name="Equation" r:id="rId6" imgW="7988300" imgH="863600" progId="Equation.DSMT4">
+                <p:oleObj spid="_x0000_s192635" name="Equation" r:id="rId6" imgW="7988300" imgH="863600" progId="Equation.DSMT4">
                   <p:embed/>
                 </p:oleObj>
               </mc:Choice>
@@ -5873,7 +5873,7 @@
         <p:spPr>
           <a:xfrm>
             <a:off x="1184534" y="1372850"/>
-            <a:ext cx="3387466" cy="1446550"/>
+            <a:ext cx="3387466" cy="769441"/>
           </a:xfrm>
           <a:prstGeom prst="rect">
             <a:avLst/>
@@ -5932,43 +5932,21 @@
                   <a:srgbClr val="FF0000"/>
                 </a:solidFill>
               </a:rPr>
-              <a:t> + 1</a:t>
-            </a:r>
-          </a:p>
-          <a:p>
-            <a:pPr eaLnBrk="1" hangingPunct="1">
-              <a:buFontTx/>
-              <a:buNone/>
-            </a:pPr>
+              <a:t> + </a:t>
+            </a:r>
             <a:r>
               <a:rPr lang="en-US" dirty="0" smtClean="0">
                 <a:solidFill>
-                  <a:srgbClr val="0000FF"/>
-                </a:solidFill>
-              </a:rPr>
-              <a:t>h</a:t>
-            </a:r>
-            <a:r>
-              <a:rPr lang="en-US" baseline="-25000" dirty="0" smtClean="0">
-                <a:solidFill>
-                  <a:srgbClr val="0000FF"/>
-                </a:solidFill>
-              </a:rPr>
-              <a:t>0</a:t>
-            </a:r>
-            <a:r>
-              <a:rPr lang="en-US" dirty="0" smtClean="0"/>
-              <a:t> = </a:t>
-            </a:r>
-            <a:r>
-              <a:rPr lang="en-US" dirty="0" smtClean="0">
-                <a:solidFill>
-                  <a:srgbClr val="0000FF"/>
-                </a:solidFill>
-              </a:rPr>
-              <a:t>0</a:t>
-            </a:r>
-            <a:endParaRPr lang="en-US" dirty="0"/>
+                  <a:srgbClr val="FF0000"/>
+                </a:solidFill>
+              </a:rPr>
+              <a:t>1</a:t>
+            </a:r>
+            <a:endParaRPr lang="en-US" dirty="0" smtClean="0">
+              <a:solidFill>
+                <a:srgbClr val="FF0000"/>
+              </a:solidFill>
+            </a:endParaRPr>
           </a:p>
         </p:txBody>
       </p:sp>
@@ -5994,7 +5972,7 @@
           <a:graphicData uri="http://schemas.openxmlformats.org/presentationml/2006/ole">
             <mc:AlternateContent xmlns:mc="http://schemas.openxmlformats.org/markup-compatibility/2006">
               <mc:Choice xmlns:v="urn:schemas-microsoft-com:vml" Requires="v">
-                <p:oleObj spid="_x0000_s192630" name="Equation" r:id="rId8" imgW="5219700" imgH="749300" progId="Equation.DSMT4">
+                <p:oleObj spid="_x0000_s192636" name="Equation" r:id="rId8" imgW="5219700" imgH="749300" progId="Equation.DSMT4">
                   <p:embed/>
                 </p:oleObj>
               </mc:Choice>
@@ -6047,9 +6025,18 @@
   <p:clrMapOvr>
     <a:masterClrMapping/>
   </p:clrMapOvr>
-  <p:transition xmlns:p14="http://schemas.microsoft.com/office/powerpoint/2010/main" spd="slow" advClick="0">
-    <p:fade/>
-  </p:transition>
+  <mc:AlternateContent xmlns:mc="http://schemas.openxmlformats.org/markup-compatibility/2006">
+    <mc:Choice xmlns:p14="http://schemas.microsoft.com/office/powerpoint/2010/main" Requires="p14">
+      <p:transition spd="slow" p14:dur="800" advClick="0">
+        <p:fade/>
+      </p:transition>
+    </mc:Choice>
+    <mc:Fallback>
+      <p:transition xmlns:p14="http://schemas.microsoft.com/office/powerpoint/2010/main" spd="slow" advClick="0">
+        <p:fade/>
+      </p:transition>
+    </mc:Fallback>
+  </mc:AlternateContent>
   <p:timing>
     <p:tnLst>
       <p:par>
@@ -6074,7 +6061,7 @@
                             </p:stCondLst>
                             <p:childTnLst>
                               <p:par>
-                                <p:cTn id="5" presetID="10" presetClass="entr" presetSubtype="0" fill="hold" nodeType="afterEffect">
+                                <p:cTn id="5" presetID="22" presetClass="entr" presetSubtype="8" fill="hold" nodeType="afterEffect">
                                   <p:stCondLst>
                                     <p:cond delay="0"/>
                                   </p:stCondLst>
@@ -6097,9 +6084,9 @@
                                         <p:strVal val="visible"/>
                                       </p:to>
                                     </p:set>
-                                    <p:animEffect transition="in" filter="fade">
+                                    <p:animEffect transition="in" filter="wipe(left)">
                                       <p:cBhvr>
-                                        <p:cTn id="7" dur="500"/>
+                                        <p:cTn id="7" dur="1000"/>
                                         <p:tgtEl>
                                           <p:spTgt spid="192516"/>
                                         </p:tgtEl>
@@ -6127,7 +6114,7 @@
                             </p:stCondLst>
                             <p:childTnLst>
                               <p:par>
-                                <p:cTn id="10" presetID="22" presetClass="entr" presetSubtype="8" fill="hold" nodeType="clickEffect">
+                                <p:cTn id="10" presetID="10" presetClass="entr" presetSubtype="0" fill="hold" grpId="0" nodeType="clickEffect">
                                   <p:stCondLst>
                                     <p:cond delay="0"/>
                                   </p:stCondLst>
@@ -6140,7 +6127,7 @@
                                           </p:stCondLst>
                                         </p:cTn>
                                         <p:tgtEl>
-                                          <p:spTgt spid="13"/>
+                                          <p:spTgt spid="15"/>
                                         </p:tgtEl>
                                         <p:attrNameLst>
                                           <p:attrName>style.visibility</p:attrName>
@@ -6150,11 +6137,11 @@
                                         <p:strVal val="visible"/>
                                       </p:to>
                                     </p:set>
-                                    <p:animEffect transition="in" filter="wipe(left)">
+                                    <p:animEffect transition="in" filter="fade">
                                       <p:cBhvr>
-                                        <p:cTn id="12" dur="1000"/>
+                                        <p:cTn id="12" dur="500"/>
                                         <p:tgtEl>
-                                          <p:spTgt spid="13"/>
+                                          <p:spTgt spid="15"/>
                                         </p:tgtEl>
                                       </p:cBhvr>
                                     </p:animEffect>
@@ -6193,6 +6180,59 @@
                                           </p:stCondLst>
                                         </p:cTn>
                                         <p:tgtEl>
+                                          <p:spTgt spid="13"/>
+                                        </p:tgtEl>
+                                        <p:attrNameLst>
+                                          <p:attrName>style.visibility</p:attrName>
+                                        </p:attrNameLst>
+                                      </p:cBhvr>
+                                      <p:to>
+                                        <p:strVal val="visible"/>
+                                      </p:to>
+                                    </p:set>
+                                    <p:animEffect transition="in" filter="wipe(left)">
+                                      <p:cBhvr>
+                                        <p:cTn id="17" dur="1000"/>
+                                        <p:tgtEl>
+                                          <p:spTgt spid="13"/>
+                                        </p:tgtEl>
+                                      </p:cBhvr>
+                                    </p:animEffect>
+                                  </p:childTnLst>
+                                </p:cTn>
+                              </p:par>
+                            </p:childTnLst>
+                          </p:cTn>
+                        </p:par>
+                      </p:childTnLst>
+                    </p:cTn>
+                  </p:par>
+                  <p:par>
+                    <p:cTn id="18" fill="hold">
+                      <p:stCondLst>
+                        <p:cond delay="indefinite"/>
+                      </p:stCondLst>
+                      <p:childTnLst>
+                        <p:par>
+                          <p:cTn id="19" fill="hold">
+                            <p:stCondLst>
+                              <p:cond delay="0"/>
+                            </p:stCondLst>
+                            <p:childTnLst>
+                              <p:par>
+                                <p:cTn id="20" presetID="22" presetClass="entr" presetSubtype="8" fill="hold" nodeType="clickEffect">
+                                  <p:stCondLst>
+                                    <p:cond delay="0"/>
+                                  </p:stCondLst>
+                                  <p:childTnLst>
+                                    <p:set>
+                                      <p:cBhvr>
+                                        <p:cTn id="21" dur="1" fill="hold">
+                                          <p:stCondLst>
+                                            <p:cond delay="0"/>
+                                          </p:stCondLst>
+                                        </p:cTn>
+                                        <p:tgtEl>
                                           <p:spTgt spid="16"/>
                                         </p:tgtEl>
                                         <p:attrNameLst>
@@ -6205,7 +6245,7 @@
                                     </p:set>
                                     <p:animEffect transition="in" filter="wipe(left)">
                                       <p:cBhvr>
-                                        <p:cTn id="17" dur="1000"/>
+                                        <p:cTn id="22" dur="1000"/>
                                         <p:tgtEl>
                                           <p:spTgt spid="16"/>
                                         </p:tgtEl>
@@ -6241,6 +6281,9 @@
         </p:cTn>
       </p:par>
     </p:tnLst>
+    <p:bldLst>
+      <p:bldP spid="15" grpId="0"/>
+    </p:bldLst>
   </p:timing>
 </p:sld>
 </file>
@@ -6284,7 +6327,7 @@
           <a:graphicData uri="http://schemas.openxmlformats.org/presentationml/2006/ole">
             <mc:AlternateContent xmlns:mc="http://schemas.openxmlformats.org/markup-compatibility/2006">
               <mc:Choice xmlns:v="urn:schemas-microsoft-com:vml" Requires="v">
-                <p:oleObj spid="_x0000_s339973" name="Equation" r:id="rId4" imgW="8280400" imgH="850900" progId="Equation.DSMT4">
+                <p:oleObj spid="_x0000_s339981" name="Equation" r:id="rId4" imgW="8280400" imgH="850900" progId="Equation.DSMT4">
                   <p:embed/>
                 </p:oleObj>
               </mc:Choice>
@@ -6517,7 +6560,7 @@
           <a:graphicData uri="http://schemas.openxmlformats.org/presentationml/2006/ole">
             <mc:AlternateContent xmlns:mc="http://schemas.openxmlformats.org/markup-compatibility/2006">
               <mc:Choice xmlns:v="urn:schemas-microsoft-com:vml" Requires="v">
-                <p:oleObj spid="_x0000_s339974" name="Equation" r:id="rId6" imgW="7988300" imgH="863600" progId="Equation.DSMT4">
+                <p:oleObj spid="_x0000_s339982" name="Equation" r:id="rId6" imgW="7988300" imgH="863600" progId="Equation.DSMT4">
                   <p:embed/>
                 </p:oleObj>
               </mc:Choice>
@@ -6704,7 +6747,7 @@
         <p:spPr>
           <a:xfrm>
             <a:off x="1184534" y="1372850"/>
-            <a:ext cx="3387466" cy="1446550"/>
+            <a:ext cx="3387466" cy="769441"/>
           </a:xfrm>
           <a:prstGeom prst="rect">
             <a:avLst/>
@@ -6763,43 +6806,21 @@
                   <a:srgbClr val="FF0000"/>
                 </a:solidFill>
               </a:rPr>
-              <a:t> + 1</a:t>
-            </a:r>
-          </a:p>
-          <a:p>
-            <a:pPr eaLnBrk="1" hangingPunct="1">
-              <a:buFontTx/>
-              <a:buNone/>
-            </a:pPr>
+              <a:t> + </a:t>
+            </a:r>
             <a:r>
               <a:rPr lang="en-US" dirty="0" smtClean="0">
                 <a:solidFill>
-                  <a:srgbClr val="0000FF"/>
-                </a:solidFill>
-              </a:rPr>
-              <a:t>h</a:t>
-            </a:r>
-            <a:r>
-              <a:rPr lang="en-US" baseline="-25000" dirty="0" smtClean="0">
-                <a:solidFill>
-                  <a:srgbClr val="0000FF"/>
-                </a:solidFill>
-              </a:rPr>
-              <a:t>0</a:t>
-            </a:r>
-            <a:r>
-              <a:rPr lang="en-US" dirty="0" smtClean="0"/>
-              <a:t> = </a:t>
-            </a:r>
-            <a:r>
-              <a:rPr lang="en-US" dirty="0" smtClean="0">
-                <a:solidFill>
-                  <a:srgbClr val="0000FF"/>
-                </a:solidFill>
-              </a:rPr>
-              <a:t>0</a:t>
-            </a:r>
-            <a:endParaRPr lang="en-US" dirty="0"/>
+                  <a:srgbClr val="FF0000"/>
+                </a:solidFill>
+              </a:rPr>
+              <a:t>1</a:t>
+            </a:r>
+            <a:endParaRPr lang="en-US" dirty="0" smtClean="0">
+              <a:solidFill>
+                <a:srgbClr val="FF0000"/>
+              </a:solidFill>
+            </a:endParaRPr>
           </a:p>
         </p:txBody>
       </p:sp>
@@ -6825,7 +6846,7 @@
           <a:graphicData uri="http://schemas.openxmlformats.org/presentationml/2006/ole">
             <mc:AlternateContent xmlns:mc="http://schemas.openxmlformats.org/markup-compatibility/2006">
               <mc:Choice xmlns:v="urn:schemas-microsoft-com:vml" Requires="v">
-                <p:oleObj spid="_x0000_s339975" name="Equation" r:id="rId8" imgW="7962900" imgH="749300" progId="Equation.DSMT4">
+                <p:oleObj spid="_x0000_s339983" name="Equation" r:id="rId8" imgW="7962900" imgH="749300" progId="Equation.DSMT4">
                   <p:embed/>
                 </p:oleObj>
               </mc:Choice>
@@ -6895,7 +6916,7 @@
           <a:graphicData uri="http://schemas.openxmlformats.org/presentationml/2006/ole">
             <mc:AlternateContent xmlns:mc="http://schemas.openxmlformats.org/markup-compatibility/2006">
               <mc:Choice xmlns:v="urn:schemas-microsoft-com:vml" Requires="v">
-                <p:oleObj spid="_x0000_s339976" name="Equation" r:id="rId10" imgW="1066800" imgH="266700" progId="Equation.DSMT4">
+                <p:oleObj spid="_x0000_s339984" name="Equation" r:id="rId10" imgW="1066800" imgH="266700" progId="Equation.DSMT4">
                   <p:embed/>
                 </p:oleObj>
               </mc:Choice>
@@ -7001,30 +7022,21 @@
                             </p:childTnLst>
                           </p:cTn>
                         </p:par>
-                      </p:childTnLst>
-                    </p:cTn>
-                  </p:par>
-                  <p:par>
-                    <p:cTn id="8" fill="hold">
-                      <p:stCondLst>
-                        <p:cond delay="indefinite"/>
-                      </p:stCondLst>
-                      <p:childTnLst>
                         <p:par>
-                          <p:cTn id="9" fill="hold">
+                          <p:cTn id="8" fill="hold">
                             <p:stCondLst>
-                              <p:cond delay="0"/>
+                              <p:cond delay="500"/>
                             </p:stCondLst>
                             <p:childTnLst>
                               <p:par>
-                                <p:cTn id="10" presetID="22" presetClass="entr" presetSubtype="1" fill="hold" nodeType="clickEffect">
+                                <p:cTn id="9" presetID="22" presetClass="entr" presetSubtype="1" fill="hold" nodeType="afterEffect">
                                   <p:stCondLst>
                                     <p:cond delay="0"/>
                                   </p:stCondLst>
                                   <p:childTnLst>
                                     <p:set>
                                       <p:cBhvr>
-                                        <p:cTn id="11" dur="1" fill="hold">
+                                        <p:cTn id="10" dur="1" fill="hold">
                                           <p:stCondLst>
                                             <p:cond delay="0"/>
                                           </p:stCondLst>
@@ -7042,7 +7054,7 @@
                                     </p:set>
                                     <p:animEffect transition="in" filter="wipe(up)">
                                       <p:cBhvr>
-                                        <p:cTn id="12" dur="500"/>
+                                        <p:cTn id="11" dur="500"/>
                                         <p:tgtEl>
                                           <p:spTgt spid="26"/>
                                         </p:tgtEl>
@@ -7052,14 +7064,14 @@
                                 </p:cTn>
                               </p:par>
                               <p:par>
-                                <p:cTn id="13" presetID="22" presetClass="entr" presetSubtype="1" fill="hold" nodeType="withEffect">
+                                <p:cTn id="12" presetID="22" presetClass="entr" presetSubtype="1" fill="hold" nodeType="withEffect">
                                   <p:stCondLst>
                                     <p:cond delay="0"/>
                                   </p:stCondLst>
                                   <p:childTnLst>
                                     <p:set>
                                       <p:cBhvr>
-                                        <p:cTn id="14" dur="1" fill="hold">
+                                        <p:cTn id="13" dur="1" fill="hold">
                                           <p:stCondLst>
                                             <p:cond delay="0"/>
                                           </p:stCondLst>
@@ -7077,7 +7089,7 @@
                                     </p:set>
                                     <p:animEffect transition="in" filter="wipe(up)">
                                       <p:cBhvr>
-                                        <p:cTn id="15" dur="500"/>
+                                        <p:cTn id="14" dur="500"/>
                                         <p:tgtEl>
                                           <p:spTgt spid="27"/>
                                         </p:tgtEl>
@@ -7087,14 +7099,14 @@
                                 </p:cTn>
                               </p:par>
                               <p:par>
-                                <p:cTn id="16" presetID="22" presetClass="entr" presetSubtype="1" fill="hold" nodeType="withEffect">
+                                <p:cTn id="15" presetID="22" presetClass="entr" presetSubtype="1" fill="hold" nodeType="withEffect">
                                   <p:stCondLst>
                                     <p:cond delay="0"/>
                                   </p:stCondLst>
                                   <p:childTnLst>
                                     <p:set>
                                       <p:cBhvr>
-                                        <p:cTn id="17" dur="1" fill="hold">
+                                        <p:cTn id="16" dur="1" fill="hold">
                                           <p:stCondLst>
                                             <p:cond delay="0"/>
                                           </p:stCondLst>
@@ -7112,7 +7124,7 @@
                                     </p:set>
                                     <p:animEffect transition="in" filter="wipe(up)">
                                       <p:cBhvr>
-                                        <p:cTn id="18" dur="500"/>
+                                        <p:cTn id="17" dur="500"/>
                                         <p:tgtEl>
                                           <p:spTgt spid="28"/>
                                         </p:tgtEl>
@@ -7125,20 +7137,20 @@
                           </p:cTn>
                         </p:par>
                         <p:par>
-                          <p:cTn id="19" fill="hold">
+                          <p:cTn id="18" fill="hold">
                             <p:stCondLst>
-                              <p:cond delay="500"/>
+                              <p:cond delay="1000"/>
                             </p:stCondLst>
                             <p:childTnLst>
                               <p:par>
-                                <p:cTn id="20" presetID="22" presetClass="entr" presetSubtype="1" fill="hold" nodeType="afterEffect">
+                                <p:cTn id="19" presetID="22" presetClass="entr" presetSubtype="1" fill="hold" nodeType="afterEffect">
                                   <p:stCondLst>
                                     <p:cond delay="0"/>
                                   </p:stCondLst>
                                   <p:childTnLst>
                                     <p:set>
                                       <p:cBhvr>
-                                        <p:cTn id="21" dur="1" fill="hold">
+                                        <p:cTn id="20" dur="1" fill="hold">
                                           <p:stCondLst>
                                             <p:cond delay="0"/>
                                           </p:stCondLst>
@@ -7156,7 +7168,7 @@
                                     </p:set>
                                     <p:animEffect transition="in" filter="wipe(up)">
                                       <p:cBhvr>
-                                        <p:cTn id="22" dur="500"/>
+                                        <p:cTn id="21" dur="500"/>
                                         <p:tgtEl>
                                           <p:spTgt spid="2"/>
                                         </p:tgtEl>
@@ -7235,7 +7247,7 @@
           <a:graphicData uri="http://schemas.openxmlformats.org/presentationml/2006/ole">
             <mc:AlternateContent xmlns:mc="http://schemas.openxmlformats.org/markup-compatibility/2006">
               <mc:Choice xmlns:v="urn:schemas-microsoft-com:vml" Requires="v">
-                <p:oleObj spid="_x0000_s336907" name="Equation" r:id="rId4" imgW="3695700" imgH="850900" progId="Equation.DSMT4">
+                <p:oleObj spid="_x0000_s336913" name="Equation" r:id="rId4" imgW="3695700" imgH="850900" progId="Equation.DSMT4">
                   <p:embed/>
                 </p:oleObj>
               </mc:Choice>
@@ -7468,7 +7480,7 @@
           <a:graphicData uri="http://schemas.openxmlformats.org/presentationml/2006/ole">
             <mc:AlternateContent xmlns:mc="http://schemas.openxmlformats.org/markup-compatibility/2006">
               <mc:Choice xmlns:v="urn:schemas-microsoft-com:vml" Requires="v">
-                <p:oleObj spid="_x0000_s336908" name="Equation" r:id="rId6" imgW="2133600" imgH="571500" progId="Equation.DSMT4">
+                <p:oleObj spid="_x0000_s336914" name="Equation" r:id="rId6" imgW="2133600" imgH="571500" progId="Equation.DSMT4">
                   <p:embed/>
                 </p:oleObj>
               </mc:Choice>
@@ -7516,114 +7528,6 @@
           </a:graphicData>
         </a:graphic>
       </p:graphicFrame>
-      <p:sp>
-        <p:nvSpPr>
-          <p:cNvPr id="15" name="TextBox 14"/>
-          <p:cNvSpPr txBox="1"/>
-          <p:nvPr/>
-        </p:nvSpPr>
-        <p:spPr>
-          <a:xfrm>
-            <a:off x="1184534" y="1372850"/>
-            <a:ext cx="3387466" cy="1446550"/>
-          </a:xfrm>
-          <a:prstGeom prst="rect">
-            <a:avLst/>
-          </a:prstGeom>
-          <a:noFill/>
-        </p:spPr>
-        <p:txBody>
-          <a:bodyPr wrap="square" rtlCol="0">
-            <a:spAutoFit/>
-          </a:bodyPr>
-          <a:lstStyle/>
-          <a:p>
-            <a:pPr eaLnBrk="1" hangingPunct="1">
-              <a:buFontTx/>
-              <a:buNone/>
-            </a:pPr>
-            <a:r>
-              <a:rPr lang="en-US" dirty="0" err="1" smtClean="0">
-                <a:solidFill>
-                  <a:srgbClr val="0000FF"/>
-                </a:solidFill>
-              </a:rPr>
-              <a:t>h</a:t>
-            </a:r>
-            <a:r>
-              <a:rPr lang="en-US" baseline="-25000" dirty="0" err="1" smtClean="0">
-                <a:solidFill>
-                  <a:srgbClr val="0000FF"/>
-                </a:solidFill>
-              </a:rPr>
-              <a:t>n</a:t>
-            </a:r>
-            <a:r>
-              <a:rPr lang="en-US" dirty="0" smtClean="0"/>
-              <a:t> = </a:t>
-            </a:r>
-            <a:r>
-              <a:rPr lang="en-US" dirty="0" smtClean="0">
-                <a:solidFill>
-                  <a:srgbClr val="0000FF"/>
-                </a:solidFill>
-              </a:rPr>
-              <a:t>2h</a:t>
-            </a:r>
-            <a:r>
-              <a:rPr lang="en-US" baseline="-25000" dirty="0" smtClean="0">
-                <a:solidFill>
-                  <a:srgbClr val="0000FF"/>
-                </a:solidFill>
-              </a:rPr>
-              <a:t>n-1</a:t>
-            </a:r>
-            <a:r>
-              <a:rPr lang="en-US" dirty="0" smtClean="0">
-                <a:solidFill>
-                  <a:srgbClr val="FF0000"/>
-                </a:solidFill>
-              </a:rPr>
-              <a:t> + 1</a:t>
-            </a:r>
-          </a:p>
-          <a:p>
-            <a:pPr eaLnBrk="1" hangingPunct="1">
-              <a:buFontTx/>
-              <a:buNone/>
-            </a:pPr>
-            <a:r>
-              <a:rPr lang="en-US" dirty="0" smtClean="0">
-                <a:solidFill>
-                  <a:srgbClr val="0000FF"/>
-                </a:solidFill>
-              </a:rPr>
-              <a:t>h</a:t>
-            </a:r>
-            <a:r>
-              <a:rPr lang="en-US" baseline="-25000" dirty="0" smtClean="0">
-                <a:solidFill>
-                  <a:srgbClr val="0000FF"/>
-                </a:solidFill>
-              </a:rPr>
-              <a:t>0</a:t>
-            </a:r>
-            <a:r>
-              <a:rPr lang="en-US" dirty="0" smtClean="0"/>
-              <a:t> = </a:t>
-            </a:r>
-            <a:r>
-              <a:rPr lang="en-US" dirty="0" smtClean="0">
-                <a:solidFill>
-                  <a:srgbClr val="0000FF"/>
-                </a:solidFill>
-              </a:rPr>
-              <a:t>0</a:t>
-            </a:r>
-            <a:endParaRPr lang="en-US" dirty="0"/>
-          </a:p>
-        </p:txBody>
-      </p:sp>
       <p:graphicFrame>
         <p:nvGraphicFramePr>
           <p:cNvPr id="16" name="Object 15"/>
@@ -7646,7 +7550,7 @@
           <a:graphicData uri="http://schemas.openxmlformats.org/presentationml/2006/ole">
             <mc:AlternateContent xmlns:mc="http://schemas.openxmlformats.org/markup-compatibility/2006">
               <mc:Choice xmlns:v="urn:schemas-microsoft-com:vml" Requires="v">
-                <p:oleObj spid="_x0000_s336909" name="Equation" r:id="rId8" imgW="3492500" imgH="749300" progId="Equation.DSMT4">
+                <p:oleObj spid="_x0000_s336915" name="Equation" r:id="rId8" imgW="3492500" imgH="749300" progId="Equation.DSMT4">
                   <p:embed/>
                 </p:oleObj>
               </mc:Choice>
@@ -7906,7 +7810,7 @@
         <p:spPr>
           <a:xfrm>
             <a:off x="1184534" y="1372850"/>
-            <a:ext cx="3387466" cy="1446550"/>
+            <a:ext cx="3387466" cy="769441"/>
           </a:xfrm>
           <a:prstGeom prst="rect">
             <a:avLst/>
@@ -7924,7 +7828,7 @@
               <a:buNone/>
             </a:pPr>
             <a:r>
-              <a:rPr lang="en-US" dirty="0" err="1" smtClean="0">
+              <a:rPr lang="en-US" dirty="0" smtClean="0">
                 <a:solidFill>
                   <a:srgbClr val="0000FF"/>
                 </a:solidFill>
@@ -7932,66 +7836,20 @@
               <a:t>h</a:t>
             </a:r>
             <a:r>
-              <a:rPr lang="en-US" baseline="-25000" dirty="0" err="1" smtClean="0">
+              <a:rPr lang="en-US" baseline="-25000" dirty="0" smtClean="0">
                 <a:solidFill>
                   <a:srgbClr val="0000FF"/>
                 </a:solidFill>
               </a:rPr>
-              <a:t>n</a:t>
+              <a:t>0</a:t>
             </a:r>
             <a:r>
               <a:rPr lang="en-US" dirty="0" smtClean="0"/>
-              <a:t> = </a:t>
-            </a:r>
-            <a:r>
-              <a:rPr lang="en-US" dirty="0" smtClean="0">
-                <a:solidFill>
-                  <a:srgbClr val="0000FF"/>
-                </a:solidFill>
-              </a:rPr>
-              <a:t>2h</a:t>
-            </a:r>
-            <a:r>
-              <a:rPr lang="en-US" baseline="-25000" dirty="0" smtClean="0">
-                <a:solidFill>
-                  <a:srgbClr val="0000FF"/>
-                </a:solidFill>
-              </a:rPr>
-              <a:t>n-1</a:t>
-            </a:r>
-            <a:r>
-              <a:rPr lang="en-US" dirty="0" smtClean="0">
-                <a:solidFill>
-                  <a:srgbClr val="FF0000"/>
-                </a:solidFill>
-              </a:rPr>
-              <a:t> + 1</a:t>
-            </a:r>
-          </a:p>
-          <a:p>
-            <a:pPr eaLnBrk="1" hangingPunct="1">
-              <a:buFontTx/>
-              <a:buNone/>
-            </a:pPr>
-            <a:r>
-              <a:rPr lang="en-US" dirty="0" smtClean="0">
-                <a:solidFill>
-                  <a:srgbClr val="0000FF"/>
-                </a:solidFill>
-              </a:rPr>
-              <a:t>h</a:t>
-            </a:r>
-            <a:r>
-              <a:rPr lang="en-US" baseline="-25000" dirty="0" smtClean="0">
-                <a:solidFill>
-                  <a:srgbClr val="0000FF"/>
-                </a:solidFill>
-              </a:rPr>
-              <a:t>0</a:t>
+              <a:t> </a:t>
             </a:r>
             <a:r>
               <a:rPr lang="en-US" dirty="0" smtClean="0"/>
-              <a:t> = </a:t>
+              <a:t>= </a:t>
             </a:r>
             <a:r>
               <a:rPr lang="en-US" dirty="0" smtClean="0">
@@ -8027,7 +7885,7 @@
           <a:graphicData uri="http://schemas.openxmlformats.org/presentationml/2006/ole">
             <mc:AlternateContent xmlns:mc="http://schemas.openxmlformats.org/markup-compatibility/2006">
               <mc:Choice xmlns:v="urn:schemas-microsoft-com:vml" Requires="v">
-                <p:oleObj spid="_x0000_s337925" name="Equation" r:id="rId4" imgW="7289800" imgH="850900" progId="Equation.DSMT4">
+                <p:oleObj spid="_x0000_s337929" name="Equation" r:id="rId4" imgW="7289800" imgH="850900" progId="Equation.DSMT4">
                   <p:embed/>
                 </p:oleObj>
               </mc:Choice>
@@ -8097,7 +7955,7 @@
           <a:graphicData uri="http://schemas.openxmlformats.org/presentationml/2006/ole">
             <mc:AlternateContent xmlns:mc="http://schemas.openxmlformats.org/markup-compatibility/2006">
               <mc:Choice xmlns:v="urn:schemas-microsoft-com:vml" Requires="v">
-                <p:oleObj spid="_x0000_s337926" name="Equation" r:id="rId6" imgW="5638680" imgH="736560" progId="Equation.DSMT4">
+                <p:oleObj spid="_x0000_s337930" name="Equation" r:id="rId6" imgW="5638680" imgH="736560" progId="Equation.DSMT4">
                   <p:embed/>
                 </p:oleObj>
               </mc:Choice>
@@ -8185,7 +8043,7 @@
                             </p:stCondLst>
                             <p:childTnLst>
                               <p:par>
-                                <p:cTn id="5" presetID="22" presetClass="entr" presetSubtype="8" fill="hold" nodeType="clickEffect">
+                                <p:cTn id="5" presetID="10" presetClass="entr" presetSubtype="0" fill="hold" grpId="0" nodeType="clickEffect">
                                   <p:stCondLst>
                                     <p:cond delay="0"/>
                                   </p:stCondLst>
@@ -8193,6 +8051,59 @@
                                     <p:set>
                                       <p:cBhvr>
                                         <p:cTn id="6" dur="1" fill="hold">
+                                          <p:stCondLst>
+                                            <p:cond delay="0"/>
+                                          </p:stCondLst>
+                                        </p:cTn>
+                                        <p:tgtEl>
+                                          <p:spTgt spid="15"/>
+                                        </p:tgtEl>
+                                        <p:attrNameLst>
+                                          <p:attrName>style.visibility</p:attrName>
+                                        </p:attrNameLst>
+                                      </p:cBhvr>
+                                      <p:to>
+                                        <p:strVal val="visible"/>
+                                      </p:to>
+                                    </p:set>
+                                    <p:animEffect transition="in" filter="fade">
+                                      <p:cBhvr>
+                                        <p:cTn id="7" dur="500"/>
+                                        <p:tgtEl>
+                                          <p:spTgt spid="15"/>
+                                        </p:tgtEl>
+                                      </p:cBhvr>
+                                    </p:animEffect>
+                                  </p:childTnLst>
+                                </p:cTn>
+                              </p:par>
+                            </p:childTnLst>
+                          </p:cTn>
+                        </p:par>
+                      </p:childTnLst>
+                    </p:cTn>
+                  </p:par>
+                  <p:par>
+                    <p:cTn id="8" fill="hold">
+                      <p:stCondLst>
+                        <p:cond delay="indefinite"/>
+                      </p:stCondLst>
+                      <p:childTnLst>
+                        <p:par>
+                          <p:cTn id="9" fill="hold">
+                            <p:stCondLst>
+                              <p:cond delay="0"/>
+                            </p:stCondLst>
+                            <p:childTnLst>
+                              <p:par>
+                                <p:cTn id="10" presetID="22" presetClass="entr" presetSubtype="8" fill="hold" nodeType="clickEffect">
+                                  <p:stCondLst>
+                                    <p:cond delay="0"/>
+                                  </p:stCondLst>
+                                  <p:childTnLst>
+                                    <p:set>
+                                      <p:cBhvr>
+                                        <p:cTn id="11" dur="1" fill="hold">
                                           <p:stCondLst>
                                             <p:cond delay="0"/>
                                           </p:stCondLst>
@@ -8210,7 +8121,7 @@
                                     </p:set>
                                     <p:animEffect transition="in" filter="wipe(left)">
                                       <p:cBhvr>
-                                        <p:cTn id="7" dur="1000"/>
+                                        <p:cTn id="12" dur="1000"/>
                                         <p:tgtEl>
                                           <p:spTgt spid="9"/>
                                         </p:tgtEl>
@@ -8246,6 +8157,9 @@
         </p:cTn>
       </p:par>
     </p:tnLst>
+    <p:bldLst>
+      <p:bldP spid="15" grpId="0"/>
+    </p:bldLst>
   </p:timing>
 </p:sld>
 </file>
@@ -8452,7 +8366,7 @@
           <a:graphicData uri="http://schemas.openxmlformats.org/presentationml/2006/ole">
             <mc:AlternateContent xmlns:mc="http://schemas.openxmlformats.org/markup-compatibility/2006">
               <mc:Choice xmlns:v="urn:schemas-microsoft-com:vml" Requires="v">
-                <p:oleObj spid="_x0000_s113714" name="Equation" r:id="rId4" imgW="5257800" imgH="1434960" progId="Equation.DSMT4">
+                <p:oleObj spid="_x0000_s113715" name="Equation" r:id="rId4" imgW="5257800" imgH="1434960" progId="Equation.DSMT4">
                   <p:embed/>
                 </p:oleObj>
               </mc:Choice>
@@ -8889,7 +8803,7 @@
           <a:graphicData uri="http://schemas.openxmlformats.org/presentationml/2006/ole">
             <mc:AlternateContent xmlns:mc="http://schemas.openxmlformats.org/markup-compatibility/2006">
               <mc:Choice xmlns:v="urn:schemas-microsoft-com:vml" Requires="v">
-                <p:oleObj spid="_x0000_s114719" name="Equation" r:id="rId4" imgW="4178300" imgH="1066800" progId="Equation.DSMT4">
+                <p:oleObj spid="_x0000_s114720" name="Equation" r:id="rId4" imgW="4178300" imgH="1066800" progId="Equation.DSMT4">
                   <p:embed/>
                 </p:oleObj>
               </mc:Choice>
@@ -9681,7 +9595,7 @@
           <a:graphicData uri="http://schemas.openxmlformats.org/presentationml/2006/ole">
             <mc:AlternateContent xmlns:mc="http://schemas.openxmlformats.org/markup-compatibility/2006">
               <mc:Choice xmlns:v="urn:schemas-microsoft-com:vml" Requires="v">
-                <p:oleObj spid="_x0000_s1044" name="Equation" r:id="rId3" imgW="165100" imgH="165100" progId="Equation.DSMT4">
+                <p:oleObj spid="_x0000_s1045" name="Equation" r:id="rId3" imgW="165100" imgH="165100" progId="Equation.DSMT4">
                   <p:embed/>
                 </p:oleObj>
               </mc:Choice>
@@ -10779,7 +10693,7 @@
     </p:tnLst>
     <p:bldLst>
       <p:bldP spid="2" grpId="0"/>
-      <p:bldP spid="3" grpId="0" uiExpand="1" build="p"/>
+      <p:bldP spid="3" grpId="0" build="p"/>
     </p:bldLst>
   </p:timing>
 </p:sld>
@@ -10971,7 +10885,7 @@
           <a:graphicData uri="http://schemas.openxmlformats.org/presentationml/2006/ole">
             <mc:AlternateContent xmlns:mc="http://schemas.openxmlformats.org/markup-compatibility/2006">
               <mc:Choice xmlns:v="urn:schemas-microsoft-com:vml" Requires="v">
-                <p:oleObj spid="_x0000_s338948" name="Equation" r:id="rId3" imgW="165100" imgH="165100" progId="Equation.DSMT4">
+                <p:oleObj spid="_x0000_s338951" name="Equation" r:id="rId3" imgW="165100" imgH="165100" progId="Equation.DSMT4">
                   <p:embed/>
                 </p:oleObj>
               </mc:Choice>
@@ -11028,7 +10942,7 @@
           <a:graphicData uri="http://schemas.openxmlformats.org/presentationml/2006/ole">
             <mc:AlternateContent xmlns:mc="http://schemas.openxmlformats.org/markup-compatibility/2006">
               <mc:Choice xmlns:v="urn:schemas-microsoft-com:vml" Requires="v">
-                <p:oleObj spid="_x0000_s338949" name="Equation" r:id="rId5" imgW="1663700" imgH="558800" progId="Equation.DSMT4">
+                <p:oleObj spid="_x0000_s338952" name="Equation" r:id="rId5" imgW="1663700" imgH="558800" progId="Equation.DSMT4">
                   <p:embed/>
                 </p:oleObj>
               </mc:Choice>
@@ -11085,7 +10999,7 @@
           <a:graphicData uri="http://schemas.openxmlformats.org/presentationml/2006/ole">
             <mc:AlternateContent xmlns:mc="http://schemas.openxmlformats.org/markup-compatibility/2006">
               <mc:Choice xmlns:v="urn:schemas-microsoft-com:vml" Requires="v">
-                <p:oleObj spid="_x0000_s338950" name="Equation" r:id="rId7" imgW="533400" imgH="215900" progId="Equation.DSMT4">
+                <p:oleObj spid="_x0000_s338953" name="Equation" r:id="rId7" imgW="533400" imgH="215900" progId="Equation.DSMT4">
                   <p:embed/>
                 </p:oleObj>
               </mc:Choice>
@@ -11413,7 +11327,7 @@
           <a:graphicData uri="http://schemas.openxmlformats.org/presentationml/2006/ole">
             <mc:AlternateContent xmlns:mc="http://schemas.openxmlformats.org/markup-compatibility/2006">
               <mc:Choice xmlns:v="urn:schemas-microsoft-com:vml" Requires="v">
-                <p:oleObj spid="_x0000_s334873" name="Equation" r:id="rId3" imgW="165100" imgH="165100" progId="Equation.DSMT4">
+                <p:oleObj spid="_x0000_s334876" name="Equation" r:id="rId3" imgW="165100" imgH="165100" progId="Equation.DSMT4">
                   <p:embed/>
                 </p:oleObj>
               </mc:Choice>
@@ -11470,7 +11384,7 @@
           <a:graphicData uri="http://schemas.openxmlformats.org/presentationml/2006/ole">
             <mc:AlternateContent xmlns:mc="http://schemas.openxmlformats.org/markup-compatibility/2006">
               <mc:Choice xmlns:v="urn:schemas-microsoft-com:vml" Requires="v">
-                <p:oleObj spid="_x0000_s334874" name="Equation" r:id="rId5" imgW="1663700" imgH="558800" progId="Equation.DSMT4">
+                <p:oleObj spid="_x0000_s334877" name="Equation" r:id="rId5" imgW="1663700" imgH="558800" progId="Equation.DSMT4">
                   <p:embed/>
                 </p:oleObj>
               </mc:Choice>
@@ -11527,7 +11441,7 @@
           <a:graphicData uri="http://schemas.openxmlformats.org/presentationml/2006/ole">
             <mc:AlternateContent xmlns:mc="http://schemas.openxmlformats.org/markup-compatibility/2006">
               <mc:Choice xmlns:v="urn:schemas-microsoft-com:vml" Requires="v">
-                <p:oleObj spid="_x0000_s334875" name="Equation" r:id="rId7" imgW="533400" imgH="215900" progId="Equation.DSMT4">
+                <p:oleObj spid="_x0000_s334878" name="Equation" r:id="rId7" imgW="533400" imgH="215900" progId="Equation.DSMT4">
                   <p:embed/>
                 </p:oleObj>
               </mc:Choice>
@@ -11693,7 +11607,7 @@
           <a:graphicData uri="http://schemas.openxmlformats.org/presentationml/2006/ole">
             <mc:AlternateContent xmlns:mc="http://schemas.openxmlformats.org/markup-compatibility/2006">
               <mc:Choice xmlns:v="urn:schemas-microsoft-com:vml" Requires="v">
-                <p:oleObj spid="_x0000_s331786" name="Equation" r:id="rId3" imgW="2019300" imgH="215900" progId="Equation.DSMT4">
+                <p:oleObj spid="_x0000_s331787" name="Equation" r:id="rId3" imgW="2019300" imgH="215900" progId="Equation.DSMT4">
                   <p:embed/>
                 </p:oleObj>
               </mc:Choice>
@@ -12129,7 +12043,7 @@
           <a:graphicData uri="http://schemas.openxmlformats.org/presentationml/2006/ole">
             <mc:AlternateContent xmlns:mc="http://schemas.openxmlformats.org/markup-compatibility/2006">
               <mc:Choice xmlns:v="urn:schemas-microsoft-com:vml" Requires="v">
-                <p:oleObj spid="_x0000_s332839" name="Equation" r:id="rId3" imgW="939800" imgH="482600" progId="Equation.DSMT4">
+                <p:oleObj spid="_x0000_s332843" name="Equation" r:id="rId3" imgW="939800" imgH="482600" progId="Equation.DSMT4">
                   <p:embed/>
                 </p:oleObj>
               </mc:Choice>
@@ -12325,7 +12239,7 @@
           <a:graphicData uri="http://schemas.openxmlformats.org/presentationml/2006/ole">
             <mc:AlternateContent xmlns:mc="http://schemas.openxmlformats.org/markup-compatibility/2006">
               <mc:Choice xmlns:v="urn:schemas-microsoft-com:vml" Requires="v">
-                <p:oleObj spid="_x0000_s332840" name="Equation" r:id="rId5" imgW="431800" imgH="228600" progId="Equation.DSMT4">
+                <p:oleObj spid="_x0000_s332844" name="Equation" r:id="rId5" imgW="431800" imgH="228600" progId="Equation.DSMT4">
                   <p:embed/>
                 </p:oleObj>
               </mc:Choice>
@@ -12439,7 +12353,7 @@
           <a:graphicData uri="http://schemas.openxmlformats.org/presentationml/2006/ole">
             <mc:AlternateContent xmlns:mc="http://schemas.openxmlformats.org/markup-compatibility/2006">
               <mc:Choice xmlns:v="urn:schemas-microsoft-com:vml" Requires="v">
-                <p:oleObj spid="_x0000_s332841" name="Equation" r:id="rId7" imgW="1790700" imgH="292100" progId="Equation.DSMT4">
+                <p:oleObj spid="_x0000_s332845" name="Equation" r:id="rId7" imgW="1790700" imgH="292100" progId="Equation.DSMT4">
                   <p:embed/>
                 </p:oleObj>
               </mc:Choice>
@@ -12496,7 +12410,7 @@
           <a:graphicData uri="http://schemas.openxmlformats.org/presentationml/2006/ole">
             <mc:AlternateContent xmlns:mc="http://schemas.openxmlformats.org/markup-compatibility/2006">
               <mc:Choice xmlns:v="urn:schemas-microsoft-com:vml" Requires="v">
-                <p:oleObj spid="_x0000_s332842" name="Equation" r:id="rId9" imgW="533400" imgH="215900" progId="Equation.DSMT4">
+                <p:oleObj spid="_x0000_s332846" name="Equation" r:id="rId9" imgW="533400" imgH="215900" progId="Equation.DSMT4">
                   <p:embed/>
                 </p:oleObj>
               </mc:Choice>
@@ -13223,7 +13137,7 @@
             <a:graphicData uri="http://schemas.openxmlformats.org/presentationml/2006/ole">
               <mc:AlternateContent xmlns:mc="http://schemas.openxmlformats.org/markup-compatibility/2006">
                 <mc:Choice xmlns:v="urn:schemas-microsoft-com:vml" Requires="v">
-                  <p:oleObj spid="_x0000_s278558" name="Equation" r:id="rId6" imgW="215900" imgH="330200" progId="Equation.DSMT4">
+                  <p:oleObj spid="_x0000_s278559" name="Equation" r:id="rId6" imgW="215900" imgH="330200" progId="Equation.DSMT4">
                     <p:embed/>
                   </p:oleObj>
                 </mc:Choice>

--- a/spring13/slides13/genfunclinrec-inhom.pptx
+++ b/spring13/slides13/genfunclinrec-inhom.pptx
@@ -5,10 +5,10 @@
     <p:sldMasterId id="2147483650" r:id="rId1"/>
   </p:sldMasterIdLst>
   <p:notesMasterIdLst>
-    <p:notesMasterId r:id="rId22"/>
+    <p:notesMasterId r:id="rId24"/>
   </p:notesMasterIdLst>
   <p:handoutMasterIdLst>
-    <p:handoutMasterId r:id="rId23"/>
+    <p:handoutMasterId r:id="rId25"/>
   </p:handoutMasterIdLst>
   <p:sldIdLst>
     <p:sldId id="474" r:id="rId2"/>
@@ -24,18 +24,20 @@
     <p:sldId id="567" r:id="rId12"/>
     <p:sldId id="488" r:id="rId13"/>
     <p:sldId id="548" r:id="rId14"/>
-    <p:sldId id="572" r:id="rId15"/>
-    <p:sldId id="569" r:id="rId16"/>
-    <p:sldId id="570" r:id="rId17"/>
-    <p:sldId id="491" r:id="rId18"/>
-    <p:sldId id="531" r:id="rId19"/>
-    <p:sldId id="559" r:id="rId20"/>
-    <p:sldId id="558" r:id="rId21"/>
+    <p:sldId id="573" r:id="rId15"/>
+    <p:sldId id="574" r:id="rId16"/>
+    <p:sldId id="572" r:id="rId17"/>
+    <p:sldId id="569" r:id="rId18"/>
+    <p:sldId id="570" r:id="rId19"/>
+    <p:sldId id="491" r:id="rId20"/>
+    <p:sldId id="531" r:id="rId21"/>
+    <p:sldId id="559" r:id="rId22"/>
+    <p:sldId id="558" r:id="rId23"/>
   </p:sldIdLst>
   <p:sldSz cx="9144000" cy="6858000" type="screen4x3"/>
   <p:notesSz cx="9601200" cy="7315200"/>
   <p:custDataLst>
-    <p:tags r:id="rId25"/>
+    <p:tags r:id="rId27"/>
   </p:custDataLst>
   <p:defaultTextStyle>
     <a:defPPr>
@@ -964,6 +966,446 @@
       </p:grpSpPr>
       <p:sp>
         <p:nvSpPr>
+          <p:cNvPr id="61442" name="Slide Image Placeholder 1"/>
+          <p:cNvSpPr>
+            <a:spLocks noGrp="1" noRot="1" noChangeAspect="1" noTextEdit="1"/>
+          </p:cNvSpPr>
+          <p:nvPr>
+            <p:ph type="sldImg"/>
+          </p:nvPr>
+        </p:nvSpPr>
+        <p:spPr>
+          <a:ln/>
+        </p:spPr>
+      </p:sp>
+      <p:sp>
+        <p:nvSpPr>
+          <p:cNvPr id="61443" name="Notes Placeholder 2"/>
+          <p:cNvSpPr>
+            <a:spLocks noGrp="1"/>
+          </p:cNvSpPr>
+          <p:nvPr>
+            <p:ph type="body" idx="1"/>
+          </p:nvPr>
+        </p:nvSpPr>
+        <p:spPr>
+          <a:noFill/>
+          <a:ln/>
+        </p:spPr>
+        <p:txBody>
+          <a:bodyPr/>
+          <a:lstStyle/>
+          <a:p>
+            <a:pPr eaLnBrk="1" hangingPunct="1"/>
+            <a:endParaRPr lang="en-US" smtClean="0"/>
+          </a:p>
+        </p:txBody>
+      </p:sp>
+      <p:sp>
+        <p:nvSpPr>
+          <p:cNvPr id="61444" name="Slide Number Placeholder 3"/>
+          <p:cNvSpPr>
+            <a:spLocks noGrp="1"/>
+          </p:cNvSpPr>
+          <p:nvPr>
+            <p:ph type="sldNum" sz="quarter" idx="5"/>
+          </p:nvPr>
+        </p:nvSpPr>
+        <p:spPr>
+          <a:noFill/>
+        </p:spPr>
+        <p:txBody>
+          <a:bodyPr/>
+          <a:lstStyle/>
+          <a:p>
+            <a:fld id="{634EFCA9-28A5-49EA-A028-A056AD32EA11}" type="slidenum">
+              <a:rPr lang="en-US" smtClean="0"/>
+              <a:pPr/>
+              <a:t>11</a:t>
+            </a:fld>
+            <a:endParaRPr lang="en-US" smtClean="0"/>
+          </a:p>
+        </p:txBody>
+      </p:sp>
+    </p:spTree>
+  </p:cSld>
+  <p:clrMapOvr>
+    <a:masterClrMapping/>
+  </p:clrMapOvr>
+</p:notes>
+</file>
+
+<file path=ppt/notesSlides/notesSlide11.xml><?xml version="1.0" encoding="utf-8"?>
+<p:notes xmlns:a="http://schemas.openxmlformats.org/drawingml/2006/main" xmlns:r="http://schemas.openxmlformats.org/officeDocument/2006/relationships" xmlns:p="http://schemas.openxmlformats.org/presentationml/2006/main">
+  <p:cSld>
+    <p:spTree>
+      <p:nvGrpSpPr>
+        <p:cNvPr id="1" name=""/>
+        <p:cNvGrpSpPr/>
+        <p:nvPr/>
+      </p:nvGrpSpPr>
+      <p:grpSpPr>
+        <a:xfrm>
+          <a:off x="0" y="0"/>
+          <a:ext cx="0" cy="0"/>
+          <a:chOff x="0" y="0"/>
+          <a:chExt cx="0" cy="0"/>
+        </a:xfrm>
+      </p:grpSpPr>
+      <p:sp>
+        <p:nvSpPr>
+          <p:cNvPr id="62466" name="Rectangle 7"/>
+          <p:cNvSpPr>
+            <a:spLocks noGrp="1" noChangeArrowheads="1"/>
+          </p:cNvSpPr>
+          <p:nvPr>
+            <p:ph type="sldNum" sz="quarter" idx="5"/>
+          </p:nvPr>
+        </p:nvSpPr>
+        <p:spPr>
+          <a:noFill/>
+        </p:spPr>
+        <p:txBody>
+          <a:bodyPr/>
+          <a:lstStyle/>
+          <a:p>
+            <a:fld id="{D7CA02CE-BAD0-465D-B1BD-5EBAFE60AEB3}" type="slidenum">
+              <a:rPr lang="en-US" smtClean="0"/>
+              <a:pPr/>
+              <a:t>12</a:t>
+            </a:fld>
+            <a:endParaRPr lang="en-US" smtClean="0"/>
+          </a:p>
+        </p:txBody>
+      </p:sp>
+      <p:sp>
+        <p:nvSpPr>
+          <p:cNvPr id="62467" name="Rectangle 2"/>
+          <p:cNvSpPr>
+            <a:spLocks noGrp="1" noRot="1" noChangeAspect="1" noChangeArrowheads="1" noTextEdit="1"/>
+          </p:cNvSpPr>
+          <p:nvPr>
+            <p:ph type="sldImg"/>
+          </p:nvPr>
+        </p:nvSpPr>
+        <p:spPr>
+          <a:ln/>
+        </p:spPr>
+      </p:sp>
+      <p:sp>
+        <p:nvSpPr>
+          <p:cNvPr id="62468" name="Rectangle 3"/>
+          <p:cNvSpPr>
+            <a:spLocks noGrp="1" noChangeArrowheads="1"/>
+          </p:cNvSpPr>
+          <p:nvPr>
+            <p:ph type="body" idx="1"/>
+          </p:nvPr>
+        </p:nvSpPr>
+        <p:spPr>
+          <a:noFill/>
+          <a:ln/>
+        </p:spPr>
+        <p:txBody>
+          <a:bodyPr/>
+          <a:lstStyle/>
+          <a:p>
+            <a:pPr eaLnBrk="1" hangingPunct="1"/>
+            <a:endParaRPr lang="en-US" smtClean="0"/>
+          </a:p>
+        </p:txBody>
+      </p:sp>
+    </p:spTree>
+  </p:cSld>
+  <p:clrMapOvr>
+    <a:masterClrMapping/>
+  </p:clrMapOvr>
+</p:notes>
+</file>
+
+<file path=ppt/notesSlides/notesSlide12.xml><?xml version="1.0" encoding="utf-8"?>
+<p:notes xmlns:a="http://schemas.openxmlformats.org/drawingml/2006/main" xmlns:r="http://schemas.openxmlformats.org/officeDocument/2006/relationships" xmlns:p="http://schemas.openxmlformats.org/presentationml/2006/main">
+  <p:cSld>
+    <p:spTree>
+      <p:nvGrpSpPr>
+        <p:cNvPr id="1" name=""/>
+        <p:cNvGrpSpPr/>
+        <p:nvPr/>
+      </p:nvGrpSpPr>
+      <p:grpSpPr>
+        <a:xfrm>
+          <a:off x="0" y="0"/>
+          <a:ext cx="0" cy="0"/>
+          <a:chOff x="0" y="0"/>
+          <a:chExt cx="0" cy="0"/>
+        </a:xfrm>
+      </p:grpSpPr>
+      <p:sp>
+        <p:nvSpPr>
+          <p:cNvPr id="63490" name="Rectangle 7"/>
+          <p:cNvSpPr>
+            <a:spLocks noGrp="1" noChangeArrowheads="1"/>
+          </p:cNvSpPr>
+          <p:nvPr>
+            <p:ph type="sldNum" sz="quarter" idx="5"/>
+          </p:nvPr>
+        </p:nvSpPr>
+        <p:spPr>
+          <a:noFill/>
+        </p:spPr>
+        <p:txBody>
+          <a:bodyPr/>
+          <a:lstStyle/>
+          <a:p>
+            <a:fld id="{01E6D0ED-62AA-47AA-942A-9A6005D78124}" type="slidenum">
+              <a:rPr lang="en-US" smtClean="0"/>
+              <a:pPr/>
+              <a:t>13</a:t>
+            </a:fld>
+            <a:endParaRPr lang="en-US" smtClean="0"/>
+          </a:p>
+        </p:txBody>
+      </p:sp>
+      <p:sp>
+        <p:nvSpPr>
+          <p:cNvPr id="63491" name="Rectangle 2"/>
+          <p:cNvSpPr>
+            <a:spLocks noGrp="1" noRot="1" noChangeAspect="1" noChangeArrowheads="1" noTextEdit="1"/>
+          </p:cNvSpPr>
+          <p:nvPr>
+            <p:ph type="sldImg"/>
+          </p:nvPr>
+        </p:nvSpPr>
+        <p:spPr>
+          <a:ln/>
+        </p:spPr>
+      </p:sp>
+      <p:sp>
+        <p:nvSpPr>
+          <p:cNvPr id="63492" name="Rectangle 3"/>
+          <p:cNvSpPr>
+            <a:spLocks noGrp="1" noChangeArrowheads="1"/>
+          </p:cNvSpPr>
+          <p:nvPr>
+            <p:ph type="body" idx="1"/>
+          </p:nvPr>
+        </p:nvSpPr>
+        <p:spPr>
+          <a:noFill/>
+          <a:ln/>
+        </p:spPr>
+        <p:txBody>
+          <a:bodyPr/>
+          <a:lstStyle/>
+          <a:p>
+            <a:pPr eaLnBrk="1" hangingPunct="1"/>
+            <a:endParaRPr lang="en-US" smtClean="0"/>
+          </a:p>
+        </p:txBody>
+      </p:sp>
+    </p:spTree>
+  </p:cSld>
+  <p:clrMapOvr>
+    <a:masterClrMapping/>
+  </p:clrMapOvr>
+</p:notes>
+</file>
+
+<file path=ppt/notesSlides/notesSlide13.xml><?xml version="1.0" encoding="utf-8"?>
+<p:notes xmlns:a="http://schemas.openxmlformats.org/drawingml/2006/main" xmlns:r="http://schemas.openxmlformats.org/officeDocument/2006/relationships" xmlns:p="http://schemas.openxmlformats.org/presentationml/2006/main">
+  <p:cSld>
+    <p:spTree>
+      <p:nvGrpSpPr>
+        <p:cNvPr id="1" name=""/>
+        <p:cNvGrpSpPr/>
+        <p:nvPr/>
+      </p:nvGrpSpPr>
+      <p:grpSpPr>
+        <a:xfrm>
+          <a:off x="0" y="0"/>
+          <a:ext cx="0" cy="0"/>
+          <a:chOff x="0" y="0"/>
+          <a:chExt cx="0" cy="0"/>
+        </a:xfrm>
+      </p:grpSpPr>
+      <p:sp>
+        <p:nvSpPr>
+          <p:cNvPr id="63490" name="Rectangle 7"/>
+          <p:cNvSpPr>
+            <a:spLocks noGrp="1" noChangeArrowheads="1"/>
+          </p:cNvSpPr>
+          <p:nvPr>
+            <p:ph type="sldNum" sz="quarter" idx="5"/>
+          </p:nvPr>
+        </p:nvSpPr>
+        <p:spPr>
+          <a:noFill/>
+        </p:spPr>
+        <p:txBody>
+          <a:bodyPr/>
+          <a:lstStyle/>
+          <a:p>
+            <a:fld id="{01E6D0ED-62AA-47AA-942A-9A6005D78124}" type="slidenum">
+              <a:rPr lang="en-US" smtClean="0"/>
+              <a:pPr/>
+              <a:t>14</a:t>
+            </a:fld>
+            <a:endParaRPr lang="en-US" smtClean="0"/>
+          </a:p>
+        </p:txBody>
+      </p:sp>
+      <p:sp>
+        <p:nvSpPr>
+          <p:cNvPr id="63491" name="Rectangle 2"/>
+          <p:cNvSpPr>
+            <a:spLocks noGrp="1" noRot="1" noChangeAspect="1" noChangeArrowheads="1" noTextEdit="1"/>
+          </p:cNvSpPr>
+          <p:nvPr>
+            <p:ph type="sldImg"/>
+          </p:nvPr>
+        </p:nvSpPr>
+        <p:spPr>
+          <a:ln/>
+        </p:spPr>
+      </p:sp>
+      <p:sp>
+        <p:nvSpPr>
+          <p:cNvPr id="63492" name="Rectangle 3"/>
+          <p:cNvSpPr>
+            <a:spLocks noGrp="1" noChangeArrowheads="1"/>
+          </p:cNvSpPr>
+          <p:nvPr>
+            <p:ph type="body" idx="1"/>
+          </p:nvPr>
+        </p:nvSpPr>
+        <p:spPr>
+          <a:noFill/>
+          <a:ln/>
+        </p:spPr>
+        <p:txBody>
+          <a:bodyPr/>
+          <a:lstStyle/>
+          <a:p>
+            <a:pPr eaLnBrk="1" hangingPunct="1"/>
+            <a:endParaRPr lang="en-US" smtClean="0"/>
+          </a:p>
+        </p:txBody>
+      </p:sp>
+    </p:spTree>
+  </p:cSld>
+  <p:clrMapOvr>
+    <a:masterClrMapping/>
+  </p:clrMapOvr>
+</p:notes>
+</file>
+
+<file path=ppt/notesSlides/notesSlide14.xml><?xml version="1.0" encoding="utf-8"?>
+<p:notes xmlns:a="http://schemas.openxmlformats.org/drawingml/2006/main" xmlns:r="http://schemas.openxmlformats.org/officeDocument/2006/relationships" xmlns:p="http://schemas.openxmlformats.org/presentationml/2006/main">
+  <p:cSld>
+    <p:spTree>
+      <p:nvGrpSpPr>
+        <p:cNvPr id="1" name=""/>
+        <p:cNvGrpSpPr/>
+        <p:nvPr/>
+      </p:nvGrpSpPr>
+      <p:grpSpPr>
+        <a:xfrm>
+          <a:off x="0" y="0"/>
+          <a:ext cx="0" cy="0"/>
+          <a:chOff x="0" y="0"/>
+          <a:chExt cx="0" cy="0"/>
+        </a:xfrm>
+      </p:grpSpPr>
+      <p:sp>
+        <p:nvSpPr>
+          <p:cNvPr id="63490" name="Rectangle 7"/>
+          <p:cNvSpPr>
+            <a:spLocks noGrp="1" noChangeArrowheads="1"/>
+          </p:cNvSpPr>
+          <p:nvPr>
+            <p:ph type="sldNum" sz="quarter" idx="5"/>
+          </p:nvPr>
+        </p:nvSpPr>
+        <p:spPr>
+          <a:noFill/>
+        </p:spPr>
+        <p:txBody>
+          <a:bodyPr/>
+          <a:lstStyle/>
+          <a:p>
+            <a:fld id="{01E6D0ED-62AA-47AA-942A-9A6005D78124}" type="slidenum">
+              <a:rPr lang="en-US" smtClean="0"/>
+              <a:pPr/>
+              <a:t>15</a:t>
+            </a:fld>
+            <a:endParaRPr lang="en-US" smtClean="0"/>
+          </a:p>
+        </p:txBody>
+      </p:sp>
+      <p:sp>
+        <p:nvSpPr>
+          <p:cNvPr id="63491" name="Rectangle 2"/>
+          <p:cNvSpPr>
+            <a:spLocks noGrp="1" noRot="1" noChangeAspect="1" noChangeArrowheads="1" noTextEdit="1"/>
+          </p:cNvSpPr>
+          <p:nvPr>
+            <p:ph type="sldImg"/>
+          </p:nvPr>
+        </p:nvSpPr>
+        <p:spPr>
+          <a:ln/>
+        </p:spPr>
+      </p:sp>
+      <p:sp>
+        <p:nvSpPr>
+          <p:cNvPr id="63492" name="Rectangle 3"/>
+          <p:cNvSpPr>
+            <a:spLocks noGrp="1" noChangeArrowheads="1"/>
+          </p:cNvSpPr>
+          <p:nvPr>
+            <p:ph type="body" idx="1"/>
+          </p:nvPr>
+        </p:nvSpPr>
+        <p:spPr>
+          <a:noFill/>
+          <a:ln/>
+        </p:spPr>
+        <p:txBody>
+          <a:bodyPr/>
+          <a:lstStyle/>
+          <a:p>
+            <a:pPr eaLnBrk="1" hangingPunct="1"/>
+            <a:endParaRPr lang="en-US" smtClean="0"/>
+          </a:p>
+        </p:txBody>
+      </p:sp>
+    </p:spTree>
+  </p:cSld>
+  <p:clrMapOvr>
+    <a:masterClrMapping/>
+  </p:clrMapOvr>
+</p:notes>
+</file>
+
+<file path=ppt/notesSlides/notesSlide15.xml><?xml version="1.0" encoding="utf-8"?>
+<p:notes xmlns:a="http://schemas.openxmlformats.org/drawingml/2006/main" xmlns:r="http://schemas.openxmlformats.org/officeDocument/2006/relationships" xmlns:p="http://schemas.openxmlformats.org/presentationml/2006/main">
+  <p:cSld>
+    <p:spTree>
+      <p:nvGrpSpPr>
+        <p:cNvPr id="1" name=""/>
+        <p:cNvGrpSpPr/>
+        <p:nvPr/>
+      </p:nvGrpSpPr>
+      <p:grpSpPr>
+        <a:xfrm>
+          <a:off x="0" y="0"/>
+          <a:ext cx="0" cy="0"/>
+          <a:chOff x="0" y="0"/>
+          <a:chExt cx="0" cy="0"/>
+        </a:xfrm>
+      </p:grpSpPr>
+      <p:sp>
+        <p:nvSpPr>
           <p:cNvPr id="63490" name="Rectangle 7"/>
           <p:cNvSpPr>
             <a:spLocks noGrp="1" noChangeArrowheads="1"/>
@@ -1033,7 +1475,183 @@
 </p:notes>
 </file>
 
-<file path=ppt/notesSlides/notesSlide11.xml><?xml version="1.0" encoding="utf-8"?>
+<file path=ppt/notesSlides/notesSlide16.xml><?xml version="1.0" encoding="utf-8"?>
+<p:notes xmlns:a="http://schemas.openxmlformats.org/drawingml/2006/main" xmlns:r="http://schemas.openxmlformats.org/officeDocument/2006/relationships" xmlns:p="http://schemas.openxmlformats.org/presentationml/2006/main">
+  <p:cSld>
+    <p:spTree>
+      <p:nvGrpSpPr>
+        <p:cNvPr id="1" name=""/>
+        <p:cNvGrpSpPr/>
+        <p:nvPr/>
+      </p:nvGrpSpPr>
+      <p:grpSpPr>
+        <a:xfrm>
+          <a:off x="0" y="0"/>
+          <a:ext cx="0" cy="0"/>
+          <a:chOff x="0" y="0"/>
+          <a:chExt cx="0" cy="0"/>
+        </a:xfrm>
+      </p:grpSpPr>
+      <p:sp>
+        <p:nvSpPr>
+          <p:cNvPr id="63490" name="Rectangle 7"/>
+          <p:cNvSpPr>
+            <a:spLocks noGrp="1" noChangeArrowheads="1"/>
+          </p:cNvSpPr>
+          <p:nvPr>
+            <p:ph type="sldNum" sz="quarter" idx="5"/>
+          </p:nvPr>
+        </p:nvSpPr>
+        <p:spPr>
+          <a:noFill/>
+        </p:spPr>
+        <p:txBody>
+          <a:bodyPr/>
+          <a:lstStyle/>
+          <a:p>
+            <a:fld id="{01E6D0ED-62AA-47AA-942A-9A6005D78124}" type="slidenum">
+              <a:rPr lang="en-US" smtClean="0"/>
+              <a:pPr/>
+              <a:t>17</a:t>
+            </a:fld>
+            <a:endParaRPr lang="en-US" smtClean="0"/>
+          </a:p>
+        </p:txBody>
+      </p:sp>
+      <p:sp>
+        <p:nvSpPr>
+          <p:cNvPr id="63491" name="Rectangle 2"/>
+          <p:cNvSpPr>
+            <a:spLocks noGrp="1" noRot="1" noChangeAspect="1" noChangeArrowheads="1" noTextEdit="1"/>
+          </p:cNvSpPr>
+          <p:nvPr>
+            <p:ph type="sldImg"/>
+          </p:nvPr>
+        </p:nvSpPr>
+        <p:spPr>
+          <a:ln/>
+        </p:spPr>
+      </p:sp>
+      <p:sp>
+        <p:nvSpPr>
+          <p:cNvPr id="63492" name="Rectangle 3"/>
+          <p:cNvSpPr>
+            <a:spLocks noGrp="1" noChangeArrowheads="1"/>
+          </p:cNvSpPr>
+          <p:nvPr>
+            <p:ph type="body" idx="1"/>
+          </p:nvPr>
+        </p:nvSpPr>
+        <p:spPr>
+          <a:noFill/>
+          <a:ln/>
+        </p:spPr>
+        <p:txBody>
+          <a:bodyPr/>
+          <a:lstStyle/>
+          <a:p>
+            <a:pPr eaLnBrk="1" hangingPunct="1"/>
+            <a:endParaRPr lang="en-US" smtClean="0"/>
+          </a:p>
+        </p:txBody>
+      </p:sp>
+    </p:spTree>
+  </p:cSld>
+  <p:clrMapOvr>
+    <a:masterClrMapping/>
+  </p:clrMapOvr>
+</p:notes>
+</file>
+
+<file path=ppt/notesSlides/notesSlide17.xml><?xml version="1.0" encoding="utf-8"?>
+<p:notes xmlns:a="http://schemas.openxmlformats.org/drawingml/2006/main" xmlns:r="http://schemas.openxmlformats.org/officeDocument/2006/relationships" xmlns:p="http://schemas.openxmlformats.org/presentationml/2006/main">
+  <p:cSld>
+    <p:spTree>
+      <p:nvGrpSpPr>
+        <p:cNvPr id="1" name=""/>
+        <p:cNvGrpSpPr/>
+        <p:nvPr/>
+      </p:nvGrpSpPr>
+      <p:grpSpPr>
+        <a:xfrm>
+          <a:off x="0" y="0"/>
+          <a:ext cx="0" cy="0"/>
+          <a:chOff x="0" y="0"/>
+          <a:chExt cx="0" cy="0"/>
+        </a:xfrm>
+      </p:grpSpPr>
+      <p:sp>
+        <p:nvSpPr>
+          <p:cNvPr id="63490" name="Rectangle 7"/>
+          <p:cNvSpPr>
+            <a:spLocks noGrp="1" noChangeArrowheads="1"/>
+          </p:cNvSpPr>
+          <p:nvPr>
+            <p:ph type="sldNum" sz="quarter" idx="5"/>
+          </p:nvPr>
+        </p:nvSpPr>
+        <p:spPr>
+          <a:noFill/>
+        </p:spPr>
+        <p:txBody>
+          <a:bodyPr/>
+          <a:lstStyle/>
+          <a:p>
+            <a:fld id="{01E6D0ED-62AA-47AA-942A-9A6005D78124}" type="slidenum">
+              <a:rPr lang="en-US" smtClean="0"/>
+              <a:pPr/>
+              <a:t>18</a:t>
+            </a:fld>
+            <a:endParaRPr lang="en-US" smtClean="0"/>
+          </a:p>
+        </p:txBody>
+      </p:sp>
+      <p:sp>
+        <p:nvSpPr>
+          <p:cNvPr id="63491" name="Rectangle 2"/>
+          <p:cNvSpPr>
+            <a:spLocks noGrp="1" noRot="1" noChangeAspect="1" noChangeArrowheads="1" noTextEdit="1"/>
+          </p:cNvSpPr>
+          <p:nvPr>
+            <p:ph type="sldImg"/>
+          </p:nvPr>
+        </p:nvSpPr>
+        <p:spPr>
+          <a:ln/>
+        </p:spPr>
+      </p:sp>
+      <p:sp>
+        <p:nvSpPr>
+          <p:cNvPr id="63492" name="Rectangle 3"/>
+          <p:cNvSpPr>
+            <a:spLocks noGrp="1" noChangeArrowheads="1"/>
+          </p:cNvSpPr>
+          <p:nvPr>
+            <p:ph type="body" idx="1"/>
+          </p:nvPr>
+        </p:nvSpPr>
+        <p:spPr>
+          <a:noFill/>
+          <a:ln/>
+        </p:spPr>
+        <p:txBody>
+          <a:bodyPr/>
+          <a:lstStyle/>
+          <a:p>
+            <a:pPr eaLnBrk="1" hangingPunct="1"/>
+            <a:endParaRPr lang="en-US" smtClean="0"/>
+          </a:p>
+        </p:txBody>
+      </p:sp>
+    </p:spTree>
+  </p:cSld>
+  <p:clrMapOvr>
+    <a:masterClrMapping/>
+  </p:clrMapOvr>
+</p:notes>
+</file>
+
+<file path=ppt/notesSlides/notesSlide18.xml><?xml version="1.0" encoding="utf-8"?>
 <p:notes xmlns:a="http://schemas.openxmlformats.org/drawingml/2006/main" xmlns:r="http://schemas.openxmlformats.org/officeDocument/2006/relationships" xmlns:p="http://schemas.openxmlformats.org/presentationml/2006/main">
   <p:cSld>
     <p:spTree>
@@ -1070,7 +1688,7 @@
             <a:fld id="{05C2FADC-59F4-49A8-8BCA-5A415D70E260}" type="slidenum">
               <a:rPr lang="en-US" smtClean="0"/>
               <a:pPr/>
-              <a:t>17</a:t>
+              <a:t>19</a:t>
             </a:fld>
             <a:endParaRPr lang="en-US" smtClean="0"/>
           </a:p>
@@ -1121,7 +1739,7 @@
 </p:notes>
 </file>
 
-<file path=ppt/notesSlides/notesSlide12.xml><?xml version="1.0" encoding="utf-8"?>
+<file path=ppt/notesSlides/notesSlide19.xml><?xml version="1.0" encoding="utf-8"?>
 <p:notes xmlns:a="http://schemas.openxmlformats.org/drawingml/2006/main" xmlns:r="http://schemas.openxmlformats.org/officeDocument/2006/relationships" xmlns:p="http://schemas.openxmlformats.org/presentationml/2006/main">
   <p:cSld>
     <p:spTree>
@@ -1158,7 +1776,7 @@
             <a:fld id="{05C2FADC-59F4-49A8-8BCA-5A415D70E260}" type="slidenum">
               <a:rPr lang="en-US" smtClean="0"/>
               <a:pPr/>
-              <a:t>18</a:t>
+              <a:t>20</a:t>
             </a:fld>
             <a:endParaRPr lang="en-US" smtClean="0"/>
           </a:p>
@@ -1209,7 +1827,187 @@
 </p:notes>
 </file>
 
-<file path=ppt/notesSlides/notesSlide13.xml><?xml version="1.0" encoding="utf-8"?>
+<file path=ppt/notesSlides/notesSlide2.xml><?xml version="1.0" encoding="utf-8"?>
+<p:notes xmlns:a="http://schemas.openxmlformats.org/drawingml/2006/main" xmlns:r="http://schemas.openxmlformats.org/officeDocument/2006/relationships" xmlns:p="http://schemas.openxmlformats.org/presentationml/2006/main">
+  <p:cSld>
+    <p:spTree>
+      <p:nvGrpSpPr>
+        <p:cNvPr id="1" name=""/>
+        <p:cNvGrpSpPr/>
+        <p:nvPr/>
+      </p:nvGrpSpPr>
+      <p:grpSpPr>
+        <a:xfrm>
+          <a:off x="0" y="0"/>
+          <a:ext cx="0" cy="0"/>
+          <a:chOff x="0" y="0"/>
+          <a:chExt cx="0" cy="0"/>
+        </a:xfrm>
+      </p:grpSpPr>
+      <p:sp>
+        <p:nvSpPr>
+          <p:cNvPr id="2" name="Slide Image Placeholder 1"/>
+          <p:cNvSpPr>
+            <a:spLocks noGrp="1" noRot="1" noChangeAspect="1"/>
+          </p:cNvSpPr>
+          <p:nvPr>
+            <p:ph type="sldImg"/>
+          </p:nvPr>
+        </p:nvSpPr>
+        <p:spPr/>
+      </p:sp>
+      <p:sp>
+        <p:nvSpPr>
+          <p:cNvPr id="3" name="Notes Placeholder 2"/>
+          <p:cNvSpPr>
+            <a:spLocks noGrp="1"/>
+          </p:cNvSpPr>
+          <p:nvPr>
+            <p:ph type="body" idx="1"/>
+          </p:nvPr>
+        </p:nvSpPr>
+        <p:spPr/>
+        <p:txBody>
+          <a:bodyPr/>
+          <a:lstStyle/>
+          <a:p>
+            <a:endParaRPr lang="en-US"/>
+          </a:p>
+        </p:txBody>
+      </p:sp>
+      <p:sp>
+        <p:nvSpPr>
+          <p:cNvPr id="4" name="Slide Number Placeholder 3"/>
+          <p:cNvSpPr>
+            <a:spLocks noGrp="1"/>
+          </p:cNvSpPr>
+          <p:nvPr>
+            <p:ph type="sldNum" sz="quarter" idx="10"/>
+          </p:nvPr>
+        </p:nvSpPr>
+        <p:spPr/>
+        <p:txBody>
+          <a:bodyPr/>
+          <a:lstStyle/>
+          <a:p>
+            <a:pPr>
+              <a:defRPr/>
+            </a:pPr>
+            <a:fld id="{E7625D05-B33F-4064-AC10-CB80748B6ABD}" type="slidenum">
+              <a:rPr lang="en-US" smtClean="0"/>
+              <a:pPr>
+                <a:defRPr/>
+              </a:pPr>
+              <a:t>2</a:t>
+            </a:fld>
+            <a:endParaRPr lang="en-US"/>
+          </a:p>
+        </p:txBody>
+      </p:sp>
+    </p:spTree>
+    <p:extLst>
+      <p:ext uri="{BB962C8B-B14F-4D97-AF65-F5344CB8AC3E}">
+        <p14:creationId xmlns:p14="http://schemas.microsoft.com/office/powerpoint/2010/main" val="795003937"/>
+      </p:ext>
+    </p:extLst>
+  </p:cSld>
+  <p:clrMapOvr>
+    <a:masterClrMapping/>
+  </p:clrMapOvr>
+</p:notes>
+</file>
+
+<file path=ppt/notesSlides/notesSlide20.xml><?xml version="1.0" encoding="utf-8"?>
+<p:notes xmlns:a="http://schemas.openxmlformats.org/drawingml/2006/main" xmlns:r="http://schemas.openxmlformats.org/officeDocument/2006/relationships" xmlns:p="http://schemas.openxmlformats.org/presentationml/2006/main">
+  <p:cSld>
+    <p:spTree>
+      <p:nvGrpSpPr>
+        <p:cNvPr id="1" name=""/>
+        <p:cNvGrpSpPr/>
+        <p:nvPr/>
+      </p:nvGrpSpPr>
+      <p:grpSpPr>
+        <a:xfrm>
+          <a:off x="0" y="0"/>
+          <a:ext cx="0" cy="0"/>
+          <a:chOff x="0" y="0"/>
+          <a:chExt cx="0" cy="0"/>
+        </a:xfrm>
+      </p:grpSpPr>
+      <p:sp>
+        <p:nvSpPr>
+          <p:cNvPr id="2" name="Slide Image Placeholder 1"/>
+          <p:cNvSpPr>
+            <a:spLocks noGrp="1" noRot="1" noChangeAspect="1"/>
+          </p:cNvSpPr>
+          <p:nvPr>
+            <p:ph type="sldImg"/>
+          </p:nvPr>
+        </p:nvSpPr>
+        <p:spPr/>
+      </p:sp>
+      <p:sp>
+        <p:nvSpPr>
+          <p:cNvPr id="3" name="Notes Placeholder 2"/>
+          <p:cNvSpPr>
+            <a:spLocks noGrp="1"/>
+          </p:cNvSpPr>
+          <p:nvPr>
+            <p:ph type="body" idx="1"/>
+          </p:nvPr>
+        </p:nvSpPr>
+        <p:spPr/>
+        <p:txBody>
+          <a:bodyPr/>
+          <a:lstStyle/>
+          <a:p>
+            <a:endParaRPr lang="en-US"/>
+          </a:p>
+        </p:txBody>
+      </p:sp>
+      <p:sp>
+        <p:nvSpPr>
+          <p:cNvPr id="4" name="Slide Number Placeholder 3"/>
+          <p:cNvSpPr>
+            <a:spLocks noGrp="1"/>
+          </p:cNvSpPr>
+          <p:nvPr>
+            <p:ph type="sldNum" sz="quarter" idx="10"/>
+          </p:nvPr>
+        </p:nvSpPr>
+        <p:spPr/>
+        <p:txBody>
+          <a:bodyPr/>
+          <a:lstStyle/>
+          <a:p>
+            <a:pPr>
+              <a:defRPr/>
+            </a:pPr>
+            <a:fld id="{E7625D05-B33F-4064-AC10-CB80748B6ABD}" type="slidenum">
+              <a:rPr lang="en-US" smtClean="0"/>
+              <a:pPr>
+                <a:defRPr/>
+              </a:pPr>
+              <a:t>21</a:t>
+            </a:fld>
+            <a:endParaRPr lang="en-US"/>
+          </a:p>
+        </p:txBody>
+      </p:sp>
+    </p:spTree>
+    <p:extLst>
+      <p:ext uri="{BB962C8B-B14F-4D97-AF65-F5344CB8AC3E}">
+        <p14:creationId xmlns:p14="http://schemas.microsoft.com/office/powerpoint/2010/main" val="3824552763"/>
+      </p:ext>
+    </p:extLst>
+  </p:cSld>
+  <p:clrMapOvr>
+    <a:masterClrMapping/>
+  </p:clrMapOvr>
+</p:notes>
+</file>
+
+<file path=ppt/notesSlides/notesSlide21.xml><?xml version="1.0" encoding="utf-8"?>
 <p:notes xmlns:a="http://schemas.openxmlformats.org/drawingml/2006/main" xmlns:r="http://schemas.openxmlformats.org/officeDocument/2006/relationships" xmlns:p="http://schemas.openxmlformats.org/presentationml/2006/main">
   <p:cSld>
     <p:spTree>
@@ -1280,7 +2078,7 @@
               <a:pPr>
                 <a:defRPr/>
               </a:pPr>
-              <a:t>20</a:t>
+              <a:t>22</a:t>
             </a:fld>
             <a:endParaRPr lang="en-US"/>
           </a:p>
@@ -1299,7 +2097,277 @@
 </p:notes>
 </file>
 
-<file path=ppt/notesSlides/notesSlide2.xml><?xml version="1.0" encoding="utf-8"?>
+<file path=ppt/notesSlides/notesSlide3.xml><?xml version="1.0" encoding="utf-8"?>
+<p:notes xmlns:a="http://schemas.openxmlformats.org/drawingml/2006/main" xmlns:r="http://schemas.openxmlformats.org/officeDocument/2006/relationships" xmlns:p="http://schemas.openxmlformats.org/presentationml/2006/main">
+  <p:cSld>
+    <p:spTree>
+      <p:nvGrpSpPr>
+        <p:cNvPr id="1" name=""/>
+        <p:cNvGrpSpPr/>
+        <p:nvPr/>
+      </p:nvGrpSpPr>
+      <p:grpSpPr>
+        <a:xfrm>
+          <a:off x="0" y="0"/>
+          <a:ext cx="0" cy="0"/>
+          <a:chOff x="0" y="0"/>
+          <a:chExt cx="0" cy="0"/>
+        </a:xfrm>
+      </p:grpSpPr>
+      <p:sp>
+        <p:nvSpPr>
+          <p:cNvPr id="2" name="Slide Image Placeholder 1"/>
+          <p:cNvSpPr>
+            <a:spLocks noGrp="1" noRot="1" noChangeAspect="1"/>
+          </p:cNvSpPr>
+          <p:nvPr>
+            <p:ph type="sldImg"/>
+          </p:nvPr>
+        </p:nvSpPr>
+        <p:spPr/>
+      </p:sp>
+      <p:sp>
+        <p:nvSpPr>
+          <p:cNvPr id="3" name="Notes Placeholder 2"/>
+          <p:cNvSpPr>
+            <a:spLocks noGrp="1"/>
+          </p:cNvSpPr>
+          <p:nvPr>
+            <p:ph type="body" idx="1"/>
+          </p:nvPr>
+        </p:nvSpPr>
+        <p:spPr/>
+        <p:txBody>
+          <a:bodyPr/>
+          <a:lstStyle/>
+          <a:p>
+            <a:endParaRPr lang="en-US"/>
+          </a:p>
+        </p:txBody>
+      </p:sp>
+      <p:sp>
+        <p:nvSpPr>
+          <p:cNvPr id="4" name="Slide Number Placeholder 3"/>
+          <p:cNvSpPr>
+            <a:spLocks noGrp="1"/>
+          </p:cNvSpPr>
+          <p:nvPr>
+            <p:ph type="sldNum" sz="quarter" idx="10"/>
+          </p:nvPr>
+        </p:nvSpPr>
+        <p:spPr/>
+        <p:txBody>
+          <a:bodyPr/>
+          <a:lstStyle/>
+          <a:p>
+            <a:pPr>
+              <a:defRPr/>
+            </a:pPr>
+            <a:fld id="{E7625D05-B33F-4064-AC10-CB80748B6ABD}" type="slidenum">
+              <a:rPr lang="en-US" smtClean="0"/>
+              <a:pPr>
+                <a:defRPr/>
+              </a:pPr>
+              <a:t>3</a:t>
+            </a:fld>
+            <a:endParaRPr lang="en-US"/>
+          </a:p>
+        </p:txBody>
+      </p:sp>
+    </p:spTree>
+    <p:extLst>
+      <p:ext uri="{BB962C8B-B14F-4D97-AF65-F5344CB8AC3E}">
+        <p14:creationId xmlns:p14="http://schemas.microsoft.com/office/powerpoint/2010/main" val="1015567110"/>
+      </p:ext>
+    </p:extLst>
+  </p:cSld>
+  <p:clrMapOvr>
+    <a:masterClrMapping/>
+  </p:clrMapOvr>
+</p:notes>
+</file>
+
+<file path=ppt/notesSlides/notesSlide4.xml><?xml version="1.0" encoding="utf-8"?>
+<p:notes xmlns:a="http://schemas.openxmlformats.org/drawingml/2006/main" xmlns:r="http://schemas.openxmlformats.org/officeDocument/2006/relationships" xmlns:p="http://schemas.openxmlformats.org/presentationml/2006/main">
+  <p:cSld>
+    <p:spTree>
+      <p:nvGrpSpPr>
+        <p:cNvPr id="1" name=""/>
+        <p:cNvGrpSpPr/>
+        <p:nvPr/>
+      </p:nvGrpSpPr>
+      <p:grpSpPr>
+        <a:xfrm>
+          <a:off x="0" y="0"/>
+          <a:ext cx="0" cy="0"/>
+          <a:chOff x="0" y="0"/>
+          <a:chExt cx="0" cy="0"/>
+        </a:xfrm>
+      </p:grpSpPr>
+      <p:sp>
+        <p:nvSpPr>
+          <p:cNvPr id="2" name="Slide Image Placeholder 1"/>
+          <p:cNvSpPr>
+            <a:spLocks noGrp="1" noRot="1" noChangeAspect="1"/>
+          </p:cNvSpPr>
+          <p:nvPr>
+            <p:ph type="sldImg"/>
+          </p:nvPr>
+        </p:nvSpPr>
+        <p:spPr/>
+      </p:sp>
+      <p:sp>
+        <p:nvSpPr>
+          <p:cNvPr id="3" name="Notes Placeholder 2"/>
+          <p:cNvSpPr>
+            <a:spLocks noGrp="1"/>
+          </p:cNvSpPr>
+          <p:nvPr>
+            <p:ph type="body" idx="1"/>
+          </p:nvPr>
+        </p:nvSpPr>
+        <p:spPr/>
+        <p:txBody>
+          <a:bodyPr/>
+          <a:lstStyle/>
+          <a:p>
+            <a:endParaRPr lang="en-US"/>
+          </a:p>
+        </p:txBody>
+      </p:sp>
+      <p:sp>
+        <p:nvSpPr>
+          <p:cNvPr id="4" name="Slide Number Placeholder 3"/>
+          <p:cNvSpPr>
+            <a:spLocks noGrp="1"/>
+          </p:cNvSpPr>
+          <p:nvPr>
+            <p:ph type="sldNum" sz="quarter" idx="10"/>
+          </p:nvPr>
+        </p:nvSpPr>
+        <p:spPr/>
+        <p:txBody>
+          <a:bodyPr/>
+          <a:lstStyle/>
+          <a:p>
+            <a:pPr>
+              <a:defRPr/>
+            </a:pPr>
+            <a:fld id="{E7625D05-B33F-4064-AC10-CB80748B6ABD}" type="slidenum">
+              <a:rPr lang="en-US" smtClean="0"/>
+              <a:pPr>
+                <a:defRPr/>
+              </a:pPr>
+              <a:t>5</a:t>
+            </a:fld>
+            <a:endParaRPr lang="en-US"/>
+          </a:p>
+        </p:txBody>
+      </p:sp>
+    </p:spTree>
+    <p:extLst>
+      <p:ext uri="{BB962C8B-B14F-4D97-AF65-F5344CB8AC3E}">
+        <p14:creationId xmlns:p14="http://schemas.microsoft.com/office/powerpoint/2010/main" val="336823124"/>
+      </p:ext>
+    </p:extLst>
+  </p:cSld>
+  <p:clrMapOvr>
+    <a:masterClrMapping/>
+  </p:clrMapOvr>
+</p:notes>
+</file>
+
+<file path=ppt/notesSlides/notesSlide5.xml><?xml version="1.0" encoding="utf-8"?>
+<p:notes xmlns:a="http://schemas.openxmlformats.org/drawingml/2006/main" xmlns:r="http://schemas.openxmlformats.org/officeDocument/2006/relationships" xmlns:p="http://schemas.openxmlformats.org/presentationml/2006/main">
+  <p:cSld>
+    <p:spTree>
+      <p:nvGrpSpPr>
+        <p:cNvPr id="1" name=""/>
+        <p:cNvGrpSpPr/>
+        <p:nvPr/>
+      </p:nvGrpSpPr>
+      <p:grpSpPr>
+        <a:xfrm>
+          <a:off x="0" y="0"/>
+          <a:ext cx="0" cy="0"/>
+          <a:chOff x="0" y="0"/>
+          <a:chExt cx="0" cy="0"/>
+        </a:xfrm>
+      </p:grpSpPr>
+      <p:sp>
+        <p:nvSpPr>
+          <p:cNvPr id="2" name="Slide Image Placeholder 1"/>
+          <p:cNvSpPr>
+            <a:spLocks noGrp="1" noRot="1" noChangeAspect="1"/>
+          </p:cNvSpPr>
+          <p:nvPr>
+            <p:ph type="sldImg"/>
+          </p:nvPr>
+        </p:nvSpPr>
+        <p:spPr/>
+      </p:sp>
+      <p:sp>
+        <p:nvSpPr>
+          <p:cNvPr id="3" name="Notes Placeholder 2"/>
+          <p:cNvSpPr>
+            <a:spLocks noGrp="1"/>
+          </p:cNvSpPr>
+          <p:nvPr>
+            <p:ph type="body" idx="1"/>
+          </p:nvPr>
+        </p:nvSpPr>
+        <p:spPr/>
+        <p:txBody>
+          <a:bodyPr/>
+          <a:lstStyle/>
+          <a:p>
+            <a:endParaRPr lang="en-US"/>
+          </a:p>
+        </p:txBody>
+      </p:sp>
+      <p:sp>
+        <p:nvSpPr>
+          <p:cNvPr id="4" name="Slide Number Placeholder 3"/>
+          <p:cNvSpPr>
+            <a:spLocks noGrp="1"/>
+          </p:cNvSpPr>
+          <p:nvPr>
+            <p:ph type="sldNum" sz="quarter" idx="10"/>
+          </p:nvPr>
+        </p:nvSpPr>
+        <p:spPr/>
+        <p:txBody>
+          <a:bodyPr/>
+          <a:lstStyle/>
+          <a:p>
+            <a:pPr>
+              <a:defRPr/>
+            </a:pPr>
+            <a:fld id="{E7625D05-B33F-4064-AC10-CB80748B6ABD}" type="slidenum">
+              <a:rPr lang="en-US" smtClean="0"/>
+              <a:pPr>
+                <a:defRPr/>
+              </a:pPr>
+              <a:t>6</a:t>
+            </a:fld>
+            <a:endParaRPr lang="en-US"/>
+          </a:p>
+        </p:txBody>
+      </p:sp>
+    </p:spTree>
+    <p:extLst>
+      <p:ext uri="{BB962C8B-B14F-4D97-AF65-F5344CB8AC3E}">
+        <p14:creationId xmlns:p14="http://schemas.microsoft.com/office/powerpoint/2010/main" val="870758956"/>
+      </p:ext>
+    </p:extLst>
+  </p:cSld>
+  <p:clrMapOvr>
+    <a:masterClrMapping/>
+  </p:clrMapOvr>
+</p:notes>
+</file>
+
+<file path=ppt/notesSlides/notesSlide6.xml><?xml version="1.0" encoding="utf-8"?>
 <p:notes xmlns:a="http://schemas.openxmlformats.org/drawingml/2006/main" xmlns:r="http://schemas.openxmlformats.org/officeDocument/2006/relationships" xmlns:p="http://schemas.openxmlformats.org/presentationml/2006/main">
   <p:cSld>
     <p:spTree>
@@ -1387,7 +2455,7 @@
 </p:notes>
 </file>
 
-<file path=ppt/notesSlides/notesSlide3.xml><?xml version="1.0" encoding="utf-8"?>
+<file path=ppt/notesSlides/notesSlide7.xml><?xml version="1.0" encoding="utf-8"?>
 <p:notes xmlns:a="http://schemas.openxmlformats.org/drawingml/2006/main" xmlns:r="http://schemas.openxmlformats.org/officeDocument/2006/relationships" xmlns:p="http://schemas.openxmlformats.org/presentationml/2006/main">
   <p:cSld>
     <p:spTree>
@@ -1475,7 +2543,97 @@
 </p:notes>
 </file>
 
-<file path=ppt/notesSlides/notesSlide4.xml><?xml version="1.0" encoding="utf-8"?>
+<file path=ppt/notesSlides/notesSlide8.xml><?xml version="1.0" encoding="utf-8"?>
+<p:notes xmlns:a="http://schemas.openxmlformats.org/drawingml/2006/main" xmlns:r="http://schemas.openxmlformats.org/officeDocument/2006/relationships" xmlns:p="http://schemas.openxmlformats.org/presentationml/2006/main">
+  <p:cSld>
+    <p:spTree>
+      <p:nvGrpSpPr>
+        <p:cNvPr id="1" name=""/>
+        <p:cNvGrpSpPr/>
+        <p:nvPr/>
+      </p:nvGrpSpPr>
+      <p:grpSpPr>
+        <a:xfrm>
+          <a:off x="0" y="0"/>
+          <a:ext cx="0" cy="0"/>
+          <a:chOff x="0" y="0"/>
+          <a:chExt cx="0" cy="0"/>
+        </a:xfrm>
+      </p:grpSpPr>
+      <p:sp>
+        <p:nvSpPr>
+          <p:cNvPr id="2" name="Slide Image Placeholder 1"/>
+          <p:cNvSpPr>
+            <a:spLocks noGrp="1" noRot="1" noChangeAspect="1"/>
+          </p:cNvSpPr>
+          <p:nvPr>
+            <p:ph type="sldImg"/>
+          </p:nvPr>
+        </p:nvSpPr>
+        <p:spPr/>
+      </p:sp>
+      <p:sp>
+        <p:nvSpPr>
+          <p:cNvPr id="3" name="Notes Placeholder 2"/>
+          <p:cNvSpPr>
+            <a:spLocks noGrp="1"/>
+          </p:cNvSpPr>
+          <p:nvPr>
+            <p:ph type="body" idx="1"/>
+          </p:nvPr>
+        </p:nvSpPr>
+        <p:spPr/>
+        <p:txBody>
+          <a:bodyPr/>
+          <a:lstStyle/>
+          <a:p>
+            <a:endParaRPr lang="en-US"/>
+          </a:p>
+        </p:txBody>
+      </p:sp>
+      <p:sp>
+        <p:nvSpPr>
+          <p:cNvPr id="4" name="Slide Number Placeholder 3"/>
+          <p:cNvSpPr>
+            <a:spLocks noGrp="1"/>
+          </p:cNvSpPr>
+          <p:nvPr>
+            <p:ph type="sldNum" sz="quarter" idx="10"/>
+          </p:nvPr>
+        </p:nvSpPr>
+        <p:spPr/>
+        <p:txBody>
+          <a:bodyPr/>
+          <a:lstStyle/>
+          <a:p>
+            <a:pPr>
+              <a:defRPr/>
+            </a:pPr>
+            <a:fld id="{E7625D05-B33F-4064-AC10-CB80748B6ABD}" type="slidenum">
+              <a:rPr lang="en-US" smtClean="0"/>
+              <a:pPr>
+                <a:defRPr/>
+              </a:pPr>
+              <a:t>9</a:t>
+            </a:fld>
+            <a:endParaRPr lang="en-US"/>
+          </a:p>
+        </p:txBody>
+      </p:sp>
+    </p:spTree>
+    <p:extLst>
+      <p:ext uri="{BB962C8B-B14F-4D97-AF65-F5344CB8AC3E}">
+        <p14:creationId xmlns:p14="http://schemas.microsoft.com/office/powerpoint/2010/main" val="592872787"/>
+      </p:ext>
+    </p:extLst>
+  </p:cSld>
+  <p:clrMapOvr>
+    <a:masterClrMapping/>
+  </p:clrMapOvr>
+</p:notes>
+</file>
+
+<file path=ppt/notesSlides/notesSlide9.xml><?xml version="1.0" encoding="utf-8"?>
 <p:notes xmlns:a="http://schemas.openxmlformats.org/drawingml/2006/main" xmlns:r="http://schemas.openxmlformats.org/officeDocument/2006/relationships" xmlns:p="http://schemas.openxmlformats.org/presentationml/2006/main">
   <p:cSld>
     <p:spTree>
@@ -1551,446 +2709,6 @@
               <a:pPr/>
               <a:t>10</a:t>
             </a:fld>
-            <a:endParaRPr lang="en-US" smtClean="0"/>
-          </a:p>
-        </p:txBody>
-      </p:sp>
-    </p:spTree>
-  </p:cSld>
-  <p:clrMapOvr>
-    <a:masterClrMapping/>
-  </p:clrMapOvr>
-</p:notes>
-</file>
-
-<file path=ppt/notesSlides/notesSlide5.xml><?xml version="1.0" encoding="utf-8"?>
-<p:notes xmlns:a="http://schemas.openxmlformats.org/drawingml/2006/main" xmlns:r="http://schemas.openxmlformats.org/officeDocument/2006/relationships" xmlns:p="http://schemas.openxmlformats.org/presentationml/2006/main">
-  <p:cSld>
-    <p:spTree>
-      <p:nvGrpSpPr>
-        <p:cNvPr id="1" name=""/>
-        <p:cNvGrpSpPr/>
-        <p:nvPr/>
-      </p:nvGrpSpPr>
-      <p:grpSpPr>
-        <a:xfrm>
-          <a:off x="0" y="0"/>
-          <a:ext cx="0" cy="0"/>
-          <a:chOff x="0" y="0"/>
-          <a:chExt cx="0" cy="0"/>
-        </a:xfrm>
-      </p:grpSpPr>
-      <p:sp>
-        <p:nvSpPr>
-          <p:cNvPr id="61442" name="Slide Image Placeholder 1"/>
-          <p:cNvSpPr>
-            <a:spLocks noGrp="1" noRot="1" noChangeAspect="1" noTextEdit="1"/>
-          </p:cNvSpPr>
-          <p:nvPr>
-            <p:ph type="sldImg"/>
-          </p:nvPr>
-        </p:nvSpPr>
-        <p:spPr>
-          <a:ln/>
-        </p:spPr>
-      </p:sp>
-      <p:sp>
-        <p:nvSpPr>
-          <p:cNvPr id="61443" name="Notes Placeholder 2"/>
-          <p:cNvSpPr>
-            <a:spLocks noGrp="1"/>
-          </p:cNvSpPr>
-          <p:nvPr>
-            <p:ph type="body" idx="1"/>
-          </p:nvPr>
-        </p:nvSpPr>
-        <p:spPr>
-          <a:noFill/>
-          <a:ln/>
-        </p:spPr>
-        <p:txBody>
-          <a:bodyPr/>
-          <a:lstStyle/>
-          <a:p>
-            <a:pPr eaLnBrk="1" hangingPunct="1"/>
-            <a:endParaRPr lang="en-US" smtClean="0"/>
-          </a:p>
-        </p:txBody>
-      </p:sp>
-      <p:sp>
-        <p:nvSpPr>
-          <p:cNvPr id="61444" name="Slide Number Placeholder 3"/>
-          <p:cNvSpPr>
-            <a:spLocks noGrp="1"/>
-          </p:cNvSpPr>
-          <p:nvPr>
-            <p:ph type="sldNum" sz="quarter" idx="5"/>
-          </p:nvPr>
-        </p:nvSpPr>
-        <p:spPr>
-          <a:noFill/>
-        </p:spPr>
-        <p:txBody>
-          <a:bodyPr/>
-          <a:lstStyle/>
-          <a:p>
-            <a:fld id="{634EFCA9-28A5-49EA-A028-A056AD32EA11}" type="slidenum">
-              <a:rPr lang="en-US" smtClean="0"/>
-              <a:pPr/>
-              <a:t>11</a:t>
-            </a:fld>
-            <a:endParaRPr lang="en-US" smtClean="0"/>
-          </a:p>
-        </p:txBody>
-      </p:sp>
-    </p:spTree>
-  </p:cSld>
-  <p:clrMapOvr>
-    <a:masterClrMapping/>
-  </p:clrMapOvr>
-</p:notes>
-</file>
-
-<file path=ppt/notesSlides/notesSlide6.xml><?xml version="1.0" encoding="utf-8"?>
-<p:notes xmlns:a="http://schemas.openxmlformats.org/drawingml/2006/main" xmlns:r="http://schemas.openxmlformats.org/officeDocument/2006/relationships" xmlns:p="http://schemas.openxmlformats.org/presentationml/2006/main">
-  <p:cSld>
-    <p:spTree>
-      <p:nvGrpSpPr>
-        <p:cNvPr id="1" name=""/>
-        <p:cNvGrpSpPr/>
-        <p:nvPr/>
-      </p:nvGrpSpPr>
-      <p:grpSpPr>
-        <a:xfrm>
-          <a:off x="0" y="0"/>
-          <a:ext cx="0" cy="0"/>
-          <a:chOff x="0" y="0"/>
-          <a:chExt cx="0" cy="0"/>
-        </a:xfrm>
-      </p:grpSpPr>
-      <p:sp>
-        <p:nvSpPr>
-          <p:cNvPr id="62466" name="Rectangle 7"/>
-          <p:cNvSpPr>
-            <a:spLocks noGrp="1" noChangeArrowheads="1"/>
-          </p:cNvSpPr>
-          <p:nvPr>
-            <p:ph type="sldNum" sz="quarter" idx="5"/>
-          </p:nvPr>
-        </p:nvSpPr>
-        <p:spPr>
-          <a:noFill/>
-        </p:spPr>
-        <p:txBody>
-          <a:bodyPr/>
-          <a:lstStyle/>
-          <a:p>
-            <a:fld id="{D7CA02CE-BAD0-465D-B1BD-5EBAFE60AEB3}" type="slidenum">
-              <a:rPr lang="en-US" smtClean="0"/>
-              <a:pPr/>
-              <a:t>12</a:t>
-            </a:fld>
-            <a:endParaRPr lang="en-US" smtClean="0"/>
-          </a:p>
-        </p:txBody>
-      </p:sp>
-      <p:sp>
-        <p:nvSpPr>
-          <p:cNvPr id="62467" name="Rectangle 2"/>
-          <p:cNvSpPr>
-            <a:spLocks noGrp="1" noRot="1" noChangeAspect="1" noChangeArrowheads="1" noTextEdit="1"/>
-          </p:cNvSpPr>
-          <p:nvPr>
-            <p:ph type="sldImg"/>
-          </p:nvPr>
-        </p:nvSpPr>
-        <p:spPr>
-          <a:ln/>
-        </p:spPr>
-      </p:sp>
-      <p:sp>
-        <p:nvSpPr>
-          <p:cNvPr id="62468" name="Rectangle 3"/>
-          <p:cNvSpPr>
-            <a:spLocks noGrp="1" noChangeArrowheads="1"/>
-          </p:cNvSpPr>
-          <p:nvPr>
-            <p:ph type="body" idx="1"/>
-          </p:nvPr>
-        </p:nvSpPr>
-        <p:spPr>
-          <a:noFill/>
-          <a:ln/>
-        </p:spPr>
-        <p:txBody>
-          <a:bodyPr/>
-          <a:lstStyle/>
-          <a:p>
-            <a:pPr eaLnBrk="1" hangingPunct="1"/>
-            <a:endParaRPr lang="en-US" smtClean="0"/>
-          </a:p>
-        </p:txBody>
-      </p:sp>
-    </p:spTree>
-  </p:cSld>
-  <p:clrMapOvr>
-    <a:masterClrMapping/>
-  </p:clrMapOvr>
-</p:notes>
-</file>
-
-<file path=ppt/notesSlides/notesSlide7.xml><?xml version="1.0" encoding="utf-8"?>
-<p:notes xmlns:a="http://schemas.openxmlformats.org/drawingml/2006/main" xmlns:r="http://schemas.openxmlformats.org/officeDocument/2006/relationships" xmlns:p="http://schemas.openxmlformats.org/presentationml/2006/main">
-  <p:cSld>
-    <p:spTree>
-      <p:nvGrpSpPr>
-        <p:cNvPr id="1" name=""/>
-        <p:cNvGrpSpPr/>
-        <p:nvPr/>
-      </p:nvGrpSpPr>
-      <p:grpSpPr>
-        <a:xfrm>
-          <a:off x="0" y="0"/>
-          <a:ext cx="0" cy="0"/>
-          <a:chOff x="0" y="0"/>
-          <a:chExt cx="0" cy="0"/>
-        </a:xfrm>
-      </p:grpSpPr>
-      <p:sp>
-        <p:nvSpPr>
-          <p:cNvPr id="63490" name="Rectangle 7"/>
-          <p:cNvSpPr>
-            <a:spLocks noGrp="1" noChangeArrowheads="1"/>
-          </p:cNvSpPr>
-          <p:nvPr>
-            <p:ph type="sldNum" sz="quarter" idx="5"/>
-          </p:nvPr>
-        </p:nvSpPr>
-        <p:spPr>
-          <a:noFill/>
-        </p:spPr>
-        <p:txBody>
-          <a:bodyPr/>
-          <a:lstStyle/>
-          <a:p>
-            <a:fld id="{01E6D0ED-62AA-47AA-942A-9A6005D78124}" type="slidenum">
-              <a:rPr lang="en-US" smtClean="0"/>
-              <a:pPr/>
-              <a:t>13</a:t>
-            </a:fld>
-            <a:endParaRPr lang="en-US" smtClean="0"/>
-          </a:p>
-        </p:txBody>
-      </p:sp>
-      <p:sp>
-        <p:nvSpPr>
-          <p:cNvPr id="63491" name="Rectangle 2"/>
-          <p:cNvSpPr>
-            <a:spLocks noGrp="1" noRot="1" noChangeAspect="1" noChangeArrowheads="1" noTextEdit="1"/>
-          </p:cNvSpPr>
-          <p:nvPr>
-            <p:ph type="sldImg"/>
-          </p:nvPr>
-        </p:nvSpPr>
-        <p:spPr>
-          <a:ln/>
-        </p:spPr>
-      </p:sp>
-      <p:sp>
-        <p:nvSpPr>
-          <p:cNvPr id="63492" name="Rectangle 3"/>
-          <p:cNvSpPr>
-            <a:spLocks noGrp="1" noChangeArrowheads="1"/>
-          </p:cNvSpPr>
-          <p:nvPr>
-            <p:ph type="body" idx="1"/>
-          </p:nvPr>
-        </p:nvSpPr>
-        <p:spPr>
-          <a:noFill/>
-          <a:ln/>
-        </p:spPr>
-        <p:txBody>
-          <a:bodyPr/>
-          <a:lstStyle/>
-          <a:p>
-            <a:pPr eaLnBrk="1" hangingPunct="1"/>
-            <a:endParaRPr lang="en-US" smtClean="0"/>
-          </a:p>
-        </p:txBody>
-      </p:sp>
-    </p:spTree>
-  </p:cSld>
-  <p:clrMapOvr>
-    <a:masterClrMapping/>
-  </p:clrMapOvr>
-</p:notes>
-</file>
-
-<file path=ppt/notesSlides/notesSlide8.xml><?xml version="1.0" encoding="utf-8"?>
-<p:notes xmlns:a="http://schemas.openxmlformats.org/drawingml/2006/main" xmlns:r="http://schemas.openxmlformats.org/officeDocument/2006/relationships" xmlns:p="http://schemas.openxmlformats.org/presentationml/2006/main">
-  <p:cSld>
-    <p:spTree>
-      <p:nvGrpSpPr>
-        <p:cNvPr id="1" name=""/>
-        <p:cNvGrpSpPr/>
-        <p:nvPr/>
-      </p:nvGrpSpPr>
-      <p:grpSpPr>
-        <a:xfrm>
-          <a:off x="0" y="0"/>
-          <a:ext cx="0" cy="0"/>
-          <a:chOff x="0" y="0"/>
-          <a:chExt cx="0" cy="0"/>
-        </a:xfrm>
-      </p:grpSpPr>
-      <p:sp>
-        <p:nvSpPr>
-          <p:cNvPr id="63490" name="Rectangle 7"/>
-          <p:cNvSpPr>
-            <a:spLocks noGrp="1" noChangeArrowheads="1"/>
-          </p:cNvSpPr>
-          <p:nvPr>
-            <p:ph type="sldNum" sz="quarter" idx="5"/>
-          </p:nvPr>
-        </p:nvSpPr>
-        <p:spPr>
-          <a:noFill/>
-        </p:spPr>
-        <p:txBody>
-          <a:bodyPr/>
-          <a:lstStyle/>
-          <a:p>
-            <a:fld id="{01E6D0ED-62AA-47AA-942A-9A6005D78124}" type="slidenum">
-              <a:rPr lang="en-US" smtClean="0"/>
-              <a:pPr/>
-              <a:t>14</a:t>
-            </a:fld>
-            <a:endParaRPr lang="en-US" smtClean="0"/>
-          </a:p>
-        </p:txBody>
-      </p:sp>
-      <p:sp>
-        <p:nvSpPr>
-          <p:cNvPr id="63491" name="Rectangle 2"/>
-          <p:cNvSpPr>
-            <a:spLocks noGrp="1" noRot="1" noChangeAspect="1" noChangeArrowheads="1" noTextEdit="1"/>
-          </p:cNvSpPr>
-          <p:nvPr>
-            <p:ph type="sldImg"/>
-          </p:nvPr>
-        </p:nvSpPr>
-        <p:spPr>
-          <a:ln/>
-        </p:spPr>
-      </p:sp>
-      <p:sp>
-        <p:nvSpPr>
-          <p:cNvPr id="63492" name="Rectangle 3"/>
-          <p:cNvSpPr>
-            <a:spLocks noGrp="1" noChangeArrowheads="1"/>
-          </p:cNvSpPr>
-          <p:nvPr>
-            <p:ph type="body" idx="1"/>
-          </p:nvPr>
-        </p:nvSpPr>
-        <p:spPr>
-          <a:noFill/>
-          <a:ln/>
-        </p:spPr>
-        <p:txBody>
-          <a:bodyPr/>
-          <a:lstStyle/>
-          <a:p>
-            <a:pPr eaLnBrk="1" hangingPunct="1"/>
-            <a:endParaRPr lang="en-US" smtClean="0"/>
-          </a:p>
-        </p:txBody>
-      </p:sp>
-    </p:spTree>
-  </p:cSld>
-  <p:clrMapOvr>
-    <a:masterClrMapping/>
-  </p:clrMapOvr>
-</p:notes>
-</file>
-
-<file path=ppt/notesSlides/notesSlide9.xml><?xml version="1.0" encoding="utf-8"?>
-<p:notes xmlns:a="http://schemas.openxmlformats.org/drawingml/2006/main" xmlns:r="http://schemas.openxmlformats.org/officeDocument/2006/relationships" xmlns:p="http://schemas.openxmlformats.org/presentationml/2006/main">
-  <p:cSld>
-    <p:spTree>
-      <p:nvGrpSpPr>
-        <p:cNvPr id="1" name=""/>
-        <p:cNvGrpSpPr/>
-        <p:nvPr/>
-      </p:nvGrpSpPr>
-      <p:grpSpPr>
-        <a:xfrm>
-          <a:off x="0" y="0"/>
-          <a:ext cx="0" cy="0"/>
-          <a:chOff x="0" y="0"/>
-          <a:chExt cx="0" cy="0"/>
-        </a:xfrm>
-      </p:grpSpPr>
-      <p:sp>
-        <p:nvSpPr>
-          <p:cNvPr id="63490" name="Rectangle 7"/>
-          <p:cNvSpPr>
-            <a:spLocks noGrp="1" noChangeArrowheads="1"/>
-          </p:cNvSpPr>
-          <p:nvPr>
-            <p:ph type="sldNum" sz="quarter" idx="5"/>
-          </p:nvPr>
-        </p:nvSpPr>
-        <p:spPr>
-          <a:noFill/>
-        </p:spPr>
-        <p:txBody>
-          <a:bodyPr/>
-          <a:lstStyle/>
-          <a:p>
-            <a:fld id="{01E6D0ED-62AA-47AA-942A-9A6005D78124}" type="slidenum">
-              <a:rPr lang="en-US" smtClean="0"/>
-              <a:pPr/>
-              <a:t>15</a:t>
-            </a:fld>
-            <a:endParaRPr lang="en-US" smtClean="0"/>
-          </a:p>
-        </p:txBody>
-      </p:sp>
-      <p:sp>
-        <p:nvSpPr>
-          <p:cNvPr id="63491" name="Rectangle 2"/>
-          <p:cNvSpPr>
-            <a:spLocks noGrp="1" noRot="1" noChangeAspect="1" noChangeArrowheads="1" noTextEdit="1"/>
-          </p:cNvSpPr>
-          <p:nvPr>
-            <p:ph type="sldImg"/>
-          </p:nvPr>
-        </p:nvSpPr>
-        <p:spPr>
-          <a:ln/>
-        </p:spPr>
-      </p:sp>
-      <p:sp>
-        <p:nvSpPr>
-          <p:cNvPr id="63492" name="Rectangle 3"/>
-          <p:cNvSpPr>
-            <a:spLocks noGrp="1" noChangeArrowheads="1"/>
-          </p:cNvSpPr>
-          <p:nvPr>
-            <p:ph type="body" idx="1"/>
-          </p:nvPr>
-        </p:nvSpPr>
-        <p:spPr>
-          <a:noFill/>
-          <a:ln/>
-        </p:spPr>
-        <p:txBody>
-          <a:bodyPr/>
-          <a:lstStyle/>
-          <a:p>
-            <a:pPr eaLnBrk="1" hangingPunct="1"/>
             <a:endParaRPr lang="en-US" smtClean="0"/>
           </a:p>
         </p:txBody>
@@ -3435,15 +4153,7 @@
                   <a:schemeClr val="tx2"/>
                 </a:solidFill>
               </a:rPr>
-              <a:t>Functions for Linear </a:t>
-            </a:r>
-            <a:r>
-              <a:rPr lang="en-US" sz="5400" b="1" dirty="0" smtClean="0">
-                <a:solidFill>
-                  <a:schemeClr val="tx2"/>
-                </a:solidFill>
-              </a:rPr>
-              <a:t>Recurrences</a:t>
+              <a:t>Functions for Linear Recurrences</a:t>
             </a:r>
             <a:endParaRPr lang="en-US" sz="5400" b="1" dirty="0">
               <a:solidFill>
@@ -4174,7 +4884,6 @@
               <a:rPr lang="en-US" dirty="0" smtClean="0"/>
               <a:t>Hanoi Recursive Procedure</a:t>
             </a:r>
-            <a:endParaRPr lang="en-US" dirty="0" smtClean="0"/>
           </a:p>
         </p:txBody>
       </p:sp>
@@ -4839,7 +5548,6 @@
               <a:rPr lang="en-US" dirty="0" smtClean="0"/>
               <a:t>Hanoi Recursive Procedure</a:t>
             </a:r>
-            <a:endParaRPr lang="en-US" dirty="0" smtClean="0"/>
           </a:p>
         </p:txBody>
       </p:sp>
@@ -5056,7 +5764,6 @@
               <a:rPr lang="en-US" dirty="0" smtClean="0"/>
               <a:t>Recursively Count Hanoi Steps</a:t>
             </a:r>
-            <a:endParaRPr lang="en-US" dirty="0" smtClean="0"/>
           </a:p>
         </p:txBody>
       </p:sp>
@@ -5564,20 +6271,20 @@
           <p:nvPr>
             <p:extLst>
               <p:ext uri="{D42A27DB-BD31-4B8C-83A1-F6EECF244321}">
-                <p14:modId xmlns:p14="http://schemas.microsoft.com/office/powerpoint/2010/main" val="2178321675"/>
+                <p14:modId xmlns:p14="http://schemas.microsoft.com/office/powerpoint/2010/main" val="2958589942"/>
               </p:ext>
             </p:extLst>
           </p:nvPr>
         </p:nvGraphicFramePr>
         <p:xfrm>
-          <a:off x="304800" y="2870200"/>
+          <a:off x="304800" y="2743200"/>
           <a:ext cx="8280400" cy="850900"/>
         </p:xfrm>
         <a:graphic>
           <a:graphicData uri="http://schemas.openxmlformats.org/presentationml/2006/ole">
             <mc:AlternateContent xmlns:mc="http://schemas.openxmlformats.org/markup-compatibility/2006">
               <mc:Choice xmlns:v="urn:schemas-microsoft-com:vml" Requires="v">
-                <p:oleObj spid="_x0000_s192634" name="Equation" r:id="rId4" imgW="8280400" imgH="850900" progId="Equation.DSMT4">
+                <p:oleObj spid="_x0000_s192647" name="Equation" r:id="rId4" imgW="8280400" imgH="850900" progId="Equation.DSMT4">
                   <p:embed/>
                 </p:oleObj>
               </mc:Choice>
@@ -5601,7 +6308,7 @@
                     </p:blipFill>
                     <p:spPr bwMode="auto">
                       <a:xfrm>
-                        <a:off x="304800" y="2870200"/>
+                        <a:off x="304800" y="2743200"/>
                         <a:ext cx="8280400" cy="850900"/>
                       </a:xfrm>
                       <a:prstGeom prst="rect">
@@ -5797,25 +6504,25 @@
           <p:nvPr>
             <p:extLst>
               <p:ext uri="{D42A27DB-BD31-4B8C-83A1-F6EECF244321}">
-                <p14:modId xmlns:p14="http://schemas.microsoft.com/office/powerpoint/2010/main" val="3536336875"/>
+                <p14:modId xmlns:p14="http://schemas.microsoft.com/office/powerpoint/2010/main" val="449456180"/>
               </p:ext>
             </p:extLst>
           </p:nvPr>
         </p:nvGraphicFramePr>
         <p:xfrm>
-          <a:off x="317500" y="3429000"/>
-          <a:ext cx="7988300" cy="863600"/>
+          <a:off x="330200" y="3435350"/>
+          <a:ext cx="8585200" cy="850900"/>
         </p:xfrm>
         <a:graphic>
           <a:graphicData uri="http://schemas.openxmlformats.org/presentationml/2006/ole">
             <mc:AlternateContent xmlns:mc="http://schemas.openxmlformats.org/markup-compatibility/2006">
               <mc:Choice xmlns:v="urn:schemas-microsoft-com:vml" Requires="v">
-                <p:oleObj spid="_x0000_s192635" name="Equation" r:id="rId6" imgW="7988300" imgH="863600" progId="Equation.DSMT4">
+                <p:oleObj spid="_x0000_s192648" name="Equation" r:id="rId6" imgW="8585200" imgH="850900" progId="Equation.DSMT4">
                   <p:embed/>
                 </p:oleObj>
               </mc:Choice>
               <mc:Fallback>
-                <p:oleObj name="Equation" r:id="rId6" imgW="7988300" imgH="863600" progId="Equation.DSMT4">
+                <p:oleObj name="Equation" r:id="rId6" imgW="8585200" imgH="850900" progId="Equation.DSMT4">
                   <p:embed/>
                   <p:pic>
                     <p:nvPicPr>
@@ -5826,13 +6533,7 @@
                       <p:nvPr/>
                     </p:nvPicPr>
                     <p:blipFill>
-                      <a:blip r:embed="rId7">
-                        <a:extLst>
-                          <a:ext uri="{28A0092B-C50C-407E-A947-70E740481C1C}">
-                            <a14:useLocalDpi xmlns:a14="http://schemas.microsoft.com/office/drawing/2010/main" val="0"/>
-                          </a:ext>
-                        </a:extLst>
-                      </a:blip>
+                      <a:blip r:embed="rId7"/>
                       <a:srcRect/>
                       <a:stretch>
                         <a:fillRect/>
@@ -5840,8 +6541,8 @@
                     </p:blipFill>
                     <p:spPr bwMode="auto">
                       <a:xfrm>
-                        <a:off x="317500" y="3429000"/>
-                        <a:ext cx="7988300" cy="863600"/>
+                        <a:off x="330200" y="3435350"/>
+                        <a:ext cx="8585200" cy="850900"/>
                       </a:xfrm>
                       <a:prstGeom prst="rect">
                         <a:avLst/>
@@ -5932,21 +6633,8 @@
                   <a:srgbClr val="FF0000"/>
                 </a:solidFill>
               </a:rPr>
-              <a:t> + </a:t>
-            </a:r>
-            <a:r>
-              <a:rPr lang="en-US" dirty="0" smtClean="0">
-                <a:solidFill>
-                  <a:srgbClr val="FF0000"/>
-                </a:solidFill>
-              </a:rPr>
-              <a:t>1</a:t>
-            </a:r>
-            <a:endParaRPr lang="en-US" dirty="0" smtClean="0">
-              <a:solidFill>
-                <a:srgbClr val="FF0000"/>
-              </a:solidFill>
-            </a:endParaRPr>
+              <a:t> + 1</a:t>
+            </a:r>
           </a:p>
         </p:txBody>
       </p:sp>
@@ -5959,25 +6647,25 @@
           <p:nvPr>
             <p:extLst>
               <p:ext uri="{D42A27DB-BD31-4B8C-83A1-F6EECF244321}">
-                <p14:modId xmlns:p14="http://schemas.microsoft.com/office/powerpoint/2010/main" val="49373835"/>
+                <p14:modId xmlns:p14="http://schemas.microsoft.com/office/powerpoint/2010/main" val="3773777789"/>
               </p:ext>
             </p:extLst>
           </p:nvPr>
         </p:nvGraphicFramePr>
         <p:xfrm>
-          <a:off x="3238500" y="4127500"/>
-          <a:ext cx="5219700" cy="749300"/>
+          <a:off x="4013200" y="4127500"/>
+          <a:ext cx="4673600" cy="749300"/>
         </p:xfrm>
         <a:graphic>
           <a:graphicData uri="http://schemas.openxmlformats.org/presentationml/2006/ole">
             <mc:AlternateContent xmlns:mc="http://schemas.openxmlformats.org/markup-compatibility/2006">
               <mc:Choice xmlns:v="urn:schemas-microsoft-com:vml" Requires="v">
-                <p:oleObj spid="_x0000_s192636" name="Equation" r:id="rId8" imgW="5219700" imgH="749300" progId="Equation.DSMT4">
+                <p:oleObj spid="_x0000_s192649" name="Equation" r:id="rId8" imgW="4673600" imgH="749300" progId="Equation.DSMT4">
                   <p:embed/>
                 </p:oleObj>
               </mc:Choice>
               <mc:Fallback>
-                <p:oleObj name="Equation" r:id="rId8" imgW="5219700" imgH="749300" progId="Equation.DSMT4">
+                <p:oleObj name="Equation" r:id="rId8" imgW="4673600" imgH="749300" progId="Equation.DSMT4">
                   <p:embed/>
                   <p:pic>
                     <p:nvPicPr>
@@ -5996,8 +6684,8 @@
                     </p:blipFill>
                     <p:spPr bwMode="auto">
                       <a:xfrm>
-                        <a:off x="3238500" y="4127500"/>
-                        <a:ext cx="5219700" cy="749300"/>
+                        <a:off x="4013200" y="4127500"/>
+                        <a:ext cx="4673600" cy="749300"/>
                       </a:xfrm>
                       <a:prstGeom prst="rect">
                         <a:avLst/>
@@ -6025,13 +6713,13 @@
   <p:clrMapOvr>
     <a:masterClrMapping/>
   </p:clrMapOvr>
-  <mc:AlternateContent xmlns:mc="http://schemas.openxmlformats.org/markup-compatibility/2006">
-    <mc:Choice xmlns:p14="http://schemas.microsoft.com/office/powerpoint/2010/main" Requires="p14">
+  <mc:AlternateContent xmlns:mc="http://schemas.openxmlformats.org/markup-compatibility/2006" xmlns:p14="http://schemas.microsoft.com/office/powerpoint/2010/main">
+    <mc:Choice Requires="p14">
       <p:transition spd="slow" p14:dur="800" advClick="0">
         <p:fade/>
       </p:transition>
     </mc:Choice>
-    <mc:Fallback>
+    <mc:Fallback xmlns="">
       <p:transition xmlns:p14="http://schemas.microsoft.com/office/powerpoint/2010/main" spd="slow" advClick="0">
         <p:fade/>
       </p:transition>
@@ -6314,6 +7002,1517 @@
           <p:nvPr>
             <p:extLst>
               <p:ext uri="{D42A27DB-BD31-4B8C-83A1-F6EECF244321}">
+                <p14:modId xmlns:p14="http://schemas.microsoft.com/office/powerpoint/2010/main" val="3882476858"/>
+              </p:ext>
+            </p:extLst>
+          </p:nvPr>
+        </p:nvGraphicFramePr>
+        <p:xfrm>
+          <a:off x="304800" y="2743200"/>
+          <a:ext cx="8280400" cy="850900"/>
+        </p:xfrm>
+        <a:graphic>
+          <a:graphicData uri="http://schemas.openxmlformats.org/presentationml/2006/ole">
+            <mc:AlternateContent xmlns:mc="http://schemas.openxmlformats.org/markup-compatibility/2006">
+              <mc:Choice xmlns:v="urn:schemas-microsoft-com:vml" Requires="v">
+                <p:oleObj spid="_x0000_s341005" name="Equation" r:id="rId4" imgW="8280400" imgH="850900" progId="Equation.DSMT4">
+                  <p:embed/>
+                </p:oleObj>
+              </mc:Choice>
+              <mc:Fallback>
+                <p:oleObj name="Equation" r:id="rId4" imgW="8280400" imgH="850900" progId="Equation.DSMT4">
+                  <p:embed/>
+                  <p:pic>
+                    <p:nvPicPr>
+                      <p:cNvPr id="0" name=""/>
+                      <p:cNvPicPr>
+                        <a:picLocks noChangeAspect="1" noChangeArrowheads="1"/>
+                      </p:cNvPicPr>
+                      <p:nvPr/>
+                    </p:nvPicPr>
+                    <p:blipFill>
+                      <a:blip r:embed="rId5"/>
+                      <a:srcRect/>
+                      <a:stretch>
+                        <a:fillRect/>
+                      </a:stretch>
+                    </p:blipFill>
+                    <p:spPr bwMode="auto">
+                      <a:xfrm>
+                        <a:off x="304800" y="2743200"/>
+                        <a:ext cx="8280400" cy="850900"/>
+                      </a:xfrm>
+                      <a:prstGeom prst="rect">
+                        <a:avLst/>
+                      </a:prstGeom>
+                      <a:noFill/>
+                      <a:extLst>
+                        <a:ext uri="{909E8E84-426E-40dd-AFC4-6F175D3DCCD1}">
+                          <a14:hiddenFill xmlns:a14="http://schemas.microsoft.com/office/drawing/2010/main">
+                            <a:solidFill>
+                              <a:srgbClr val="FFFFFF"/>
+                            </a:solidFill>
+                          </a14:hiddenFill>
+                        </a:ext>
+                      </a:extLst>
+                    </p:spPr>
+                  </p:pic>
+                </p:oleObj>
+              </mc:Fallback>
+            </mc:AlternateContent>
+          </a:graphicData>
+        </a:graphic>
+      </p:graphicFrame>
+      <p:sp>
+        <p:nvSpPr>
+          <p:cNvPr id="29702" name="Rectangle 2"/>
+          <p:cNvSpPr>
+            <a:spLocks noGrp="1" noChangeArrowheads="1"/>
+          </p:cNvSpPr>
+          <p:nvPr>
+            <p:ph type="title"/>
+          </p:nvPr>
+        </p:nvSpPr>
+        <p:spPr/>
+        <p:txBody>
+          <a:bodyPr/>
+          <a:lstStyle/>
+          <a:p>
+            <a:pPr eaLnBrk="1" hangingPunct="1"/>
+            <a:r>
+              <a:rPr lang="en-US" dirty="0" smtClean="0"/>
+              <a:t>Hanoi Generating Function</a:t>
+            </a:r>
+          </a:p>
+        </p:txBody>
+      </p:sp>
+      <p:sp>
+        <p:nvSpPr>
+          <p:cNvPr id="12" name="Rectangle 11"/>
+          <p:cNvSpPr txBox="1">
+            <a:spLocks noChangeArrowheads="1"/>
+          </p:cNvSpPr>
+          <p:nvPr/>
+        </p:nvSpPr>
+        <p:spPr bwMode="auto">
+          <a:xfrm>
+            <a:off x="6400800" y="6613525"/>
+            <a:ext cx="2667000" cy="244475"/>
+          </a:xfrm>
+          <a:prstGeom prst="rect">
+            <a:avLst/>
+          </a:prstGeom>
+          <a:noFill/>
+          <a:ln w="9525">
+            <a:noFill/>
+            <a:miter lim="800000"/>
+            <a:headEnd/>
+            <a:tailEnd/>
+          </a:ln>
+          <a:effectLst/>
+        </p:spPr>
+        <p:txBody>
+          <a:bodyPr vert="horz" wrap="square" lIns="91440" tIns="45720" rIns="91440" bIns="45720" numCol="1" anchor="t" anchorCtr="0" compatLnSpc="1">
+            <a:prstTxWarp prst="textNoShape">
+              <a:avLst/>
+            </a:prstTxWarp>
+            <a:spAutoFit/>
+          </a:bodyPr>
+          <a:lstStyle>
+            <a:lvl1pPr algn="r">
+              <a:defRPr sz="1000"/>
+            </a:lvl1pPr>
+          </a:lstStyle>
+          <a:p>
+            <a:pPr marL="0" marR="0" lvl="0" indent="0" algn="r" defTabSz="914400" rtl="0" eaLnBrk="1" fontAlgn="base" latinLnBrk="0" hangingPunct="1">
+              <a:lnSpc>
+                <a:spcPct val="100000"/>
+              </a:lnSpc>
+              <a:spcBef>
+                <a:spcPct val="0"/>
+              </a:spcBef>
+              <a:spcAft>
+                <a:spcPct val="0"/>
+              </a:spcAft>
+              <a:buClrTx/>
+              <a:buSzTx/>
+              <a:buFontTx/>
+              <a:buNone/>
+              <a:tabLst/>
+              <a:defRPr/>
+            </a:pPr>
+            <a:r>
+              <a:rPr kumimoji="0" lang="en-US" sz="1000" b="0" i="0" u="none" strike="noStrike" kern="1200" cap="none" spc="0" normalizeH="0" baseline="0" noProof="0" dirty="0" err="1" smtClean="0">
+                <a:ln>
+                  <a:noFill/>
+                </a:ln>
+                <a:solidFill>
+                  <a:schemeClr val="tx1"/>
+                </a:solidFill>
+                <a:effectLst/>
+                <a:uLnTx/>
+                <a:uFillTx/>
+                <a:latin typeface="Comic Sans MS" pitchFamily="66" charset="0"/>
+                <a:ea typeface="+mn-ea"/>
+                <a:cs typeface="+mn-cs"/>
+              </a:rPr>
+              <a:t>linrecinhom</a:t>
+            </a:r>
+            <a:r>
+              <a:rPr kumimoji="0" lang="en-US" sz="1000" b="0" i="0" u="none" strike="noStrike" kern="1200" cap="none" spc="0" normalizeH="0" baseline="0" noProof="0" dirty="0" smtClean="0">
+                <a:ln>
+                  <a:noFill/>
+                </a:ln>
+                <a:solidFill>
+                  <a:schemeClr val="tx1"/>
+                </a:solidFill>
+                <a:effectLst/>
+                <a:uLnTx/>
+                <a:uFillTx/>
+                <a:latin typeface="Comic Sans MS" pitchFamily="66" charset="0"/>
+                <a:ea typeface="+mn-ea"/>
+                <a:cs typeface="+mn-cs"/>
+              </a:rPr>
+              <a:t>.</a:t>
+            </a:r>
+            <a:fld id="{17233D2A-0857-4415-88C1-423492E69A26}" type="slidenum">
+              <a:rPr kumimoji="0" lang="en-US" sz="1000" b="0" i="0" u="none" strike="noStrike" kern="1200" cap="none" spc="0" normalizeH="0" baseline="0" noProof="0" smtClean="0">
+                <a:ln>
+                  <a:noFill/>
+                </a:ln>
+                <a:solidFill>
+                  <a:schemeClr val="tx1"/>
+                </a:solidFill>
+                <a:effectLst/>
+                <a:uLnTx/>
+                <a:uFillTx/>
+                <a:latin typeface="Comic Sans MS" pitchFamily="66" charset="0"/>
+                <a:ea typeface="+mn-ea"/>
+                <a:cs typeface="+mn-cs"/>
+              </a:rPr>
+              <a:pPr marL="0" marR="0" lvl="0" indent="0" algn="r" defTabSz="914400" rtl="0" eaLnBrk="1" fontAlgn="base" latinLnBrk="0" hangingPunct="1">
+                <a:lnSpc>
+                  <a:spcPct val="100000"/>
+                </a:lnSpc>
+                <a:spcBef>
+                  <a:spcPct val="0"/>
+                </a:spcBef>
+                <a:spcAft>
+                  <a:spcPct val="0"/>
+                </a:spcAft>
+                <a:buClrTx/>
+                <a:buSzTx/>
+                <a:buFontTx/>
+                <a:buNone/>
+                <a:tabLst/>
+                <a:defRPr/>
+              </a:pPr>
+              <a:t>14</a:t>
+            </a:fld>
+            <a:endParaRPr kumimoji="0" lang="en-US" sz="1000" b="0" i="0" u="none" strike="noStrike" kern="1200" cap="none" spc="0" normalizeH="0" baseline="0" noProof="0" dirty="0">
+              <a:ln>
+                <a:noFill/>
+              </a:ln>
+              <a:solidFill>
+                <a:schemeClr val="tx1"/>
+              </a:solidFill>
+              <a:effectLst/>
+              <a:uLnTx/>
+              <a:uFillTx/>
+              <a:latin typeface="Comic Sans MS" pitchFamily="66" charset="0"/>
+              <a:ea typeface="+mn-ea"/>
+              <a:cs typeface="+mn-cs"/>
+            </a:endParaRPr>
+          </a:p>
+        </p:txBody>
+      </p:sp>
+      <p:graphicFrame>
+        <p:nvGraphicFramePr>
+          <p:cNvPr id="13" name="Object 12"/>
+          <p:cNvGraphicFramePr>
+            <a:graphicFrameLocks noChangeAspect="1"/>
+          </p:cNvGraphicFramePr>
+          <p:nvPr>
+            <p:extLst>
+              <p:ext uri="{D42A27DB-BD31-4B8C-83A1-F6EECF244321}">
+                <p14:modId xmlns:p14="http://schemas.microsoft.com/office/powerpoint/2010/main" val="3428360361"/>
+              </p:ext>
+            </p:extLst>
+          </p:nvPr>
+        </p:nvGraphicFramePr>
+        <p:xfrm>
+          <a:off x="330200" y="3435350"/>
+          <a:ext cx="8585200" cy="850900"/>
+        </p:xfrm>
+        <a:graphic>
+          <a:graphicData uri="http://schemas.openxmlformats.org/presentationml/2006/ole">
+            <mc:AlternateContent xmlns:mc="http://schemas.openxmlformats.org/markup-compatibility/2006">
+              <mc:Choice xmlns:v="urn:schemas-microsoft-com:vml" Requires="v">
+                <p:oleObj spid="_x0000_s341006" name="Equation" r:id="rId6" imgW="8585200" imgH="850900" progId="Equation.DSMT4">
+                  <p:embed/>
+                </p:oleObj>
+              </mc:Choice>
+              <mc:Fallback>
+                <p:oleObj name="Equation" r:id="rId6" imgW="8585200" imgH="850900" progId="Equation.DSMT4">
+                  <p:embed/>
+                  <p:pic>
+                    <p:nvPicPr>
+                      <p:cNvPr id="0" name=""/>
+                      <p:cNvPicPr>
+                        <a:picLocks noChangeAspect="1" noChangeArrowheads="1"/>
+                      </p:cNvPicPr>
+                      <p:nvPr/>
+                    </p:nvPicPr>
+                    <p:blipFill>
+                      <a:blip r:embed="rId7"/>
+                      <a:srcRect/>
+                      <a:stretch>
+                        <a:fillRect/>
+                      </a:stretch>
+                    </p:blipFill>
+                    <p:spPr bwMode="auto">
+                      <a:xfrm>
+                        <a:off x="330200" y="3435350"/>
+                        <a:ext cx="8585200" cy="850900"/>
+                      </a:xfrm>
+                      <a:prstGeom prst="rect">
+                        <a:avLst/>
+                      </a:prstGeom>
+                      <a:noFill/>
+                      <a:extLst>
+                        <a:ext uri="{909E8E84-426E-40dd-AFC4-6F175D3DCCD1}">
+                          <a14:hiddenFill xmlns:a14="http://schemas.microsoft.com/office/drawing/2010/main">
+                            <a:solidFill>
+                              <a:srgbClr val="FFFFFF"/>
+                            </a:solidFill>
+                          </a14:hiddenFill>
+                        </a:ext>
+                      </a:extLst>
+                    </p:spPr>
+                  </p:pic>
+                </p:oleObj>
+              </mc:Fallback>
+            </mc:AlternateContent>
+          </a:graphicData>
+        </a:graphic>
+      </p:graphicFrame>
+      <p:sp>
+        <p:nvSpPr>
+          <p:cNvPr id="15" name="TextBox 14"/>
+          <p:cNvSpPr txBox="1"/>
+          <p:nvPr/>
+        </p:nvSpPr>
+        <p:spPr>
+          <a:xfrm>
+            <a:off x="1184534" y="1372850"/>
+            <a:ext cx="3387466" cy="769441"/>
+          </a:xfrm>
+          <a:prstGeom prst="rect">
+            <a:avLst/>
+          </a:prstGeom>
+          <a:noFill/>
+        </p:spPr>
+        <p:txBody>
+          <a:bodyPr wrap="square" rtlCol="0">
+            <a:spAutoFit/>
+          </a:bodyPr>
+          <a:lstStyle/>
+          <a:p>
+            <a:pPr eaLnBrk="1" hangingPunct="1">
+              <a:buFontTx/>
+              <a:buNone/>
+            </a:pPr>
+            <a:r>
+              <a:rPr lang="en-US" dirty="0" err="1" smtClean="0">
+                <a:solidFill>
+                  <a:srgbClr val="0000FF"/>
+                </a:solidFill>
+              </a:rPr>
+              <a:t>h</a:t>
+            </a:r>
+            <a:r>
+              <a:rPr lang="en-US" baseline="-25000" dirty="0" err="1" smtClean="0">
+                <a:solidFill>
+                  <a:srgbClr val="0000FF"/>
+                </a:solidFill>
+              </a:rPr>
+              <a:t>n</a:t>
+            </a:r>
+            <a:r>
+              <a:rPr lang="en-US" dirty="0" smtClean="0"/>
+              <a:t> = </a:t>
+            </a:r>
+            <a:r>
+              <a:rPr lang="en-US" dirty="0" smtClean="0">
+                <a:solidFill>
+                  <a:srgbClr val="0000FF"/>
+                </a:solidFill>
+              </a:rPr>
+              <a:t>2h</a:t>
+            </a:r>
+            <a:r>
+              <a:rPr lang="en-US" baseline="-25000" dirty="0" smtClean="0">
+                <a:solidFill>
+                  <a:srgbClr val="0000FF"/>
+                </a:solidFill>
+              </a:rPr>
+              <a:t>n-1</a:t>
+            </a:r>
+            <a:r>
+              <a:rPr lang="en-US" dirty="0" smtClean="0">
+                <a:solidFill>
+                  <a:srgbClr val="FF0000"/>
+                </a:solidFill>
+              </a:rPr>
+              <a:t> + 1</a:t>
+            </a:r>
+          </a:p>
+        </p:txBody>
+      </p:sp>
+      <p:graphicFrame>
+        <p:nvGraphicFramePr>
+          <p:cNvPr id="16" name="Object 15"/>
+          <p:cNvGraphicFramePr>
+            <a:graphicFrameLocks noChangeAspect="1"/>
+          </p:cNvGraphicFramePr>
+          <p:nvPr>
+            <p:extLst>
+              <p:ext uri="{D42A27DB-BD31-4B8C-83A1-F6EECF244321}">
+                <p14:modId xmlns:p14="http://schemas.microsoft.com/office/powerpoint/2010/main" val="2283223350"/>
+              </p:ext>
+            </p:extLst>
+          </p:nvPr>
+        </p:nvGraphicFramePr>
+        <p:xfrm>
+          <a:off x="4013200" y="4127500"/>
+          <a:ext cx="4673600" cy="749300"/>
+        </p:xfrm>
+        <a:graphic>
+          <a:graphicData uri="http://schemas.openxmlformats.org/presentationml/2006/ole">
+            <mc:AlternateContent xmlns:mc="http://schemas.openxmlformats.org/markup-compatibility/2006">
+              <mc:Choice xmlns:v="urn:schemas-microsoft-com:vml" Requires="v">
+                <p:oleObj spid="_x0000_s341007" name="Equation" r:id="rId8" imgW="4673600" imgH="749300" progId="Equation.DSMT4">
+                  <p:embed/>
+                </p:oleObj>
+              </mc:Choice>
+              <mc:Fallback>
+                <p:oleObj name="Equation" r:id="rId8" imgW="4673600" imgH="749300" progId="Equation.DSMT4">
+                  <p:embed/>
+                  <p:pic>
+                    <p:nvPicPr>
+                      <p:cNvPr id="0" name=""/>
+                      <p:cNvPicPr>
+                        <a:picLocks noChangeAspect="1" noChangeArrowheads="1"/>
+                      </p:cNvPicPr>
+                      <p:nvPr/>
+                    </p:nvPicPr>
+                    <p:blipFill>
+                      <a:blip r:embed="rId9"/>
+                      <a:srcRect/>
+                      <a:stretch>
+                        <a:fillRect/>
+                      </a:stretch>
+                    </p:blipFill>
+                    <p:spPr bwMode="auto">
+                      <a:xfrm>
+                        <a:off x="4013200" y="4127500"/>
+                        <a:ext cx="4673600" cy="749300"/>
+                      </a:xfrm>
+                      <a:prstGeom prst="rect">
+                        <a:avLst/>
+                      </a:prstGeom>
+                      <a:noFill/>
+                      <a:extLst>
+                        <a:ext uri="{909E8E84-426E-40dd-AFC4-6F175D3DCCD1}">
+                          <a14:hiddenFill xmlns:a14="http://schemas.microsoft.com/office/drawing/2010/main">
+                            <a:solidFill>
+                              <a:srgbClr val="FFFFFF"/>
+                            </a:solidFill>
+                          </a14:hiddenFill>
+                        </a:ext>
+                      </a:extLst>
+                    </p:spPr>
+                  </p:pic>
+                </p:oleObj>
+              </mc:Fallback>
+            </mc:AlternateContent>
+          </a:graphicData>
+        </a:graphic>
+      </p:graphicFrame>
+      <p:graphicFrame>
+        <p:nvGraphicFramePr>
+          <p:cNvPr id="10" name="Object 9"/>
+          <p:cNvGraphicFramePr>
+            <a:graphicFrameLocks noChangeAspect="1"/>
+          </p:cNvGraphicFramePr>
+          <p:nvPr>
+            <p:extLst>
+              <p:ext uri="{D42A27DB-BD31-4B8C-83A1-F6EECF244321}">
+                <p14:modId xmlns:p14="http://schemas.microsoft.com/office/powerpoint/2010/main" val="1376310791"/>
+              </p:ext>
+            </p:extLst>
+          </p:nvPr>
+        </p:nvGraphicFramePr>
+        <p:xfrm>
+          <a:off x="259597" y="4114800"/>
+          <a:ext cx="3474203" cy="762000"/>
+        </p:xfrm>
+        <a:graphic>
+          <a:graphicData uri="http://schemas.openxmlformats.org/presentationml/2006/ole">
+            <mc:AlternateContent xmlns:mc="http://schemas.openxmlformats.org/markup-compatibility/2006">
+              <mc:Choice xmlns:v="urn:schemas-microsoft-com:vml" Requires="v">
+                <p:oleObj spid="_x0000_s341008" name="Equation" r:id="rId10" imgW="3416300" imgH="749300" progId="Equation.DSMT4">
+                  <p:embed/>
+                </p:oleObj>
+              </mc:Choice>
+              <mc:Fallback>
+                <p:oleObj name="Equation" r:id="rId10" imgW="3416300" imgH="749300" progId="Equation.DSMT4">
+                  <p:embed/>
+                  <p:pic>
+                    <p:nvPicPr>
+                      <p:cNvPr id="0" name=""/>
+                      <p:cNvPicPr>
+                        <a:picLocks noChangeAspect="1" noChangeArrowheads="1"/>
+                      </p:cNvPicPr>
+                      <p:nvPr/>
+                    </p:nvPicPr>
+                    <p:blipFill>
+                      <a:blip r:embed="rId11"/>
+                      <a:srcRect/>
+                      <a:stretch>
+                        <a:fillRect/>
+                      </a:stretch>
+                    </p:blipFill>
+                    <p:spPr bwMode="auto">
+                      <a:xfrm>
+                        <a:off x="259597" y="4114800"/>
+                        <a:ext cx="3474203" cy="762000"/>
+                      </a:xfrm>
+                      <a:prstGeom prst="rect">
+                        <a:avLst/>
+                      </a:prstGeom>
+                      <a:noFill/>
+                      <a:extLst/>
+                    </p:spPr>
+                  </p:pic>
+                </p:oleObj>
+              </mc:Fallback>
+            </mc:AlternateContent>
+          </a:graphicData>
+        </a:graphic>
+      </p:graphicFrame>
+    </p:spTree>
+    <p:extLst>
+      <p:ext uri="{BB962C8B-B14F-4D97-AF65-F5344CB8AC3E}">
+        <p14:creationId xmlns:p14="http://schemas.microsoft.com/office/powerpoint/2010/main" val="2814724834"/>
+      </p:ext>
+    </p:extLst>
+  </p:cSld>
+  <p:clrMapOvr>
+    <a:masterClrMapping/>
+  </p:clrMapOvr>
+  <p:transition xmlns:p14="http://schemas.microsoft.com/office/powerpoint/2010/main" advClick="0">
+    <p:fade/>
+  </p:transition>
+  <p:timing>
+    <p:tnLst>
+      <p:par>
+        <p:cTn xmlns:p14="http://schemas.microsoft.com/office/powerpoint/2010/main" id="1" dur="indefinite" restart="never" nodeType="tmRoot"/>
+      </p:par>
+    </p:tnLst>
+  </p:timing>
+</p:sld>
+</file>
+
+<file path=ppt/slides/slide15.xml><?xml version="1.0" encoding="utf-8"?>
+<p:sld xmlns:a="http://schemas.openxmlformats.org/drawingml/2006/main" xmlns:r="http://schemas.openxmlformats.org/officeDocument/2006/relationships" xmlns:p="http://schemas.openxmlformats.org/presentationml/2006/main">
+  <p:cSld>
+    <p:spTree>
+      <p:nvGrpSpPr>
+        <p:cNvPr id="1" name=""/>
+        <p:cNvGrpSpPr/>
+        <p:nvPr/>
+      </p:nvGrpSpPr>
+      <p:grpSpPr>
+        <a:xfrm>
+          <a:off x="0" y="0"/>
+          <a:ext cx="0" cy="0"/>
+          <a:chOff x="0" y="0"/>
+          <a:chExt cx="0" cy="0"/>
+        </a:xfrm>
+      </p:grpSpPr>
+      <p:graphicFrame>
+        <p:nvGraphicFramePr>
+          <p:cNvPr id="192516" name="Object 4"/>
+          <p:cNvGraphicFramePr>
+            <a:graphicFrameLocks noChangeAspect="1"/>
+          </p:cNvGraphicFramePr>
+          <p:nvPr>
+            <p:extLst>
+              <p:ext uri="{D42A27DB-BD31-4B8C-83A1-F6EECF244321}">
+                <p14:modId xmlns:p14="http://schemas.microsoft.com/office/powerpoint/2010/main" val="3215466001"/>
+              </p:ext>
+            </p:extLst>
+          </p:nvPr>
+        </p:nvGraphicFramePr>
+        <p:xfrm>
+          <a:off x="304800" y="2743200"/>
+          <a:ext cx="8280400" cy="850900"/>
+        </p:xfrm>
+        <a:graphic>
+          <a:graphicData uri="http://schemas.openxmlformats.org/presentationml/2006/ole">
+            <mc:AlternateContent xmlns:mc="http://schemas.openxmlformats.org/markup-compatibility/2006">
+              <mc:Choice xmlns:v="urn:schemas-microsoft-com:vml" Requires="v">
+                <p:oleObj spid="_x0000_s342027" name="Equation" r:id="rId4" imgW="8280400" imgH="850900" progId="Equation.DSMT4">
+                  <p:embed/>
+                </p:oleObj>
+              </mc:Choice>
+              <mc:Fallback>
+                <p:oleObj name="Equation" r:id="rId4" imgW="8280400" imgH="850900" progId="Equation.DSMT4">
+                  <p:embed/>
+                  <p:pic>
+                    <p:nvPicPr>
+                      <p:cNvPr id="0" name=""/>
+                      <p:cNvPicPr>
+                        <a:picLocks noChangeAspect="1" noChangeArrowheads="1"/>
+                      </p:cNvPicPr>
+                      <p:nvPr/>
+                    </p:nvPicPr>
+                    <p:blipFill>
+                      <a:blip r:embed="rId5"/>
+                      <a:srcRect/>
+                      <a:stretch>
+                        <a:fillRect/>
+                      </a:stretch>
+                    </p:blipFill>
+                    <p:spPr bwMode="auto">
+                      <a:xfrm>
+                        <a:off x="304800" y="2743200"/>
+                        <a:ext cx="8280400" cy="850900"/>
+                      </a:xfrm>
+                      <a:prstGeom prst="rect">
+                        <a:avLst/>
+                      </a:prstGeom>
+                      <a:noFill/>
+                      <a:extLst>
+                        <a:ext uri="{909E8E84-426E-40dd-AFC4-6F175D3DCCD1}">
+                          <a14:hiddenFill xmlns:a14="http://schemas.microsoft.com/office/drawing/2010/main">
+                            <a:solidFill>
+                              <a:srgbClr val="FFFFFF"/>
+                            </a:solidFill>
+                          </a14:hiddenFill>
+                        </a:ext>
+                      </a:extLst>
+                    </p:spPr>
+                  </p:pic>
+                </p:oleObj>
+              </mc:Fallback>
+            </mc:AlternateContent>
+          </a:graphicData>
+        </a:graphic>
+      </p:graphicFrame>
+      <p:sp>
+        <p:nvSpPr>
+          <p:cNvPr id="29702" name="Rectangle 2"/>
+          <p:cNvSpPr>
+            <a:spLocks noGrp="1" noChangeArrowheads="1"/>
+          </p:cNvSpPr>
+          <p:nvPr>
+            <p:ph type="title"/>
+          </p:nvPr>
+        </p:nvSpPr>
+        <p:spPr/>
+        <p:txBody>
+          <a:bodyPr/>
+          <a:lstStyle/>
+          <a:p>
+            <a:pPr eaLnBrk="1" hangingPunct="1"/>
+            <a:r>
+              <a:rPr lang="en-US" dirty="0" smtClean="0"/>
+              <a:t>Hanoi Generating Function</a:t>
+            </a:r>
+          </a:p>
+        </p:txBody>
+      </p:sp>
+      <p:sp>
+        <p:nvSpPr>
+          <p:cNvPr id="12" name="Rectangle 11"/>
+          <p:cNvSpPr txBox="1">
+            <a:spLocks noChangeArrowheads="1"/>
+          </p:cNvSpPr>
+          <p:nvPr/>
+        </p:nvSpPr>
+        <p:spPr bwMode="auto">
+          <a:xfrm>
+            <a:off x="6400800" y="6613525"/>
+            <a:ext cx="2667000" cy="244475"/>
+          </a:xfrm>
+          <a:prstGeom prst="rect">
+            <a:avLst/>
+          </a:prstGeom>
+          <a:noFill/>
+          <a:ln w="9525">
+            <a:noFill/>
+            <a:miter lim="800000"/>
+            <a:headEnd/>
+            <a:tailEnd/>
+          </a:ln>
+          <a:effectLst/>
+        </p:spPr>
+        <p:txBody>
+          <a:bodyPr vert="horz" wrap="square" lIns="91440" tIns="45720" rIns="91440" bIns="45720" numCol="1" anchor="t" anchorCtr="0" compatLnSpc="1">
+            <a:prstTxWarp prst="textNoShape">
+              <a:avLst/>
+            </a:prstTxWarp>
+            <a:spAutoFit/>
+          </a:bodyPr>
+          <a:lstStyle>
+            <a:lvl1pPr algn="r">
+              <a:defRPr sz="1000"/>
+            </a:lvl1pPr>
+          </a:lstStyle>
+          <a:p>
+            <a:pPr marL="0" marR="0" lvl="0" indent="0" algn="r" defTabSz="914400" rtl="0" eaLnBrk="1" fontAlgn="base" latinLnBrk="0" hangingPunct="1">
+              <a:lnSpc>
+                <a:spcPct val="100000"/>
+              </a:lnSpc>
+              <a:spcBef>
+                <a:spcPct val="0"/>
+              </a:spcBef>
+              <a:spcAft>
+                <a:spcPct val="0"/>
+              </a:spcAft>
+              <a:buClrTx/>
+              <a:buSzTx/>
+              <a:buFontTx/>
+              <a:buNone/>
+              <a:tabLst/>
+              <a:defRPr/>
+            </a:pPr>
+            <a:r>
+              <a:rPr kumimoji="0" lang="en-US" sz="1000" b="0" i="0" u="none" strike="noStrike" kern="1200" cap="none" spc="0" normalizeH="0" baseline="0" noProof="0" dirty="0" err="1" smtClean="0">
+                <a:ln>
+                  <a:noFill/>
+                </a:ln>
+                <a:solidFill>
+                  <a:schemeClr val="tx1"/>
+                </a:solidFill>
+                <a:effectLst/>
+                <a:uLnTx/>
+                <a:uFillTx/>
+                <a:latin typeface="Comic Sans MS" pitchFamily="66" charset="0"/>
+                <a:ea typeface="+mn-ea"/>
+                <a:cs typeface="+mn-cs"/>
+              </a:rPr>
+              <a:t>linrecinhom</a:t>
+            </a:r>
+            <a:r>
+              <a:rPr kumimoji="0" lang="en-US" sz="1000" b="0" i="0" u="none" strike="noStrike" kern="1200" cap="none" spc="0" normalizeH="0" baseline="0" noProof="0" dirty="0" smtClean="0">
+                <a:ln>
+                  <a:noFill/>
+                </a:ln>
+                <a:solidFill>
+                  <a:schemeClr val="tx1"/>
+                </a:solidFill>
+                <a:effectLst/>
+                <a:uLnTx/>
+                <a:uFillTx/>
+                <a:latin typeface="Comic Sans MS" pitchFamily="66" charset="0"/>
+                <a:ea typeface="+mn-ea"/>
+                <a:cs typeface="+mn-cs"/>
+              </a:rPr>
+              <a:t>.</a:t>
+            </a:r>
+            <a:fld id="{17233D2A-0857-4415-88C1-423492E69A26}" type="slidenum">
+              <a:rPr kumimoji="0" lang="en-US" sz="1000" b="0" i="0" u="none" strike="noStrike" kern="1200" cap="none" spc="0" normalizeH="0" baseline="0" noProof="0" smtClean="0">
+                <a:ln>
+                  <a:noFill/>
+                </a:ln>
+                <a:solidFill>
+                  <a:schemeClr val="tx1"/>
+                </a:solidFill>
+                <a:effectLst/>
+                <a:uLnTx/>
+                <a:uFillTx/>
+                <a:latin typeface="Comic Sans MS" pitchFamily="66" charset="0"/>
+                <a:ea typeface="+mn-ea"/>
+                <a:cs typeface="+mn-cs"/>
+              </a:rPr>
+              <a:pPr marL="0" marR="0" lvl="0" indent="0" algn="r" defTabSz="914400" rtl="0" eaLnBrk="1" fontAlgn="base" latinLnBrk="0" hangingPunct="1">
+                <a:lnSpc>
+                  <a:spcPct val="100000"/>
+                </a:lnSpc>
+                <a:spcBef>
+                  <a:spcPct val="0"/>
+                </a:spcBef>
+                <a:spcAft>
+                  <a:spcPct val="0"/>
+                </a:spcAft>
+                <a:buClrTx/>
+                <a:buSzTx/>
+                <a:buFontTx/>
+                <a:buNone/>
+                <a:tabLst/>
+                <a:defRPr/>
+              </a:pPr>
+              <a:t>15</a:t>
+            </a:fld>
+            <a:endParaRPr kumimoji="0" lang="en-US" sz="1000" b="0" i="0" u="none" strike="noStrike" kern="1200" cap="none" spc="0" normalizeH="0" baseline="0" noProof="0" dirty="0">
+              <a:ln>
+                <a:noFill/>
+              </a:ln>
+              <a:solidFill>
+                <a:schemeClr val="tx1"/>
+              </a:solidFill>
+              <a:effectLst/>
+              <a:uLnTx/>
+              <a:uFillTx/>
+              <a:latin typeface="Comic Sans MS" pitchFamily="66" charset="0"/>
+              <a:ea typeface="+mn-ea"/>
+              <a:cs typeface="+mn-cs"/>
+            </a:endParaRPr>
+          </a:p>
+        </p:txBody>
+      </p:sp>
+      <p:graphicFrame>
+        <p:nvGraphicFramePr>
+          <p:cNvPr id="13" name="Object 12"/>
+          <p:cNvGraphicFramePr>
+            <a:graphicFrameLocks noChangeAspect="1"/>
+          </p:cNvGraphicFramePr>
+          <p:nvPr>
+            <p:extLst>
+              <p:ext uri="{D42A27DB-BD31-4B8C-83A1-F6EECF244321}">
+                <p14:modId xmlns:p14="http://schemas.microsoft.com/office/powerpoint/2010/main" val="2297251365"/>
+              </p:ext>
+            </p:extLst>
+          </p:nvPr>
+        </p:nvGraphicFramePr>
+        <p:xfrm>
+          <a:off x="330200" y="3435350"/>
+          <a:ext cx="8585200" cy="850900"/>
+        </p:xfrm>
+        <a:graphic>
+          <a:graphicData uri="http://schemas.openxmlformats.org/presentationml/2006/ole">
+            <mc:AlternateContent xmlns:mc="http://schemas.openxmlformats.org/markup-compatibility/2006">
+              <mc:Choice xmlns:v="urn:schemas-microsoft-com:vml" Requires="v">
+                <p:oleObj spid="_x0000_s342028" name="Equation" r:id="rId6" imgW="8585200" imgH="850900" progId="Equation.DSMT4">
+                  <p:embed/>
+                </p:oleObj>
+              </mc:Choice>
+              <mc:Fallback>
+                <p:oleObj name="Equation" r:id="rId6" imgW="8585200" imgH="850900" progId="Equation.DSMT4">
+                  <p:embed/>
+                  <p:pic>
+                    <p:nvPicPr>
+                      <p:cNvPr id="0" name=""/>
+                      <p:cNvPicPr>
+                        <a:picLocks noChangeAspect="1" noChangeArrowheads="1"/>
+                      </p:cNvPicPr>
+                      <p:nvPr/>
+                    </p:nvPicPr>
+                    <p:blipFill>
+                      <a:blip r:embed="rId7"/>
+                      <a:srcRect/>
+                      <a:stretch>
+                        <a:fillRect/>
+                      </a:stretch>
+                    </p:blipFill>
+                    <p:spPr bwMode="auto">
+                      <a:xfrm>
+                        <a:off x="330200" y="3435350"/>
+                        <a:ext cx="8585200" cy="850900"/>
+                      </a:xfrm>
+                      <a:prstGeom prst="rect">
+                        <a:avLst/>
+                      </a:prstGeom>
+                      <a:noFill/>
+                      <a:extLst>
+                        <a:ext uri="{909E8E84-426E-40dd-AFC4-6F175D3DCCD1}">
+                          <a14:hiddenFill xmlns:a14="http://schemas.microsoft.com/office/drawing/2010/main">
+                            <a:solidFill>
+                              <a:srgbClr val="FFFFFF"/>
+                            </a:solidFill>
+                          </a14:hiddenFill>
+                        </a:ext>
+                      </a:extLst>
+                    </p:spPr>
+                  </p:pic>
+                </p:oleObj>
+              </mc:Fallback>
+            </mc:AlternateContent>
+          </a:graphicData>
+        </a:graphic>
+      </p:graphicFrame>
+      <p:sp>
+        <p:nvSpPr>
+          <p:cNvPr id="15" name="TextBox 14"/>
+          <p:cNvSpPr txBox="1"/>
+          <p:nvPr/>
+        </p:nvSpPr>
+        <p:spPr>
+          <a:xfrm>
+            <a:off x="1184534" y="1372850"/>
+            <a:ext cx="3387466" cy="769441"/>
+          </a:xfrm>
+          <a:prstGeom prst="rect">
+            <a:avLst/>
+          </a:prstGeom>
+          <a:noFill/>
+        </p:spPr>
+        <p:txBody>
+          <a:bodyPr wrap="square" rtlCol="0">
+            <a:spAutoFit/>
+          </a:bodyPr>
+          <a:lstStyle/>
+          <a:p>
+            <a:pPr eaLnBrk="1" hangingPunct="1">
+              <a:buFontTx/>
+              <a:buNone/>
+            </a:pPr>
+            <a:r>
+              <a:rPr lang="en-US" dirty="0" err="1" smtClean="0">
+                <a:solidFill>
+                  <a:srgbClr val="0000FF"/>
+                </a:solidFill>
+              </a:rPr>
+              <a:t>h</a:t>
+            </a:r>
+            <a:r>
+              <a:rPr lang="en-US" baseline="-25000" dirty="0" err="1" smtClean="0">
+                <a:solidFill>
+                  <a:srgbClr val="0000FF"/>
+                </a:solidFill>
+              </a:rPr>
+              <a:t>n</a:t>
+            </a:r>
+            <a:r>
+              <a:rPr lang="en-US" dirty="0" smtClean="0"/>
+              <a:t> = </a:t>
+            </a:r>
+            <a:r>
+              <a:rPr lang="en-US" dirty="0" smtClean="0">
+                <a:solidFill>
+                  <a:srgbClr val="0000FF"/>
+                </a:solidFill>
+              </a:rPr>
+              <a:t>2h</a:t>
+            </a:r>
+            <a:r>
+              <a:rPr lang="en-US" baseline="-25000" dirty="0" smtClean="0">
+                <a:solidFill>
+                  <a:srgbClr val="0000FF"/>
+                </a:solidFill>
+              </a:rPr>
+              <a:t>n-1</a:t>
+            </a:r>
+            <a:r>
+              <a:rPr lang="en-US" dirty="0" smtClean="0">
+                <a:solidFill>
+                  <a:srgbClr val="FF0000"/>
+                </a:solidFill>
+              </a:rPr>
+              <a:t> + 1</a:t>
+            </a:r>
+          </a:p>
+        </p:txBody>
+      </p:sp>
+      <p:graphicFrame>
+        <p:nvGraphicFramePr>
+          <p:cNvPr id="16" name="Object 15"/>
+          <p:cNvGraphicFramePr>
+            <a:graphicFrameLocks noChangeAspect="1"/>
+          </p:cNvGraphicFramePr>
+          <p:nvPr>
+            <p:extLst>
+              <p:ext uri="{D42A27DB-BD31-4B8C-83A1-F6EECF244321}">
+                <p14:modId xmlns:p14="http://schemas.microsoft.com/office/powerpoint/2010/main" val="1721767212"/>
+              </p:ext>
+            </p:extLst>
+          </p:nvPr>
+        </p:nvGraphicFramePr>
+        <p:xfrm>
+          <a:off x="4013200" y="4127500"/>
+          <a:ext cx="4673600" cy="749300"/>
+        </p:xfrm>
+        <a:graphic>
+          <a:graphicData uri="http://schemas.openxmlformats.org/presentationml/2006/ole">
+            <mc:AlternateContent xmlns:mc="http://schemas.openxmlformats.org/markup-compatibility/2006">
+              <mc:Choice xmlns:v="urn:schemas-microsoft-com:vml" Requires="v">
+                <p:oleObj spid="_x0000_s342029" name="Equation" r:id="rId8" imgW="4673600" imgH="749300" progId="Equation.DSMT4">
+                  <p:embed/>
+                </p:oleObj>
+              </mc:Choice>
+              <mc:Fallback>
+                <p:oleObj name="Equation" r:id="rId8" imgW="4673600" imgH="749300" progId="Equation.DSMT4">
+                  <p:embed/>
+                  <p:pic>
+                    <p:nvPicPr>
+                      <p:cNvPr id="0" name=""/>
+                      <p:cNvPicPr>
+                        <a:picLocks noChangeAspect="1" noChangeArrowheads="1"/>
+                      </p:cNvPicPr>
+                      <p:nvPr/>
+                    </p:nvPicPr>
+                    <p:blipFill>
+                      <a:blip r:embed="rId9"/>
+                      <a:srcRect/>
+                      <a:stretch>
+                        <a:fillRect/>
+                      </a:stretch>
+                    </p:blipFill>
+                    <p:spPr bwMode="auto">
+                      <a:xfrm>
+                        <a:off x="4013200" y="4127500"/>
+                        <a:ext cx="4673600" cy="749300"/>
+                      </a:xfrm>
+                      <a:prstGeom prst="rect">
+                        <a:avLst/>
+                      </a:prstGeom>
+                      <a:noFill/>
+                      <a:extLst>
+                        <a:ext uri="{909E8E84-426E-40dd-AFC4-6F175D3DCCD1}">
+                          <a14:hiddenFill xmlns:a14="http://schemas.microsoft.com/office/drawing/2010/main">
+                            <a:solidFill>
+                              <a:srgbClr val="FFFFFF"/>
+                            </a:solidFill>
+                          </a14:hiddenFill>
+                        </a:ext>
+                      </a:extLst>
+                    </p:spPr>
+                  </p:pic>
+                </p:oleObj>
+              </mc:Fallback>
+            </mc:AlternateContent>
+          </a:graphicData>
+        </a:graphic>
+      </p:graphicFrame>
+      <p:graphicFrame>
+        <p:nvGraphicFramePr>
+          <p:cNvPr id="10" name="Object 9"/>
+          <p:cNvGraphicFramePr>
+            <a:graphicFrameLocks noChangeAspect="1"/>
+          </p:cNvGraphicFramePr>
+          <p:nvPr>
+            <p:extLst>
+              <p:ext uri="{D42A27DB-BD31-4B8C-83A1-F6EECF244321}">
+                <p14:modId xmlns:p14="http://schemas.microsoft.com/office/powerpoint/2010/main" val="2435882232"/>
+              </p:ext>
+            </p:extLst>
+          </p:nvPr>
+        </p:nvGraphicFramePr>
+        <p:xfrm>
+          <a:off x="259597" y="4114800"/>
+          <a:ext cx="3474203" cy="762000"/>
+        </p:xfrm>
+        <a:graphic>
+          <a:graphicData uri="http://schemas.openxmlformats.org/presentationml/2006/ole">
+            <mc:AlternateContent xmlns:mc="http://schemas.openxmlformats.org/markup-compatibility/2006">
+              <mc:Choice xmlns:v="urn:schemas-microsoft-com:vml" Requires="v">
+                <p:oleObj spid="_x0000_s342030" name="Equation" r:id="rId10" imgW="3416300" imgH="749300" progId="Equation.DSMT4">
+                  <p:embed/>
+                </p:oleObj>
+              </mc:Choice>
+              <mc:Fallback>
+                <p:oleObj name="Equation" r:id="rId10" imgW="3416300" imgH="749300" progId="Equation.DSMT4">
+                  <p:embed/>
+                  <p:pic>
+                    <p:nvPicPr>
+                      <p:cNvPr id="0" name=""/>
+                      <p:cNvPicPr>
+                        <a:picLocks noChangeAspect="1" noChangeArrowheads="1"/>
+                      </p:cNvPicPr>
+                      <p:nvPr/>
+                    </p:nvPicPr>
+                    <p:blipFill>
+                      <a:blip r:embed="rId11"/>
+                      <a:srcRect/>
+                      <a:stretch>
+                        <a:fillRect/>
+                      </a:stretch>
+                    </p:blipFill>
+                    <p:spPr bwMode="auto">
+                      <a:xfrm>
+                        <a:off x="259597" y="4114800"/>
+                        <a:ext cx="3474203" cy="762000"/>
+                      </a:xfrm>
+                      <a:prstGeom prst="rect">
+                        <a:avLst/>
+                      </a:prstGeom>
+                      <a:noFill/>
+                      <a:extLst/>
+                    </p:spPr>
+                  </p:pic>
+                </p:oleObj>
+              </mc:Fallback>
+            </mc:AlternateContent>
+          </a:graphicData>
+        </a:graphic>
+      </p:graphicFrame>
+      <p:cxnSp>
+        <p:nvCxnSpPr>
+          <p:cNvPr id="9" name="Straight Connector 8"/>
+          <p:cNvCxnSpPr/>
+          <p:nvPr/>
+        </p:nvCxnSpPr>
+        <p:spPr bwMode="auto">
+          <a:xfrm>
+            <a:off x="152400" y="5029200"/>
+            <a:ext cx="7620000" cy="1588"/>
+          </a:xfrm>
+          <a:prstGeom prst="line">
+            <a:avLst/>
+          </a:prstGeom>
+          <a:solidFill>
+            <a:schemeClr val="accent1">
+              <a:alpha val="0"/>
+            </a:schemeClr>
+          </a:solidFill>
+          <a:ln w="38100" cap="flat" cmpd="sng" algn="ctr">
+            <a:solidFill>
+              <a:srgbClr val="000000"/>
+            </a:solidFill>
+            <a:prstDash val="solid"/>
+            <a:round/>
+            <a:headEnd type="none" w="med" len="med"/>
+            <a:tailEnd type="none" w="med" len="med"/>
+          </a:ln>
+          <a:effectLst/>
+        </p:spPr>
+      </p:cxnSp>
+      <p:cxnSp>
+        <p:nvCxnSpPr>
+          <p:cNvPr id="11" name="Straight Connector 10"/>
+          <p:cNvCxnSpPr/>
+          <p:nvPr/>
+        </p:nvCxnSpPr>
+        <p:spPr bwMode="auto">
+          <a:xfrm rot="5400000">
+            <a:off x="3961606" y="3809206"/>
+            <a:ext cx="2133600" cy="1588"/>
+          </a:xfrm>
+          <a:prstGeom prst="line">
+            <a:avLst/>
+          </a:prstGeom>
+          <a:solidFill>
+            <a:schemeClr val="accent1">
+              <a:alpha val="0"/>
+            </a:schemeClr>
+          </a:solidFill>
+          <a:ln w="38100" cap="flat" cmpd="sng" algn="ctr">
+            <a:solidFill>
+              <a:srgbClr val="FF00FF"/>
+            </a:solidFill>
+            <a:prstDash val="sysDash"/>
+            <a:round/>
+            <a:headEnd type="none" w="med" len="med"/>
+            <a:tailEnd type="none" w="med" len="med"/>
+          </a:ln>
+          <a:effectLst/>
+        </p:spPr>
+      </p:cxnSp>
+      <p:cxnSp>
+        <p:nvCxnSpPr>
+          <p:cNvPr id="14" name="Straight Connector 13"/>
+          <p:cNvCxnSpPr/>
+          <p:nvPr/>
+        </p:nvCxnSpPr>
+        <p:spPr bwMode="auto">
+          <a:xfrm rot="5400000">
+            <a:off x="5638006" y="3809206"/>
+            <a:ext cx="2133600" cy="1588"/>
+          </a:xfrm>
+          <a:prstGeom prst="line">
+            <a:avLst/>
+          </a:prstGeom>
+          <a:solidFill>
+            <a:schemeClr val="accent1">
+              <a:alpha val="0"/>
+            </a:schemeClr>
+          </a:solidFill>
+          <a:ln w="38100" cap="flat" cmpd="sng" algn="ctr">
+            <a:solidFill>
+              <a:srgbClr val="FF00FF"/>
+            </a:solidFill>
+            <a:prstDash val="sysDash"/>
+            <a:round/>
+            <a:headEnd type="none" w="med" len="med"/>
+            <a:tailEnd type="none" w="med" len="med"/>
+          </a:ln>
+          <a:effectLst/>
+        </p:spPr>
+      </p:cxnSp>
+      <p:cxnSp>
+        <p:nvCxnSpPr>
+          <p:cNvPr id="17" name="Straight Connector 16"/>
+          <p:cNvCxnSpPr/>
+          <p:nvPr/>
+        </p:nvCxnSpPr>
+        <p:spPr bwMode="auto">
+          <a:xfrm rot="5400000">
+            <a:off x="6857206" y="3809206"/>
+            <a:ext cx="2133600" cy="1588"/>
+          </a:xfrm>
+          <a:prstGeom prst="line">
+            <a:avLst/>
+          </a:prstGeom>
+          <a:solidFill>
+            <a:schemeClr val="accent1">
+              <a:alpha val="0"/>
+            </a:schemeClr>
+          </a:solidFill>
+          <a:ln w="38100" cap="flat" cmpd="sng" algn="ctr">
+            <a:solidFill>
+              <a:srgbClr val="FF00FF"/>
+            </a:solidFill>
+            <a:prstDash val="sysDash"/>
+            <a:round/>
+            <a:headEnd type="none" w="med" len="med"/>
+            <a:tailEnd type="none" w="med" len="med"/>
+          </a:ln>
+          <a:effectLst/>
+        </p:spPr>
+      </p:cxnSp>
+      <p:graphicFrame>
+        <p:nvGraphicFramePr>
+          <p:cNvPr id="18" name="Object 17"/>
+          <p:cNvGraphicFramePr>
+            <a:graphicFrameLocks noChangeAspect="1"/>
+          </p:cNvGraphicFramePr>
+          <p:nvPr>
+            <p:extLst>
+              <p:ext uri="{D42A27DB-BD31-4B8C-83A1-F6EECF244321}">
+                <p14:modId xmlns:p14="http://schemas.microsoft.com/office/powerpoint/2010/main" val="3913594697"/>
+              </p:ext>
+            </p:extLst>
+          </p:nvPr>
+        </p:nvGraphicFramePr>
+        <p:xfrm>
+          <a:off x="4572000" y="4953000"/>
+          <a:ext cx="4297363" cy="939800"/>
+        </p:xfrm>
+        <a:graphic>
+          <a:graphicData uri="http://schemas.openxmlformats.org/presentationml/2006/ole">
+            <mc:AlternateContent xmlns:mc="http://schemas.openxmlformats.org/markup-compatibility/2006">
+              <mc:Choice xmlns:v="urn:schemas-microsoft-com:vml" Requires="v">
+                <p:oleObj spid="_x0000_s342031" name="Equation" r:id="rId12" imgW="1219200" imgH="266700" progId="Equation.DSMT4">
+                  <p:embed/>
+                </p:oleObj>
+              </mc:Choice>
+              <mc:Fallback>
+                <p:oleObj name="Equation" r:id="rId12" imgW="1219200" imgH="266700" progId="Equation.DSMT4">
+                  <p:embed/>
+                  <p:pic>
+                    <p:nvPicPr>
+                      <p:cNvPr id="0" name=""/>
+                      <p:cNvPicPr/>
+                      <p:nvPr/>
+                    </p:nvPicPr>
+                    <p:blipFill>
+                      <a:blip r:embed="rId13"/>
+                      <a:stretch>
+                        <a:fillRect/>
+                      </a:stretch>
+                    </p:blipFill>
+                    <p:spPr>
+                      <a:xfrm>
+                        <a:off x="4572000" y="4953000"/>
+                        <a:ext cx="4297363" cy="939800"/>
+                      </a:xfrm>
+                      <a:prstGeom prst="rect">
+                        <a:avLst/>
+                      </a:prstGeom>
+                    </p:spPr>
+                  </p:pic>
+                </p:oleObj>
+              </mc:Fallback>
+            </mc:AlternateContent>
+          </a:graphicData>
+        </a:graphic>
+      </p:graphicFrame>
+    </p:spTree>
+    <p:extLst>
+      <p:ext uri="{BB962C8B-B14F-4D97-AF65-F5344CB8AC3E}">
+        <p14:creationId xmlns:p14="http://schemas.microsoft.com/office/powerpoint/2010/main" val="1648691010"/>
+      </p:ext>
+    </p:extLst>
+  </p:cSld>
+  <p:clrMapOvr>
+    <a:masterClrMapping/>
+  </p:clrMapOvr>
+  <p:transition xmlns:p14="http://schemas.microsoft.com/office/powerpoint/2010/main" advClick="0">
+    <p:fade/>
+  </p:transition>
+  <p:timing>
+    <p:tnLst>
+      <p:par>
+        <p:cTn xmlns:p14="http://schemas.microsoft.com/office/powerpoint/2010/main" id="1" dur="indefinite" restart="never" nodeType="tmRoot">
+          <p:childTnLst>
+            <p:seq concurrent="1" nextAc="seek">
+              <p:cTn id="2" dur="indefinite" nodeType="mainSeq">
+                <p:childTnLst>
+                  <p:par>
+                    <p:cTn id="3" fill="hold">
+                      <p:stCondLst>
+                        <p:cond delay="indefinite"/>
+                      </p:stCondLst>
+                      <p:childTnLst>
+                        <p:par>
+                          <p:cTn id="4" fill="hold">
+                            <p:stCondLst>
+                              <p:cond delay="0"/>
+                            </p:stCondLst>
+                            <p:childTnLst>
+                              <p:par>
+                                <p:cTn id="5" presetID="9" presetClass="entr" presetSubtype="0" fill="hold" nodeType="clickEffect">
+                                  <p:stCondLst>
+                                    <p:cond delay="0"/>
+                                  </p:stCondLst>
+                                  <p:childTnLst>
+                                    <p:set>
+                                      <p:cBhvr>
+                                        <p:cTn id="6" dur="1" fill="hold">
+                                          <p:stCondLst>
+                                            <p:cond delay="0"/>
+                                          </p:stCondLst>
+                                        </p:cTn>
+                                        <p:tgtEl>
+                                          <p:spTgt spid="9"/>
+                                        </p:tgtEl>
+                                        <p:attrNameLst>
+                                          <p:attrName>style.visibility</p:attrName>
+                                        </p:attrNameLst>
+                                      </p:cBhvr>
+                                      <p:to>
+                                        <p:strVal val="visible"/>
+                                      </p:to>
+                                    </p:set>
+                                    <p:animEffect transition="in" filter="dissolve">
+                                      <p:cBhvr>
+                                        <p:cTn id="7" dur="500"/>
+                                        <p:tgtEl>
+                                          <p:spTgt spid="9"/>
+                                        </p:tgtEl>
+                                      </p:cBhvr>
+                                    </p:animEffect>
+                                  </p:childTnLst>
+                                </p:cTn>
+                              </p:par>
+                            </p:childTnLst>
+                          </p:cTn>
+                        </p:par>
+                        <p:par>
+                          <p:cTn id="8" fill="hold">
+                            <p:stCondLst>
+                              <p:cond delay="500"/>
+                            </p:stCondLst>
+                            <p:childTnLst>
+                              <p:par>
+                                <p:cTn id="9" presetID="22" presetClass="entr" presetSubtype="1" fill="hold" nodeType="afterEffect">
+                                  <p:stCondLst>
+                                    <p:cond delay="0"/>
+                                  </p:stCondLst>
+                                  <p:childTnLst>
+                                    <p:set>
+                                      <p:cBhvr>
+                                        <p:cTn id="10" dur="1" fill="hold">
+                                          <p:stCondLst>
+                                            <p:cond delay="0"/>
+                                          </p:stCondLst>
+                                        </p:cTn>
+                                        <p:tgtEl>
+                                          <p:spTgt spid="11"/>
+                                        </p:tgtEl>
+                                        <p:attrNameLst>
+                                          <p:attrName>style.visibility</p:attrName>
+                                        </p:attrNameLst>
+                                      </p:cBhvr>
+                                      <p:to>
+                                        <p:strVal val="visible"/>
+                                      </p:to>
+                                    </p:set>
+                                    <p:animEffect transition="in" filter="wipe(up)">
+                                      <p:cBhvr>
+                                        <p:cTn id="11" dur="500"/>
+                                        <p:tgtEl>
+                                          <p:spTgt spid="11"/>
+                                        </p:tgtEl>
+                                      </p:cBhvr>
+                                    </p:animEffect>
+                                  </p:childTnLst>
+                                </p:cTn>
+                              </p:par>
+                              <p:par>
+                                <p:cTn id="12" presetID="22" presetClass="entr" presetSubtype="1" fill="hold" nodeType="withEffect">
+                                  <p:stCondLst>
+                                    <p:cond delay="0"/>
+                                  </p:stCondLst>
+                                  <p:childTnLst>
+                                    <p:set>
+                                      <p:cBhvr>
+                                        <p:cTn id="13" dur="1" fill="hold">
+                                          <p:stCondLst>
+                                            <p:cond delay="0"/>
+                                          </p:stCondLst>
+                                        </p:cTn>
+                                        <p:tgtEl>
+                                          <p:spTgt spid="14"/>
+                                        </p:tgtEl>
+                                        <p:attrNameLst>
+                                          <p:attrName>style.visibility</p:attrName>
+                                        </p:attrNameLst>
+                                      </p:cBhvr>
+                                      <p:to>
+                                        <p:strVal val="visible"/>
+                                      </p:to>
+                                    </p:set>
+                                    <p:animEffect transition="in" filter="wipe(up)">
+                                      <p:cBhvr>
+                                        <p:cTn id="14" dur="500"/>
+                                        <p:tgtEl>
+                                          <p:spTgt spid="14"/>
+                                        </p:tgtEl>
+                                      </p:cBhvr>
+                                    </p:animEffect>
+                                  </p:childTnLst>
+                                </p:cTn>
+                              </p:par>
+                              <p:par>
+                                <p:cTn id="15" presetID="22" presetClass="entr" presetSubtype="1" fill="hold" nodeType="withEffect">
+                                  <p:stCondLst>
+                                    <p:cond delay="0"/>
+                                  </p:stCondLst>
+                                  <p:childTnLst>
+                                    <p:set>
+                                      <p:cBhvr>
+                                        <p:cTn id="16" dur="1" fill="hold">
+                                          <p:stCondLst>
+                                            <p:cond delay="0"/>
+                                          </p:stCondLst>
+                                        </p:cTn>
+                                        <p:tgtEl>
+                                          <p:spTgt spid="17"/>
+                                        </p:tgtEl>
+                                        <p:attrNameLst>
+                                          <p:attrName>style.visibility</p:attrName>
+                                        </p:attrNameLst>
+                                      </p:cBhvr>
+                                      <p:to>
+                                        <p:strVal val="visible"/>
+                                      </p:to>
+                                    </p:set>
+                                    <p:animEffect transition="in" filter="wipe(up)">
+                                      <p:cBhvr>
+                                        <p:cTn id="17" dur="500"/>
+                                        <p:tgtEl>
+                                          <p:spTgt spid="17"/>
+                                        </p:tgtEl>
+                                      </p:cBhvr>
+                                    </p:animEffect>
+                                  </p:childTnLst>
+                                </p:cTn>
+                              </p:par>
+                            </p:childTnLst>
+                          </p:cTn>
+                        </p:par>
+                        <p:par>
+                          <p:cTn id="18" fill="hold">
+                            <p:stCondLst>
+                              <p:cond delay="1000"/>
+                            </p:stCondLst>
+                            <p:childTnLst>
+                              <p:par>
+                                <p:cTn id="19" presetID="22" presetClass="entr" presetSubtype="1" fill="hold" nodeType="afterEffect">
+                                  <p:stCondLst>
+                                    <p:cond delay="0"/>
+                                  </p:stCondLst>
+                                  <p:childTnLst>
+                                    <p:set>
+                                      <p:cBhvr>
+                                        <p:cTn id="20" dur="1" fill="hold">
+                                          <p:stCondLst>
+                                            <p:cond delay="0"/>
+                                          </p:stCondLst>
+                                        </p:cTn>
+                                        <p:tgtEl>
+                                          <p:spTgt spid="18"/>
+                                        </p:tgtEl>
+                                        <p:attrNameLst>
+                                          <p:attrName>style.visibility</p:attrName>
+                                        </p:attrNameLst>
+                                      </p:cBhvr>
+                                      <p:to>
+                                        <p:strVal val="visible"/>
+                                      </p:to>
+                                    </p:set>
+                                    <p:animEffect transition="in" filter="wipe(up)">
+                                      <p:cBhvr>
+                                        <p:cTn id="21" dur="500"/>
+                                        <p:tgtEl>
+                                          <p:spTgt spid="18"/>
+                                        </p:tgtEl>
+                                      </p:cBhvr>
+                                    </p:animEffect>
+                                  </p:childTnLst>
+                                </p:cTn>
+                              </p:par>
+                            </p:childTnLst>
+                          </p:cTn>
+                        </p:par>
+                      </p:childTnLst>
+                    </p:cTn>
+                  </p:par>
+                </p:childTnLst>
+              </p:cTn>
+              <p:prevCondLst>
+                <p:cond evt="onPrev" delay="0">
+                  <p:tgtEl>
+                    <p:sldTgt/>
+                  </p:tgtEl>
+                </p:cond>
+              </p:prevCondLst>
+              <p:nextCondLst>
+                <p:cond evt="onNext" delay="0">
+                  <p:tgtEl>
+                    <p:sldTgt/>
+                  </p:tgtEl>
+                </p:cond>
+              </p:nextCondLst>
+            </p:seq>
+          </p:childTnLst>
+        </p:cTn>
+      </p:par>
+    </p:tnLst>
+  </p:timing>
+</p:sld>
+</file>
+
+<file path=ppt/slides/slide16.xml><?xml version="1.0" encoding="utf-8"?>
+<p:sld xmlns:a="http://schemas.openxmlformats.org/drawingml/2006/main" xmlns:r="http://schemas.openxmlformats.org/officeDocument/2006/relationships" xmlns:p="http://schemas.openxmlformats.org/presentationml/2006/main" show="0">
+  <p:cSld>
+    <p:spTree>
+      <p:nvGrpSpPr>
+        <p:cNvPr id="1" name=""/>
+        <p:cNvGrpSpPr/>
+        <p:nvPr/>
+      </p:nvGrpSpPr>
+      <p:grpSpPr>
+        <a:xfrm>
+          <a:off x="0" y="0"/>
+          <a:ext cx="0" cy="0"/>
+          <a:chOff x="0" y="0"/>
+          <a:chExt cx="0" cy="0"/>
+        </a:xfrm>
+      </p:grpSpPr>
+      <p:graphicFrame>
+        <p:nvGraphicFramePr>
+          <p:cNvPr id="192516" name="Object 4"/>
+          <p:cNvGraphicFramePr>
+            <a:graphicFrameLocks noChangeAspect="1"/>
+          </p:cNvGraphicFramePr>
+          <p:nvPr>
+            <p:extLst>
+              <p:ext uri="{D42A27DB-BD31-4B8C-83A1-F6EECF244321}">
                 <p14:modId xmlns:p14="http://schemas.microsoft.com/office/powerpoint/2010/main" val="4104930328"/>
               </p:ext>
             </p:extLst>
@@ -6327,7 +8526,7 @@
           <a:graphicData uri="http://schemas.openxmlformats.org/presentationml/2006/ole">
             <mc:AlternateContent xmlns:mc="http://schemas.openxmlformats.org/markup-compatibility/2006">
               <mc:Choice xmlns:v="urn:schemas-microsoft-com:vml" Requires="v">
-                <p:oleObj spid="_x0000_s339981" name="Equation" r:id="rId4" imgW="8280400" imgH="850900" progId="Equation.DSMT4">
+                <p:oleObj spid="_x0000_s340002" name="Equation" r:id="rId4" imgW="8280400" imgH="850900" progId="Equation.DSMT4">
                   <p:embed/>
                 </p:oleObj>
               </mc:Choice>
@@ -6519,7 +8718,7 @@
                 <a:tabLst/>
                 <a:defRPr/>
               </a:pPr>
-              <a:t>14</a:t>
+              <a:t>16</a:t>
             </a:fld>
             <a:endParaRPr kumimoji="0" lang="en-US" sz="1000" b="0" i="0" u="none" strike="noStrike" kern="1200" cap="none" spc="0" normalizeH="0" baseline="0" noProof="0" dirty="0">
               <a:ln>
@@ -6560,7 +8759,7 @@
           <a:graphicData uri="http://schemas.openxmlformats.org/presentationml/2006/ole">
             <mc:AlternateContent xmlns:mc="http://schemas.openxmlformats.org/markup-compatibility/2006">
               <mc:Choice xmlns:v="urn:schemas-microsoft-com:vml" Requires="v">
-                <p:oleObj spid="_x0000_s339982" name="Equation" r:id="rId6" imgW="7988300" imgH="863600" progId="Equation.DSMT4">
+                <p:oleObj spid="_x0000_s340003" name="Equation" r:id="rId6" imgW="7988300" imgH="863600" progId="Equation.DSMT4">
                   <p:embed/>
                 </p:oleObj>
               </mc:Choice>
@@ -6806,21 +9005,8 @@
                   <a:srgbClr val="FF0000"/>
                 </a:solidFill>
               </a:rPr>
-              <a:t> + </a:t>
-            </a:r>
-            <a:r>
-              <a:rPr lang="en-US" dirty="0" smtClean="0">
-                <a:solidFill>
-                  <a:srgbClr val="FF0000"/>
-                </a:solidFill>
-              </a:rPr>
-              <a:t>1</a:t>
-            </a:r>
-            <a:endParaRPr lang="en-US" dirty="0" smtClean="0">
-              <a:solidFill>
-                <a:srgbClr val="FF0000"/>
-              </a:solidFill>
-            </a:endParaRPr>
+              <a:t> + 1</a:t>
+            </a:r>
           </a:p>
         </p:txBody>
       </p:sp>
@@ -6833,25 +9019,25 @@
           <p:nvPr>
             <p:extLst>
               <p:ext uri="{D42A27DB-BD31-4B8C-83A1-F6EECF244321}">
-                <p14:modId xmlns:p14="http://schemas.microsoft.com/office/powerpoint/2010/main" val="820563674"/>
+                <p14:modId xmlns:p14="http://schemas.microsoft.com/office/powerpoint/2010/main" val="2286024803"/>
               </p:ext>
             </p:extLst>
           </p:nvPr>
         </p:nvGraphicFramePr>
         <p:xfrm>
-          <a:off x="298450" y="4114800"/>
-          <a:ext cx="7962900" cy="749300"/>
+          <a:off x="990600" y="4114800"/>
+          <a:ext cx="2654300" cy="749300"/>
         </p:xfrm>
         <a:graphic>
           <a:graphicData uri="http://schemas.openxmlformats.org/presentationml/2006/ole">
             <mc:AlternateContent xmlns:mc="http://schemas.openxmlformats.org/markup-compatibility/2006">
               <mc:Choice xmlns:v="urn:schemas-microsoft-com:vml" Requires="v">
-                <p:oleObj spid="_x0000_s339983" name="Equation" r:id="rId8" imgW="7962900" imgH="749300" progId="Equation.DSMT4">
+                <p:oleObj spid="_x0000_s340004" name="Equation" r:id="rId8" imgW="2654300" imgH="749300" progId="Equation.DSMT4">
                   <p:embed/>
                 </p:oleObj>
               </mc:Choice>
               <mc:Fallback>
-                <p:oleObj name="Equation" r:id="rId8" imgW="7962900" imgH="749300" progId="Equation.DSMT4">
+                <p:oleObj name="Equation" r:id="rId8" imgW="2654300" imgH="749300" progId="Equation.DSMT4">
                   <p:embed/>
                   <p:pic>
                     <p:nvPicPr>
@@ -6870,8 +9056,8 @@
                     </p:blipFill>
                     <p:spPr bwMode="auto">
                       <a:xfrm>
-                        <a:off x="298450" y="4114800"/>
-                        <a:ext cx="7962900" cy="749300"/>
+                        <a:off x="990600" y="4114800"/>
+                        <a:ext cx="2654300" cy="749300"/>
                       </a:xfrm>
                       <a:prstGeom prst="rect">
                         <a:avLst/>
@@ -6916,7 +9102,7 @@
           <a:graphicData uri="http://schemas.openxmlformats.org/presentationml/2006/ole">
             <mc:AlternateContent xmlns:mc="http://schemas.openxmlformats.org/markup-compatibility/2006">
               <mc:Choice xmlns:v="urn:schemas-microsoft-com:vml" Requires="v">
-                <p:oleObj spid="_x0000_s339984" name="Equation" r:id="rId10" imgW="1066800" imgH="266700" progId="Equation.DSMT4">
+                <p:oleObj spid="_x0000_s340005" name="Equation" r:id="rId10" imgW="1066800" imgH="266700" progId="Equation.DSMT4">
                   <p:embed/>
                 </p:oleObj>
               </mc:Choice>
@@ -7208,7 +9394,7 @@
 </p:sld>
 </file>
 
-<file path=ppt/slides/slide15.xml><?xml version="1.0" encoding="utf-8"?>
+<file path=ppt/slides/slide17.xml><?xml version="1.0" encoding="utf-8"?>
 <p:sld xmlns:a="http://schemas.openxmlformats.org/drawingml/2006/main" xmlns:r="http://schemas.openxmlformats.org/officeDocument/2006/relationships" xmlns:p="http://schemas.openxmlformats.org/presentationml/2006/main">
   <p:cSld>
     <p:spTree>
@@ -7247,7 +9433,7 @@
           <a:graphicData uri="http://schemas.openxmlformats.org/presentationml/2006/ole">
             <mc:AlternateContent xmlns:mc="http://schemas.openxmlformats.org/markup-compatibility/2006">
               <mc:Choice xmlns:v="urn:schemas-microsoft-com:vml" Requires="v">
-                <p:oleObj spid="_x0000_s336913" name="Equation" r:id="rId4" imgW="3695700" imgH="850900" progId="Equation.DSMT4">
+                <p:oleObj spid="_x0000_s336926" name="Equation" r:id="rId4" imgW="3695700" imgH="850900" progId="Equation.DSMT4">
                   <p:embed/>
                 </p:oleObj>
               </mc:Choice>
@@ -7439,7 +9625,7 @@
                 <a:tabLst/>
                 <a:defRPr/>
               </a:pPr>
-              <a:t>15</a:t>
+              <a:t>17</a:t>
             </a:fld>
             <a:endParaRPr kumimoji="0" lang="en-US" sz="1000" b="0" i="0" u="none" strike="noStrike" kern="1200" cap="none" spc="0" normalizeH="0" baseline="0" noProof="0" dirty="0">
               <a:ln>
@@ -7480,7 +9666,7 @@
           <a:graphicData uri="http://schemas.openxmlformats.org/presentationml/2006/ole">
             <mc:AlternateContent xmlns:mc="http://schemas.openxmlformats.org/markup-compatibility/2006">
               <mc:Choice xmlns:v="urn:schemas-microsoft-com:vml" Requires="v">
-                <p:oleObj spid="_x0000_s336914" name="Equation" r:id="rId6" imgW="2133600" imgH="571500" progId="Equation.DSMT4">
+                <p:oleObj spid="_x0000_s336927" name="Equation" r:id="rId6" imgW="2133600" imgH="571500" progId="Equation.DSMT4">
                   <p:embed/>
                 </p:oleObj>
               </mc:Choice>
@@ -7537,7 +9723,7 @@
           <p:nvPr>
             <p:extLst>
               <p:ext uri="{D42A27DB-BD31-4B8C-83A1-F6EECF244321}">
-                <p14:modId xmlns:p14="http://schemas.microsoft.com/office/powerpoint/2010/main" val="2280194410"/>
+                <p14:modId xmlns:p14="http://schemas.microsoft.com/office/powerpoint/2010/main" val="2669657381"/>
               </p:ext>
             </p:extLst>
           </p:nvPr>
@@ -7550,7 +9736,7 @@
           <a:graphicData uri="http://schemas.openxmlformats.org/presentationml/2006/ole">
             <mc:AlternateContent xmlns:mc="http://schemas.openxmlformats.org/markup-compatibility/2006">
               <mc:Choice xmlns:v="urn:schemas-microsoft-com:vml" Requires="v">
-                <p:oleObj spid="_x0000_s336915" name="Equation" r:id="rId8" imgW="3492500" imgH="749300" progId="Equation.DSMT4">
+                <p:oleObj spid="_x0000_s336928" name="Equation" r:id="rId8" imgW="3492500" imgH="749300" progId="Equation.DSMT4">
                   <p:embed/>
                 </p:oleObj>
               </mc:Choice>
@@ -7621,7 +9807,7 @@
 </p:sld>
 </file>
 
-<file path=ppt/slides/slide16.xml><?xml version="1.0" encoding="utf-8"?>
+<file path=ppt/slides/slide18.xml><?xml version="1.0" encoding="utf-8"?>
 <p:sld xmlns:a="http://schemas.openxmlformats.org/drawingml/2006/main" xmlns:r="http://schemas.openxmlformats.org/officeDocument/2006/relationships" xmlns:p="http://schemas.openxmlformats.org/presentationml/2006/main">
   <p:cSld>
     <p:spTree>
@@ -7782,7 +9968,7 @@
                 <a:tabLst/>
                 <a:defRPr/>
               </a:pPr>
-              <a:t>16</a:t>
+              <a:t>18</a:t>
             </a:fld>
             <a:endParaRPr kumimoji="0" lang="en-US" sz="1000" b="0" i="0" u="none" strike="noStrike" kern="1200" cap="none" spc="0" normalizeH="0" baseline="0" noProof="0" dirty="0">
               <a:ln>
@@ -7845,11 +10031,7 @@
             </a:r>
             <a:r>
               <a:rPr lang="en-US" dirty="0" smtClean="0"/>
-              <a:t> </a:t>
-            </a:r>
-            <a:r>
-              <a:rPr lang="en-US" dirty="0" smtClean="0"/>
-              <a:t>= </a:t>
+              <a:t> = </a:t>
             </a:r>
             <a:r>
               <a:rPr lang="en-US" dirty="0" smtClean="0">
@@ -7872,7 +10054,7 @@
           <p:nvPr>
             <p:extLst>
               <p:ext uri="{D42A27DB-BD31-4B8C-83A1-F6EECF244321}">
-                <p14:modId xmlns:p14="http://schemas.microsoft.com/office/powerpoint/2010/main" val="924321644"/>
+                <p14:modId xmlns:p14="http://schemas.microsoft.com/office/powerpoint/2010/main" val="717549590"/>
               </p:ext>
             </p:extLst>
           </p:nvPr>
@@ -7885,7 +10067,7 @@
           <a:graphicData uri="http://schemas.openxmlformats.org/presentationml/2006/ole">
             <mc:AlternateContent xmlns:mc="http://schemas.openxmlformats.org/markup-compatibility/2006">
               <mc:Choice xmlns:v="urn:schemas-microsoft-com:vml" Requires="v">
-                <p:oleObj spid="_x0000_s337929" name="Equation" r:id="rId4" imgW="7289800" imgH="850900" progId="Equation.DSMT4">
+                <p:oleObj spid="_x0000_s337938" name="Equation" r:id="rId4" imgW="7289800" imgH="850900" progId="Equation.DSMT4">
                   <p:embed/>
                 </p:oleObj>
               </mc:Choice>
@@ -7955,7 +10137,7 @@
           <a:graphicData uri="http://schemas.openxmlformats.org/presentationml/2006/ole">
             <mc:AlternateContent xmlns:mc="http://schemas.openxmlformats.org/markup-compatibility/2006">
               <mc:Choice xmlns:v="urn:schemas-microsoft-com:vml" Requires="v">
-                <p:oleObj spid="_x0000_s337930" name="Equation" r:id="rId6" imgW="5638680" imgH="736560" progId="Equation.DSMT4">
+                <p:oleObj spid="_x0000_s337939" name="Equation" r:id="rId6" imgW="5638680" imgH="736560" progId="Equation.DSMT4">
                   <p:embed/>
                 </p:oleObj>
               </mc:Choice>
@@ -8164,7 +10346,7 @@
 </p:sld>
 </file>
 
-<file path=ppt/slides/slide17.xml><?xml version="1.0" encoding="utf-8"?>
+<file path=ppt/slides/slide19.xml><?xml version="1.0" encoding="utf-8"?>
 <p:sld xmlns:a="http://schemas.openxmlformats.org/drawingml/2006/main" xmlns:r="http://schemas.openxmlformats.org/officeDocument/2006/relationships" xmlns:p="http://schemas.openxmlformats.org/presentationml/2006/main">
   <p:cSld>
     <p:spTree>
@@ -8325,7 +10507,7 @@
                 <a:tabLst/>
                 <a:defRPr/>
               </a:pPr>
-              <a:t>17</a:t>
+              <a:t>19</a:t>
             </a:fld>
             <a:endParaRPr kumimoji="0" lang="en-US" sz="1000" b="0" i="0" u="none" strike="noStrike" kern="1200" cap="none" spc="0" normalizeH="0" baseline="0" noProof="0" dirty="0">
               <a:ln>
@@ -8366,7 +10548,7 @@
           <a:graphicData uri="http://schemas.openxmlformats.org/presentationml/2006/ole">
             <mc:AlternateContent xmlns:mc="http://schemas.openxmlformats.org/markup-compatibility/2006">
               <mc:Choice xmlns:v="urn:schemas-microsoft-com:vml" Requires="v">
-                <p:oleObj spid="_x0000_s113715" name="Equation" r:id="rId4" imgW="5257800" imgH="1434960" progId="Equation.DSMT4">
+                <p:oleObj spid="_x0000_s113719" name="Equation" r:id="rId4" imgW="5257800" imgH="1434960" progId="Equation.DSMT4">
                   <p:embed/>
                 </p:oleObj>
               </mc:Choice>
@@ -8601,722 +10783,6 @@
 </p:sld>
 </file>
 
-<file path=ppt/slides/slide18.xml><?xml version="1.0" encoding="utf-8"?>
-<p:sld xmlns:a="http://schemas.openxmlformats.org/drawingml/2006/main" xmlns:r="http://schemas.openxmlformats.org/officeDocument/2006/relationships" xmlns:p="http://schemas.openxmlformats.org/presentationml/2006/main">
-  <p:cSld>
-    <p:spTree>
-      <p:nvGrpSpPr>
-        <p:cNvPr id="1" name=""/>
-        <p:cNvGrpSpPr/>
-        <p:nvPr/>
-      </p:nvGrpSpPr>
-      <p:grpSpPr>
-        <a:xfrm>
-          <a:off x="0" y="0"/>
-          <a:ext cx="0" cy="0"/>
-          <a:chOff x="0" y="0"/>
-          <a:chExt cx="0" cy="0"/>
-        </a:xfrm>
-      </p:grpSpPr>
-      <p:sp>
-        <p:nvSpPr>
-          <p:cNvPr id="30724" name="Rectangle 4"/>
-          <p:cNvSpPr>
-            <a:spLocks noGrp="1" noChangeArrowheads="1"/>
-          </p:cNvSpPr>
-          <p:nvPr>
-            <p:ph type="title"/>
-          </p:nvPr>
-        </p:nvSpPr>
-        <p:spPr/>
-        <p:txBody>
-          <a:bodyPr/>
-          <a:lstStyle/>
-          <a:p>
-            <a:pPr eaLnBrk="1" hangingPunct="1"/>
-            <a:r>
-              <a:rPr lang="en-US" dirty="0" smtClean="0"/>
-              <a:t>Hanoi Generating Function</a:t>
-            </a:r>
-          </a:p>
-        </p:txBody>
-      </p:sp>
-      <p:sp>
-        <p:nvSpPr>
-          <p:cNvPr id="6" name="Rectangle 11"/>
-          <p:cNvSpPr txBox="1">
-            <a:spLocks noChangeArrowheads="1"/>
-          </p:cNvSpPr>
-          <p:nvPr/>
-        </p:nvSpPr>
-        <p:spPr bwMode="auto">
-          <a:xfrm>
-            <a:off x="6400800" y="6613525"/>
-            <a:ext cx="2667000" cy="244475"/>
-          </a:xfrm>
-          <a:prstGeom prst="rect">
-            <a:avLst/>
-          </a:prstGeom>
-          <a:noFill/>
-          <a:ln w="9525">
-            <a:noFill/>
-            <a:miter lim="800000"/>
-            <a:headEnd/>
-            <a:tailEnd/>
-          </a:ln>
-          <a:effectLst/>
-        </p:spPr>
-        <p:txBody>
-          <a:bodyPr vert="horz" wrap="square" lIns="91440" tIns="45720" rIns="91440" bIns="45720" numCol="1" anchor="t" anchorCtr="0" compatLnSpc="1">
-            <a:prstTxWarp prst="textNoShape">
-              <a:avLst/>
-            </a:prstTxWarp>
-            <a:spAutoFit/>
-          </a:bodyPr>
-          <a:lstStyle>
-            <a:lvl1pPr algn="r">
-              <a:defRPr sz="1000"/>
-            </a:lvl1pPr>
-          </a:lstStyle>
-          <a:p>
-            <a:pPr marL="0" marR="0" lvl="0" indent="0" algn="r" defTabSz="914400" rtl="0" eaLnBrk="1" fontAlgn="base" latinLnBrk="0" hangingPunct="1">
-              <a:lnSpc>
-                <a:spcPct val="100000"/>
-              </a:lnSpc>
-              <a:spcBef>
-                <a:spcPct val="0"/>
-              </a:spcBef>
-              <a:spcAft>
-                <a:spcPct val="0"/>
-              </a:spcAft>
-              <a:buClrTx/>
-              <a:buSzTx/>
-              <a:buFontTx/>
-              <a:buNone/>
-              <a:tabLst/>
-              <a:defRPr/>
-            </a:pPr>
-            <a:r>
-              <a:rPr kumimoji="0" lang="en-US" sz="1000" b="0" i="0" u="none" strike="noStrike" kern="1200" cap="none" spc="0" normalizeH="0" baseline="0" noProof="0" dirty="0" err="1" smtClean="0">
-                <a:ln>
-                  <a:noFill/>
-                </a:ln>
-                <a:solidFill>
-                  <a:schemeClr val="tx1"/>
-                </a:solidFill>
-                <a:effectLst/>
-                <a:uLnTx/>
-                <a:uFillTx/>
-                <a:latin typeface="Comic Sans MS" pitchFamily="66" charset="0"/>
-                <a:ea typeface="+mn-ea"/>
-                <a:cs typeface="+mn-cs"/>
-              </a:rPr>
-              <a:t>linrecinhom</a:t>
-            </a:r>
-            <a:r>
-              <a:rPr kumimoji="0" lang="en-US" sz="1000" b="0" i="0" u="none" strike="noStrike" kern="1200" cap="none" spc="0" normalizeH="0" baseline="0" noProof="0" dirty="0" smtClean="0">
-                <a:ln>
-                  <a:noFill/>
-                </a:ln>
-                <a:solidFill>
-                  <a:schemeClr val="tx1"/>
-                </a:solidFill>
-                <a:effectLst/>
-                <a:uLnTx/>
-                <a:uFillTx/>
-                <a:latin typeface="Comic Sans MS" pitchFamily="66" charset="0"/>
-                <a:ea typeface="+mn-ea"/>
-                <a:cs typeface="+mn-cs"/>
-              </a:rPr>
-              <a:t>.</a:t>
-            </a:r>
-            <a:fld id="{17233D2A-0857-4415-88C1-423492E69A26}" type="slidenum">
-              <a:rPr kumimoji="0" lang="en-US" sz="1000" b="0" i="0" u="none" strike="noStrike" kern="1200" cap="none" spc="0" normalizeH="0" baseline="0" noProof="0" smtClean="0">
-                <a:ln>
-                  <a:noFill/>
-                </a:ln>
-                <a:solidFill>
-                  <a:schemeClr val="tx1"/>
-                </a:solidFill>
-                <a:effectLst/>
-                <a:uLnTx/>
-                <a:uFillTx/>
-                <a:latin typeface="Comic Sans MS" pitchFamily="66" charset="0"/>
-                <a:ea typeface="+mn-ea"/>
-                <a:cs typeface="+mn-cs"/>
-              </a:rPr>
-              <a:pPr marL="0" marR="0" lvl="0" indent="0" algn="r" defTabSz="914400" rtl="0" eaLnBrk="1" fontAlgn="base" latinLnBrk="0" hangingPunct="1">
-                <a:lnSpc>
-                  <a:spcPct val="100000"/>
-                </a:lnSpc>
-                <a:spcBef>
-                  <a:spcPct val="0"/>
-                </a:spcBef>
-                <a:spcAft>
-                  <a:spcPct val="0"/>
-                </a:spcAft>
-                <a:buClrTx/>
-                <a:buSzTx/>
-                <a:buFontTx/>
-                <a:buNone/>
-                <a:tabLst/>
-                <a:defRPr/>
-              </a:pPr>
-              <a:t>18</a:t>
-            </a:fld>
-            <a:endParaRPr kumimoji="0" lang="en-US" sz="1000" b="0" i="0" u="none" strike="noStrike" kern="1200" cap="none" spc="0" normalizeH="0" baseline="0" noProof="0" dirty="0">
-              <a:ln>
-                <a:noFill/>
-              </a:ln>
-              <a:solidFill>
-                <a:schemeClr val="tx1"/>
-              </a:solidFill>
-              <a:effectLst/>
-              <a:uLnTx/>
-              <a:uFillTx/>
-              <a:latin typeface="Comic Sans MS" pitchFamily="66" charset="0"/>
-              <a:ea typeface="+mn-ea"/>
-              <a:cs typeface="+mn-cs"/>
-            </a:endParaRPr>
-          </a:p>
-        </p:txBody>
-      </p:sp>
-      <p:graphicFrame>
-        <p:nvGraphicFramePr>
-          <p:cNvPr id="114691" name="Object 2"/>
-          <p:cNvGraphicFramePr>
-            <a:graphicFrameLocks noChangeAspect="1"/>
-          </p:cNvGraphicFramePr>
-          <p:nvPr>
-            <p:extLst>
-              <p:ext uri="{D42A27DB-BD31-4B8C-83A1-F6EECF244321}">
-                <p14:modId xmlns:p14="http://schemas.microsoft.com/office/powerpoint/2010/main" val="3904108219"/>
-              </p:ext>
-            </p:extLst>
-          </p:nvPr>
-        </p:nvGraphicFramePr>
-        <p:xfrm>
-          <a:off x="1239838" y="3143250"/>
-          <a:ext cx="6662737" cy="1703388"/>
-        </p:xfrm>
-        <a:graphic>
-          <a:graphicData uri="http://schemas.openxmlformats.org/presentationml/2006/ole">
-            <mc:AlternateContent xmlns:mc="http://schemas.openxmlformats.org/markup-compatibility/2006">
-              <mc:Choice xmlns:v="urn:schemas-microsoft-com:vml" Requires="v">
-                <p:oleObj spid="_x0000_s114720" name="Equation" r:id="rId4" imgW="4178300" imgH="1066800" progId="Equation.DSMT4">
-                  <p:embed/>
-                </p:oleObj>
-              </mc:Choice>
-              <mc:Fallback>
-                <p:oleObj name="Equation" r:id="rId4" imgW="4178300" imgH="1066800" progId="Equation.DSMT4">
-                  <p:embed/>
-                  <p:pic>
-                    <p:nvPicPr>
-                      <p:cNvPr id="0" name="Picture 3"/>
-                      <p:cNvPicPr>
-                        <a:picLocks noChangeAspect="1" noChangeArrowheads="1"/>
-                      </p:cNvPicPr>
-                      <p:nvPr/>
-                    </p:nvPicPr>
-                    <p:blipFill>
-                      <a:blip r:embed="rId5"/>
-                      <a:srcRect/>
-                      <a:stretch>
-                        <a:fillRect/>
-                      </a:stretch>
-                    </p:blipFill>
-                    <p:spPr bwMode="auto">
-                      <a:xfrm>
-                        <a:off x="1239838" y="3143250"/>
-                        <a:ext cx="6662737" cy="1703388"/>
-                      </a:xfrm>
-                      <a:prstGeom prst="rect">
-                        <a:avLst/>
-                      </a:prstGeom>
-                      <a:noFill/>
-                      <a:extLst>
-                        <a:ext uri="{909E8E84-426E-40dd-AFC4-6F175D3DCCD1}">
-                          <a14:hiddenFill xmlns:a14="http://schemas.microsoft.com/office/drawing/2010/main">
-                            <a:solidFill>
-                              <a:srgbClr val="FFFFFF"/>
-                            </a:solidFill>
-                          </a14:hiddenFill>
-                        </a:ext>
-                      </a:extLst>
-                    </p:spPr>
-                  </p:pic>
-                </p:oleObj>
-              </mc:Fallback>
-            </mc:AlternateContent>
-          </a:graphicData>
-        </a:graphic>
-      </p:graphicFrame>
-      <p:sp>
-        <p:nvSpPr>
-          <p:cNvPr id="8" name="TextBox 7"/>
-          <p:cNvSpPr txBox="1"/>
-          <p:nvPr/>
-        </p:nvSpPr>
-        <p:spPr>
-          <a:xfrm>
-            <a:off x="1295400" y="1447800"/>
-            <a:ext cx="5834951" cy="1569660"/>
-          </a:xfrm>
-          <a:prstGeom prst="rect">
-            <a:avLst/>
-          </a:prstGeom>
-          <a:noFill/>
-        </p:spPr>
-        <p:txBody>
-          <a:bodyPr wrap="none" rtlCol="0">
-            <a:spAutoFit/>
-          </a:bodyPr>
-          <a:lstStyle/>
-          <a:p>
-            <a:r>
-              <a:rPr lang="en-US" sz="4800" dirty="0" smtClean="0"/>
-              <a:t>by partial fractions</a:t>
-            </a:r>
-          </a:p>
-          <a:p>
-            <a:r>
-              <a:rPr lang="en-US" sz="4800" dirty="0" smtClean="0"/>
-              <a:t>from previous video</a:t>
-            </a:r>
-            <a:endParaRPr lang="en-US" sz="4800" dirty="0"/>
-          </a:p>
-        </p:txBody>
-      </p:sp>
-    </p:spTree>
-  </p:cSld>
-  <p:clrMapOvr>
-    <a:masterClrMapping/>
-  </p:clrMapOvr>
-  <p:transition xmlns:p14="http://schemas.microsoft.com/office/powerpoint/2010/main" spd="slow" advClick="0">
-    <p:fade/>
-  </p:transition>
-  <p:timing>
-    <p:tnLst>
-      <p:par>
-        <p:cTn xmlns:p14="http://schemas.microsoft.com/office/powerpoint/2010/main" id="1" dur="indefinite" restart="never" nodeType="tmRoot">
-          <p:childTnLst>
-            <p:seq concurrent="1" nextAc="seek">
-              <p:cTn id="2" dur="indefinite" nodeType="mainSeq">
-                <p:childTnLst>
-                  <p:par>
-                    <p:cTn id="3" fill="hold">
-                      <p:stCondLst>
-                        <p:cond delay="indefinite"/>
-                      </p:stCondLst>
-                      <p:childTnLst>
-                        <p:par>
-                          <p:cTn id="4" fill="hold">
-                            <p:stCondLst>
-                              <p:cond delay="0"/>
-                            </p:stCondLst>
-                            <p:childTnLst>
-                              <p:par>
-                                <p:cTn id="5" presetID="22" presetClass="entr" presetSubtype="8" fill="hold" nodeType="clickEffect">
-                                  <p:stCondLst>
-                                    <p:cond delay="0"/>
-                                  </p:stCondLst>
-                                  <p:childTnLst>
-                                    <p:set>
-                                      <p:cBhvr>
-                                        <p:cTn id="6" dur="1" fill="hold">
-                                          <p:stCondLst>
-                                            <p:cond delay="0"/>
-                                          </p:stCondLst>
-                                        </p:cTn>
-                                        <p:tgtEl>
-                                          <p:spTgt spid="114691"/>
-                                        </p:tgtEl>
-                                        <p:attrNameLst>
-                                          <p:attrName>style.visibility</p:attrName>
-                                        </p:attrNameLst>
-                                      </p:cBhvr>
-                                      <p:to>
-                                        <p:strVal val="visible"/>
-                                      </p:to>
-                                    </p:set>
-                                    <p:animEffect transition="in" filter="wipe(left)">
-                                      <p:cBhvr>
-                                        <p:cTn id="7" dur="1000"/>
-                                        <p:tgtEl>
-                                          <p:spTgt spid="114691"/>
-                                        </p:tgtEl>
-                                      </p:cBhvr>
-                                    </p:animEffect>
-                                  </p:childTnLst>
-                                </p:cTn>
-                              </p:par>
-                            </p:childTnLst>
-                          </p:cTn>
-                        </p:par>
-                      </p:childTnLst>
-                    </p:cTn>
-                  </p:par>
-                </p:childTnLst>
-              </p:cTn>
-              <p:prevCondLst>
-                <p:cond evt="onPrev" delay="0">
-                  <p:tgtEl>
-                    <p:sldTgt/>
-                  </p:tgtEl>
-                </p:cond>
-              </p:prevCondLst>
-              <p:nextCondLst>
-                <p:cond evt="onNext" delay="0">
-                  <p:tgtEl>
-                    <p:sldTgt/>
-                  </p:tgtEl>
-                </p:cond>
-              </p:nextCondLst>
-            </p:seq>
-          </p:childTnLst>
-        </p:cTn>
-      </p:par>
-    </p:tnLst>
-  </p:timing>
-</p:sld>
-</file>
-
-<file path=ppt/slides/slide19.xml><?xml version="1.0" encoding="utf-8"?>
-<p:sld xmlns:a="http://schemas.openxmlformats.org/drawingml/2006/main" xmlns:r="http://schemas.openxmlformats.org/officeDocument/2006/relationships" xmlns:p="http://schemas.openxmlformats.org/presentationml/2006/main">
-  <p:cSld>
-    <p:spTree>
-      <p:nvGrpSpPr>
-        <p:cNvPr id="1" name=""/>
-        <p:cNvGrpSpPr/>
-        <p:nvPr/>
-      </p:nvGrpSpPr>
-      <p:grpSpPr>
-        <a:xfrm>
-          <a:off x="0" y="0"/>
-          <a:ext cx="0" cy="0"/>
-          <a:chOff x="0" y="0"/>
-          <a:chExt cx="0" cy="0"/>
-        </a:xfrm>
-      </p:grpSpPr>
-      <p:sp>
-        <p:nvSpPr>
-          <p:cNvPr id="2" name="Title 1"/>
-          <p:cNvSpPr>
-            <a:spLocks noGrp="1"/>
-          </p:cNvSpPr>
-          <p:nvPr>
-            <p:ph type="title"/>
-          </p:nvPr>
-        </p:nvSpPr>
-        <p:spPr>
-          <a:xfrm>
-            <a:off x="1143000" y="304800"/>
-            <a:ext cx="7848600" cy="1143000"/>
-          </a:xfrm>
-        </p:spPr>
-        <p:txBody>
-          <a:bodyPr/>
-          <a:lstStyle/>
-          <a:p>
-            <a:r>
-              <a:rPr lang="en-US" dirty="0" smtClean="0">
-                <a:solidFill>
-                  <a:srgbClr val="FF00FF"/>
-                </a:solidFill>
-              </a:rPr>
-              <a:t>C</a:t>
-            </a:r>
-            <a:r>
-              <a:rPr lang="en-US" dirty="0" smtClean="0"/>
-              <a:t>onstant </a:t>
-            </a:r>
-            <a:r>
-              <a:rPr lang="en-US" dirty="0"/>
-              <a:t>I</a:t>
-            </a:r>
-            <a:r>
-              <a:rPr lang="en-US" dirty="0" smtClean="0"/>
-              <a:t>nhomogeneous </a:t>
-            </a:r>
-            <a:r>
-              <a:rPr lang="en-US" dirty="0"/>
-              <a:t>T</a:t>
-            </a:r>
-            <a:r>
-              <a:rPr lang="en-US" dirty="0" smtClean="0"/>
-              <a:t>erm</a:t>
-            </a:r>
-            <a:endParaRPr lang="en-US" dirty="0"/>
-          </a:p>
-        </p:txBody>
-      </p:sp>
-      <p:sp>
-        <p:nvSpPr>
-          <p:cNvPr id="3" name="Content Placeholder 2"/>
-          <p:cNvSpPr>
-            <a:spLocks noGrp="1"/>
-          </p:cNvSpPr>
-          <p:nvPr>
-            <p:ph idx="1"/>
-          </p:nvPr>
-        </p:nvSpPr>
-        <p:spPr>
-          <a:xfrm>
-            <a:off x="609600" y="1295400"/>
-            <a:ext cx="7924800" cy="2971800"/>
-          </a:xfrm>
-        </p:spPr>
-        <p:txBody>
-          <a:bodyPr/>
-          <a:lstStyle/>
-          <a:p>
-            <a:pPr>
-              <a:buNone/>
-            </a:pPr>
-            <a:r>
-              <a:rPr lang="en-US" sz="4800" dirty="0" smtClean="0"/>
-              <a:t>This method </a:t>
-            </a:r>
-            <a:r>
-              <a:rPr lang="en-US" sz="4800" dirty="0" smtClean="0"/>
-              <a:t>handles linear </a:t>
-            </a:r>
-            <a:endParaRPr lang="en-US" sz="4800" dirty="0" smtClean="0"/>
-          </a:p>
-          <a:p>
-            <a:pPr>
-              <a:buNone/>
-            </a:pPr>
-            <a:r>
-              <a:rPr lang="en-US" sz="4800" dirty="0" smtClean="0"/>
-              <a:t>recurrences with constant</a:t>
-            </a:r>
-          </a:p>
-          <a:p>
-            <a:pPr>
-              <a:buNone/>
-            </a:pPr>
-            <a:r>
-              <a:rPr lang="en-US" sz="4800" dirty="0" smtClean="0"/>
-              <a:t>inhomogeneous </a:t>
-            </a:r>
-            <a:r>
-              <a:rPr lang="en-US" sz="4800" dirty="0" smtClean="0"/>
-              <a:t>term:</a:t>
-            </a:r>
-          </a:p>
-          <a:p>
-            <a:pPr>
-              <a:buNone/>
-            </a:pPr>
-            <a:endParaRPr lang="en-US" sz="4800" dirty="0" smtClean="0"/>
-          </a:p>
-          <a:p>
-            <a:pPr>
-              <a:buNone/>
-            </a:pPr>
-            <a:endParaRPr lang="en-US" sz="4800" dirty="0"/>
-          </a:p>
-        </p:txBody>
-      </p:sp>
-      <p:sp>
-        <p:nvSpPr>
-          <p:cNvPr id="4" name="Slide Number Placeholder 3"/>
-          <p:cNvSpPr>
-            <a:spLocks noGrp="1"/>
-          </p:cNvSpPr>
-          <p:nvPr>
-            <p:ph type="sldNum" sz="quarter" idx="4"/>
-          </p:nvPr>
-        </p:nvSpPr>
-        <p:spPr/>
-        <p:txBody>
-          <a:bodyPr/>
-          <a:lstStyle/>
-          <a:p>
-            <a:pPr>
-              <a:defRPr/>
-            </a:pPr>
-            <a:r>
-              <a:rPr lang="en-US" dirty="0" err="1" smtClean="0"/>
-              <a:t>linrecinhom</a:t>
-            </a:r>
-            <a:r>
-              <a:rPr lang="en-US" dirty="0" smtClean="0"/>
-              <a:t>.</a:t>
-            </a:r>
-            <a:fld id="{17233D2A-0857-4415-88C1-423492E69A26}" type="slidenum">
-              <a:rPr lang="en-US" smtClean="0"/>
-              <a:pPr>
-                <a:defRPr/>
-              </a:pPr>
-              <a:t>19</a:t>
-            </a:fld>
-            <a:endParaRPr lang="en-US" dirty="0"/>
-          </a:p>
-        </p:txBody>
-      </p:sp>
-      <p:sp>
-        <p:nvSpPr>
-          <p:cNvPr id="7" name="TextBox 6"/>
-          <p:cNvSpPr txBox="1"/>
-          <p:nvPr/>
-        </p:nvSpPr>
-        <p:spPr>
-          <a:xfrm>
-            <a:off x="533400" y="3962400"/>
-            <a:ext cx="8170380" cy="1015663"/>
-          </a:xfrm>
-          <a:prstGeom prst="rect">
-            <a:avLst/>
-          </a:prstGeom>
-          <a:noFill/>
-        </p:spPr>
-        <p:txBody>
-          <a:bodyPr wrap="none" rtlCol="0">
-            <a:spAutoFit/>
-          </a:bodyPr>
-          <a:lstStyle/>
-          <a:p>
-            <a:r>
-              <a:rPr lang="en-US" sz="6000" dirty="0" smtClean="0">
-                <a:solidFill>
-                  <a:srgbClr val="0000FF"/>
-                </a:solidFill>
-              </a:rPr>
-              <a:t>f(n) </a:t>
-            </a:r>
-            <a:r>
-              <a:rPr lang="en-US" sz="6000" b="1" dirty="0" smtClean="0">
-                <a:solidFill>
-                  <a:srgbClr val="0000FF"/>
-                </a:solidFill>
-                <a:latin typeface="Euclid Symbol" charset="2"/>
-                <a:cs typeface="Euclid Symbol" charset="2"/>
-              </a:rPr>
-              <a:t>=</a:t>
-            </a:r>
-            <a:r>
-              <a:rPr lang="en-US" sz="6000" dirty="0" smtClean="0">
-                <a:solidFill>
-                  <a:srgbClr val="0000FF"/>
-                </a:solidFill>
-              </a:rPr>
-              <a:t> (linear part) </a:t>
-            </a:r>
-            <a:r>
-              <a:rPr lang="en-US" sz="6000" dirty="0" smtClean="0">
-                <a:solidFill>
-                  <a:srgbClr val="FF00FF"/>
-                </a:solidFill>
-              </a:rPr>
-              <a:t>+ c</a:t>
-            </a:r>
-            <a:endParaRPr lang="en-US" sz="6000" dirty="0">
-              <a:solidFill>
-                <a:srgbClr val="FF00FF"/>
-              </a:solidFill>
-            </a:endParaRPr>
-          </a:p>
-        </p:txBody>
-      </p:sp>
-    </p:spTree>
-  </p:cSld>
-  <p:clrMapOvr>
-    <a:masterClrMapping/>
-  </p:clrMapOvr>
-  <p:transition xmlns:p14="http://schemas.microsoft.com/office/powerpoint/2010/main" spd="slow" advClick="0">
-    <p:fade thruBlk="1"/>
-  </p:transition>
-  <p:timing>
-    <p:tnLst>
-      <p:par>
-        <p:cTn xmlns:p14="http://schemas.microsoft.com/office/powerpoint/2010/main" id="1" dur="indefinite" restart="never" nodeType="tmRoot">
-          <p:childTnLst>
-            <p:seq concurrent="1" nextAc="seek">
-              <p:cTn id="2" dur="indefinite" nodeType="mainSeq">
-                <p:childTnLst>
-                  <p:par>
-                    <p:cTn id="3" fill="hold">
-                      <p:stCondLst>
-                        <p:cond delay="indefinite"/>
-                      </p:stCondLst>
-                      <p:childTnLst>
-                        <p:par>
-                          <p:cTn id="4" fill="hold">
-                            <p:stCondLst>
-                              <p:cond delay="0"/>
-                            </p:stCondLst>
-                            <p:childTnLst>
-                              <p:par>
-                                <p:cTn id="5" presetID="22" presetClass="entr" presetSubtype="8" fill="hold" grpId="0" nodeType="clickEffect">
-                                  <p:stCondLst>
-                                    <p:cond delay="0"/>
-                                  </p:stCondLst>
-                                  <p:childTnLst>
-                                    <p:set>
-                                      <p:cBhvr>
-                                        <p:cTn id="6" dur="1" fill="hold">
-                                          <p:stCondLst>
-                                            <p:cond delay="0"/>
-                                          </p:stCondLst>
-                                        </p:cTn>
-                                        <p:tgtEl>
-                                          <p:spTgt spid="7"/>
-                                        </p:tgtEl>
-                                        <p:attrNameLst>
-                                          <p:attrName>style.visibility</p:attrName>
-                                        </p:attrNameLst>
-                                      </p:cBhvr>
-                                      <p:to>
-                                        <p:strVal val="visible"/>
-                                      </p:to>
-                                    </p:set>
-                                    <p:animEffect transition="in" filter="wipe(left)">
-                                      <p:cBhvr>
-                                        <p:cTn id="7" dur="1000"/>
-                                        <p:tgtEl>
-                                          <p:spTgt spid="7"/>
-                                        </p:tgtEl>
-                                      </p:cBhvr>
-                                    </p:animEffect>
-                                  </p:childTnLst>
-                                </p:cTn>
-                              </p:par>
-                            </p:childTnLst>
-                          </p:cTn>
-                        </p:par>
-                      </p:childTnLst>
-                    </p:cTn>
-                  </p:par>
-                </p:childTnLst>
-              </p:cTn>
-              <p:prevCondLst>
-                <p:cond evt="onPrev" delay="0">
-                  <p:tgtEl>
-                    <p:sldTgt/>
-                  </p:tgtEl>
-                </p:cond>
-              </p:prevCondLst>
-              <p:nextCondLst>
-                <p:cond evt="onNext" delay="0">
-                  <p:tgtEl>
-                    <p:sldTgt/>
-                  </p:tgtEl>
-                </p:cond>
-              </p:nextCondLst>
-            </p:seq>
-          </p:childTnLst>
-        </p:cTn>
-      </p:par>
-    </p:tnLst>
-    <p:bldLst>
-      <p:bldP spid="7" grpId="0"/>
-    </p:bldLst>
-  </p:timing>
-</p:sld>
-</file>
-
 <file path=ppt/slides/slide2.xml><?xml version="1.0" encoding="utf-8"?>
 <p:sld xmlns:a="http://schemas.openxmlformats.org/drawingml/2006/main" xmlns:r="http://schemas.openxmlformats.org/officeDocument/2006/relationships" xmlns:p="http://schemas.openxmlformats.org/presentationml/2006/main">
   <p:cSld>
@@ -9595,12 +11061,12 @@
           <a:graphicData uri="http://schemas.openxmlformats.org/presentationml/2006/ole">
             <mc:AlternateContent xmlns:mc="http://schemas.openxmlformats.org/markup-compatibility/2006">
               <mc:Choice xmlns:v="urn:schemas-microsoft-com:vml" Requires="v">
-                <p:oleObj spid="_x0000_s1045" name="Equation" r:id="rId3" imgW="165100" imgH="165100" progId="Equation.DSMT4">
+                <p:oleObj spid="_x0000_s1049" name="Equation" r:id="rId4" imgW="165100" imgH="165100" progId="Equation.DSMT4">
                   <p:embed/>
                 </p:oleObj>
               </mc:Choice>
               <mc:Fallback>
-                <p:oleObj name="Equation" r:id="rId3" imgW="165100" imgH="165100" progId="Equation.DSMT4">
+                <p:oleObj name="Equation" r:id="rId4" imgW="165100" imgH="165100" progId="Equation.DSMT4">
                   <p:embed/>
                   <p:pic>
                     <p:nvPicPr>
@@ -9609,7 +11075,7 @@
                       <p:nvPr/>
                     </p:nvPicPr>
                     <p:blipFill>
-                      <a:blip r:embed="rId4"/>
+                      <a:blip r:embed="rId5"/>
                       <a:stretch>
                         <a:fillRect/>
                       </a:stretch>
@@ -9952,6 +11418,713 @@
       </p:grpSpPr>
       <p:sp>
         <p:nvSpPr>
+          <p:cNvPr id="30724" name="Rectangle 4"/>
+          <p:cNvSpPr>
+            <a:spLocks noGrp="1" noChangeArrowheads="1"/>
+          </p:cNvSpPr>
+          <p:nvPr>
+            <p:ph type="title"/>
+          </p:nvPr>
+        </p:nvSpPr>
+        <p:spPr/>
+        <p:txBody>
+          <a:bodyPr/>
+          <a:lstStyle/>
+          <a:p>
+            <a:pPr eaLnBrk="1" hangingPunct="1"/>
+            <a:r>
+              <a:rPr lang="en-US" dirty="0" smtClean="0"/>
+              <a:t>Hanoi Generating Function</a:t>
+            </a:r>
+          </a:p>
+        </p:txBody>
+      </p:sp>
+      <p:sp>
+        <p:nvSpPr>
+          <p:cNvPr id="6" name="Rectangle 11"/>
+          <p:cNvSpPr txBox="1">
+            <a:spLocks noChangeArrowheads="1"/>
+          </p:cNvSpPr>
+          <p:nvPr/>
+        </p:nvSpPr>
+        <p:spPr bwMode="auto">
+          <a:xfrm>
+            <a:off x="6400800" y="6613525"/>
+            <a:ext cx="2667000" cy="244475"/>
+          </a:xfrm>
+          <a:prstGeom prst="rect">
+            <a:avLst/>
+          </a:prstGeom>
+          <a:noFill/>
+          <a:ln w="9525">
+            <a:noFill/>
+            <a:miter lim="800000"/>
+            <a:headEnd/>
+            <a:tailEnd/>
+          </a:ln>
+          <a:effectLst/>
+        </p:spPr>
+        <p:txBody>
+          <a:bodyPr vert="horz" wrap="square" lIns="91440" tIns="45720" rIns="91440" bIns="45720" numCol="1" anchor="t" anchorCtr="0" compatLnSpc="1">
+            <a:prstTxWarp prst="textNoShape">
+              <a:avLst/>
+            </a:prstTxWarp>
+            <a:spAutoFit/>
+          </a:bodyPr>
+          <a:lstStyle>
+            <a:lvl1pPr algn="r">
+              <a:defRPr sz="1000"/>
+            </a:lvl1pPr>
+          </a:lstStyle>
+          <a:p>
+            <a:pPr marL="0" marR="0" lvl="0" indent="0" algn="r" defTabSz="914400" rtl="0" eaLnBrk="1" fontAlgn="base" latinLnBrk="0" hangingPunct="1">
+              <a:lnSpc>
+                <a:spcPct val="100000"/>
+              </a:lnSpc>
+              <a:spcBef>
+                <a:spcPct val="0"/>
+              </a:spcBef>
+              <a:spcAft>
+                <a:spcPct val="0"/>
+              </a:spcAft>
+              <a:buClrTx/>
+              <a:buSzTx/>
+              <a:buFontTx/>
+              <a:buNone/>
+              <a:tabLst/>
+              <a:defRPr/>
+            </a:pPr>
+            <a:r>
+              <a:rPr kumimoji="0" lang="en-US" sz="1000" b="0" i="0" u="none" strike="noStrike" kern="1200" cap="none" spc="0" normalizeH="0" baseline="0" noProof="0" dirty="0" err="1" smtClean="0">
+                <a:ln>
+                  <a:noFill/>
+                </a:ln>
+                <a:solidFill>
+                  <a:schemeClr val="tx1"/>
+                </a:solidFill>
+                <a:effectLst/>
+                <a:uLnTx/>
+                <a:uFillTx/>
+                <a:latin typeface="Comic Sans MS" pitchFamily="66" charset="0"/>
+                <a:ea typeface="+mn-ea"/>
+                <a:cs typeface="+mn-cs"/>
+              </a:rPr>
+              <a:t>linrecinhom</a:t>
+            </a:r>
+            <a:r>
+              <a:rPr kumimoji="0" lang="en-US" sz="1000" b="0" i="0" u="none" strike="noStrike" kern="1200" cap="none" spc="0" normalizeH="0" baseline="0" noProof="0" dirty="0" smtClean="0">
+                <a:ln>
+                  <a:noFill/>
+                </a:ln>
+                <a:solidFill>
+                  <a:schemeClr val="tx1"/>
+                </a:solidFill>
+                <a:effectLst/>
+                <a:uLnTx/>
+                <a:uFillTx/>
+                <a:latin typeface="Comic Sans MS" pitchFamily="66" charset="0"/>
+                <a:ea typeface="+mn-ea"/>
+                <a:cs typeface="+mn-cs"/>
+              </a:rPr>
+              <a:t>.</a:t>
+            </a:r>
+            <a:fld id="{17233D2A-0857-4415-88C1-423492E69A26}" type="slidenum">
+              <a:rPr kumimoji="0" lang="en-US" sz="1000" b="0" i="0" u="none" strike="noStrike" kern="1200" cap="none" spc="0" normalizeH="0" baseline="0" noProof="0" smtClean="0">
+                <a:ln>
+                  <a:noFill/>
+                </a:ln>
+                <a:solidFill>
+                  <a:schemeClr val="tx1"/>
+                </a:solidFill>
+                <a:effectLst/>
+                <a:uLnTx/>
+                <a:uFillTx/>
+                <a:latin typeface="Comic Sans MS" pitchFamily="66" charset="0"/>
+                <a:ea typeface="+mn-ea"/>
+                <a:cs typeface="+mn-cs"/>
+              </a:rPr>
+              <a:pPr marL="0" marR="0" lvl="0" indent="0" algn="r" defTabSz="914400" rtl="0" eaLnBrk="1" fontAlgn="base" latinLnBrk="0" hangingPunct="1">
+                <a:lnSpc>
+                  <a:spcPct val="100000"/>
+                </a:lnSpc>
+                <a:spcBef>
+                  <a:spcPct val="0"/>
+                </a:spcBef>
+                <a:spcAft>
+                  <a:spcPct val="0"/>
+                </a:spcAft>
+                <a:buClrTx/>
+                <a:buSzTx/>
+                <a:buFontTx/>
+                <a:buNone/>
+                <a:tabLst/>
+                <a:defRPr/>
+              </a:pPr>
+              <a:t>20</a:t>
+            </a:fld>
+            <a:endParaRPr kumimoji="0" lang="en-US" sz="1000" b="0" i="0" u="none" strike="noStrike" kern="1200" cap="none" spc="0" normalizeH="0" baseline="0" noProof="0" dirty="0">
+              <a:ln>
+                <a:noFill/>
+              </a:ln>
+              <a:solidFill>
+                <a:schemeClr val="tx1"/>
+              </a:solidFill>
+              <a:effectLst/>
+              <a:uLnTx/>
+              <a:uFillTx/>
+              <a:latin typeface="Comic Sans MS" pitchFamily="66" charset="0"/>
+              <a:ea typeface="+mn-ea"/>
+              <a:cs typeface="+mn-cs"/>
+            </a:endParaRPr>
+          </a:p>
+        </p:txBody>
+      </p:sp>
+      <p:graphicFrame>
+        <p:nvGraphicFramePr>
+          <p:cNvPr id="114691" name="Object 2"/>
+          <p:cNvGraphicFramePr>
+            <a:graphicFrameLocks noChangeAspect="1"/>
+          </p:cNvGraphicFramePr>
+          <p:nvPr>
+            <p:extLst>
+              <p:ext uri="{D42A27DB-BD31-4B8C-83A1-F6EECF244321}">
+                <p14:modId xmlns:p14="http://schemas.microsoft.com/office/powerpoint/2010/main" val="3904108219"/>
+              </p:ext>
+            </p:extLst>
+          </p:nvPr>
+        </p:nvGraphicFramePr>
+        <p:xfrm>
+          <a:off x="1239838" y="3143250"/>
+          <a:ext cx="6662737" cy="1703388"/>
+        </p:xfrm>
+        <a:graphic>
+          <a:graphicData uri="http://schemas.openxmlformats.org/presentationml/2006/ole">
+            <mc:AlternateContent xmlns:mc="http://schemas.openxmlformats.org/markup-compatibility/2006">
+              <mc:Choice xmlns:v="urn:schemas-microsoft-com:vml" Requires="v">
+                <p:oleObj spid="_x0000_s114724" name="Equation" r:id="rId4" imgW="4178300" imgH="1066800" progId="Equation.DSMT4">
+                  <p:embed/>
+                </p:oleObj>
+              </mc:Choice>
+              <mc:Fallback>
+                <p:oleObj name="Equation" r:id="rId4" imgW="4178300" imgH="1066800" progId="Equation.DSMT4">
+                  <p:embed/>
+                  <p:pic>
+                    <p:nvPicPr>
+                      <p:cNvPr id="0" name="Picture 3"/>
+                      <p:cNvPicPr>
+                        <a:picLocks noChangeAspect="1" noChangeArrowheads="1"/>
+                      </p:cNvPicPr>
+                      <p:nvPr/>
+                    </p:nvPicPr>
+                    <p:blipFill>
+                      <a:blip r:embed="rId5"/>
+                      <a:srcRect/>
+                      <a:stretch>
+                        <a:fillRect/>
+                      </a:stretch>
+                    </p:blipFill>
+                    <p:spPr bwMode="auto">
+                      <a:xfrm>
+                        <a:off x="1239838" y="3143250"/>
+                        <a:ext cx="6662737" cy="1703388"/>
+                      </a:xfrm>
+                      <a:prstGeom prst="rect">
+                        <a:avLst/>
+                      </a:prstGeom>
+                      <a:noFill/>
+                      <a:extLst>
+                        <a:ext uri="{909E8E84-426E-40dd-AFC4-6F175D3DCCD1}">
+                          <a14:hiddenFill xmlns:a14="http://schemas.microsoft.com/office/drawing/2010/main">
+                            <a:solidFill>
+                              <a:srgbClr val="FFFFFF"/>
+                            </a:solidFill>
+                          </a14:hiddenFill>
+                        </a:ext>
+                      </a:extLst>
+                    </p:spPr>
+                  </p:pic>
+                </p:oleObj>
+              </mc:Fallback>
+            </mc:AlternateContent>
+          </a:graphicData>
+        </a:graphic>
+      </p:graphicFrame>
+      <p:sp>
+        <p:nvSpPr>
+          <p:cNvPr id="8" name="TextBox 7"/>
+          <p:cNvSpPr txBox="1"/>
+          <p:nvPr/>
+        </p:nvSpPr>
+        <p:spPr>
+          <a:xfrm>
+            <a:off x="1295400" y="1447800"/>
+            <a:ext cx="5834951" cy="1569660"/>
+          </a:xfrm>
+          <a:prstGeom prst="rect">
+            <a:avLst/>
+          </a:prstGeom>
+          <a:noFill/>
+        </p:spPr>
+        <p:txBody>
+          <a:bodyPr wrap="none" rtlCol="0">
+            <a:spAutoFit/>
+          </a:bodyPr>
+          <a:lstStyle/>
+          <a:p>
+            <a:r>
+              <a:rPr lang="en-US" sz="4800" dirty="0" smtClean="0"/>
+              <a:t>by partial fractions</a:t>
+            </a:r>
+          </a:p>
+          <a:p>
+            <a:r>
+              <a:rPr lang="en-US" sz="4800" dirty="0" smtClean="0"/>
+              <a:t>from previous video</a:t>
+            </a:r>
+            <a:endParaRPr lang="en-US" sz="4800" dirty="0"/>
+          </a:p>
+        </p:txBody>
+      </p:sp>
+    </p:spTree>
+  </p:cSld>
+  <p:clrMapOvr>
+    <a:masterClrMapping/>
+  </p:clrMapOvr>
+  <p:transition xmlns:p14="http://schemas.microsoft.com/office/powerpoint/2010/main" spd="slow" advClick="0">
+    <p:fade/>
+  </p:transition>
+  <p:timing>
+    <p:tnLst>
+      <p:par>
+        <p:cTn xmlns:p14="http://schemas.microsoft.com/office/powerpoint/2010/main" id="1" dur="indefinite" restart="never" nodeType="tmRoot">
+          <p:childTnLst>
+            <p:seq concurrent="1" nextAc="seek">
+              <p:cTn id="2" dur="indefinite" nodeType="mainSeq">
+                <p:childTnLst>
+                  <p:par>
+                    <p:cTn id="3" fill="hold">
+                      <p:stCondLst>
+                        <p:cond delay="indefinite"/>
+                      </p:stCondLst>
+                      <p:childTnLst>
+                        <p:par>
+                          <p:cTn id="4" fill="hold">
+                            <p:stCondLst>
+                              <p:cond delay="0"/>
+                            </p:stCondLst>
+                            <p:childTnLst>
+                              <p:par>
+                                <p:cTn id="5" presetID="22" presetClass="entr" presetSubtype="8" fill="hold" nodeType="clickEffect">
+                                  <p:stCondLst>
+                                    <p:cond delay="0"/>
+                                  </p:stCondLst>
+                                  <p:childTnLst>
+                                    <p:set>
+                                      <p:cBhvr>
+                                        <p:cTn id="6" dur="1" fill="hold">
+                                          <p:stCondLst>
+                                            <p:cond delay="0"/>
+                                          </p:stCondLst>
+                                        </p:cTn>
+                                        <p:tgtEl>
+                                          <p:spTgt spid="114691"/>
+                                        </p:tgtEl>
+                                        <p:attrNameLst>
+                                          <p:attrName>style.visibility</p:attrName>
+                                        </p:attrNameLst>
+                                      </p:cBhvr>
+                                      <p:to>
+                                        <p:strVal val="visible"/>
+                                      </p:to>
+                                    </p:set>
+                                    <p:animEffect transition="in" filter="wipe(left)">
+                                      <p:cBhvr>
+                                        <p:cTn id="7" dur="1000"/>
+                                        <p:tgtEl>
+                                          <p:spTgt spid="114691"/>
+                                        </p:tgtEl>
+                                      </p:cBhvr>
+                                    </p:animEffect>
+                                  </p:childTnLst>
+                                </p:cTn>
+                              </p:par>
+                            </p:childTnLst>
+                          </p:cTn>
+                        </p:par>
+                      </p:childTnLst>
+                    </p:cTn>
+                  </p:par>
+                </p:childTnLst>
+              </p:cTn>
+              <p:prevCondLst>
+                <p:cond evt="onPrev" delay="0">
+                  <p:tgtEl>
+                    <p:sldTgt/>
+                  </p:tgtEl>
+                </p:cond>
+              </p:prevCondLst>
+              <p:nextCondLst>
+                <p:cond evt="onNext" delay="0">
+                  <p:tgtEl>
+                    <p:sldTgt/>
+                  </p:tgtEl>
+                </p:cond>
+              </p:nextCondLst>
+            </p:seq>
+          </p:childTnLst>
+        </p:cTn>
+      </p:par>
+    </p:tnLst>
+  </p:timing>
+</p:sld>
+</file>
+
+<file path=ppt/slides/slide21.xml><?xml version="1.0" encoding="utf-8"?>
+<p:sld xmlns:a="http://schemas.openxmlformats.org/drawingml/2006/main" xmlns:r="http://schemas.openxmlformats.org/officeDocument/2006/relationships" xmlns:p="http://schemas.openxmlformats.org/presentationml/2006/main">
+  <p:cSld>
+    <p:spTree>
+      <p:nvGrpSpPr>
+        <p:cNvPr id="1" name=""/>
+        <p:cNvGrpSpPr/>
+        <p:nvPr/>
+      </p:nvGrpSpPr>
+      <p:grpSpPr>
+        <a:xfrm>
+          <a:off x="0" y="0"/>
+          <a:ext cx="0" cy="0"/>
+          <a:chOff x="0" y="0"/>
+          <a:chExt cx="0" cy="0"/>
+        </a:xfrm>
+      </p:grpSpPr>
+      <p:sp>
+        <p:nvSpPr>
+          <p:cNvPr id="2" name="Title 1"/>
+          <p:cNvSpPr>
+            <a:spLocks noGrp="1"/>
+          </p:cNvSpPr>
+          <p:nvPr>
+            <p:ph type="title"/>
+          </p:nvPr>
+        </p:nvSpPr>
+        <p:spPr>
+          <a:xfrm>
+            <a:off x="1143000" y="304800"/>
+            <a:ext cx="7848600" cy="1143000"/>
+          </a:xfrm>
+        </p:spPr>
+        <p:txBody>
+          <a:bodyPr/>
+          <a:lstStyle/>
+          <a:p>
+            <a:r>
+              <a:rPr lang="en-US" dirty="0" smtClean="0">
+                <a:solidFill>
+                  <a:srgbClr val="FF00FF"/>
+                </a:solidFill>
+              </a:rPr>
+              <a:t>C</a:t>
+            </a:r>
+            <a:r>
+              <a:rPr lang="en-US" dirty="0" smtClean="0"/>
+              <a:t>onstant </a:t>
+            </a:r>
+            <a:r>
+              <a:rPr lang="en-US" dirty="0"/>
+              <a:t>I</a:t>
+            </a:r>
+            <a:r>
+              <a:rPr lang="en-US" dirty="0" smtClean="0"/>
+              <a:t>nhomogeneous </a:t>
+            </a:r>
+            <a:r>
+              <a:rPr lang="en-US" dirty="0"/>
+              <a:t>T</a:t>
+            </a:r>
+            <a:r>
+              <a:rPr lang="en-US" dirty="0" smtClean="0"/>
+              <a:t>erm</a:t>
+            </a:r>
+            <a:endParaRPr lang="en-US" dirty="0"/>
+          </a:p>
+        </p:txBody>
+      </p:sp>
+      <p:sp>
+        <p:nvSpPr>
+          <p:cNvPr id="3" name="Content Placeholder 2"/>
+          <p:cNvSpPr>
+            <a:spLocks noGrp="1"/>
+          </p:cNvSpPr>
+          <p:nvPr>
+            <p:ph idx="1"/>
+          </p:nvPr>
+        </p:nvSpPr>
+        <p:spPr>
+          <a:xfrm>
+            <a:off x="609600" y="1295400"/>
+            <a:ext cx="7924800" cy="2971800"/>
+          </a:xfrm>
+        </p:spPr>
+        <p:txBody>
+          <a:bodyPr/>
+          <a:lstStyle/>
+          <a:p>
+            <a:pPr>
+              <a:buNone/>
+            </a:pPr>
+            <a:r>
+              <a:rPr lang="en-US" sz="4800" dirty="0" smtClean="0"/>
+              <a:t>This method handles linear </a:t>
+            </a:r>
+          </a:p>
+          <a:p>
+            <a:pPr>
+              <a:buNone/>
+            </a:pPr>
+            <a:r>
+              <a:rPr lang="en-US" sz="4800" dirty="0" smtClean="0"/>
+              <a:t>recurrences with constant</a:t>
+            </a:r>
+          </a:p>
+          <a:p>
+            <a:pPr>
+              <a:buNone/>
+            </a:pPr>
+            <a:r>
+              <a:rPr lang="en-US" sz="4800" dirty="0" smtClean="0"/>
+              <a:t>inhomogeneous term:</a:t>
+            </a:r>
+          </a:p>
+          <a:p>
+            <a:pPr>
+              <a:buNone/>
+            </a:pPr>
+            <a:endParaRPr lang="en-US" sz="4800" dirty="0" smtClean="0"/>
+          </a:p>
+          <a:p>
+            <a:pPr>
+              <a:buNone/>
+            </a:pPr>
+            <a:endParaRPr lang="en-US" sz="4800" dirty="0"/>
+          </a:p>
+        </p:txBody>
+      </p:sp>
+      <p:sp>
+        <p:nvSpPr>
+          <p:cNvPr id="4" name="Slide Number Placeholder 3"/>
+          <p:cNvSpPr>
+            <a:spLocks noGrp="1"/>
+          </p:cNvSpPr>
+          <p:nvPr>
+            <p:ph type="sldNum" sz="quarter" idx="4"/>
+          </p:nvPr>
+        </p:nvSpPr>
+        <p:spPr/>
+        <p:txBody>
+          <a:bodyPr/>
+          <a:lstStyle/>
+          <a:p>
+            <a:pPr>
+              <a:defRPr/>
+            </a:pPr>
+            <a:r>
+              <a:rPr lang="en-US" dirty="0" err="1" smtClean="0"/>
+              <a:t>linrecinhom</a:t>
+            </a:r>
+            <a:r>
+              <a:rPr lang="en-US" dirty="0" smtClean="0"/>
+              <a:t>.</a:t>
+            </a:r>
+            <a:fld id="{17233D2A-0857-4415-88C1-423492E69A26}" type="slidenum">
+              <a:rPr lang="en-US" smtClean="0"/>
+              <a:pPr>
+                <a:defRPr/>
+              </a:pPr>
+              <a:t>21</a:t>
+            </a:fld>
+            <a:endParaRPr lang="en-US" dirty="0"/>
+          </a:p>
+        </p:txBody>
+      </p:sp>
+      <p:sp>
+        <p:nvSpPr>
+          <p:cNvPr id="7" name="TextBox 6"/>
+          <p:cNvSpPr txBox="1"/>
+          <p:nvPr/>
+        </p:nvSpPr>
+        <p:spPr>
+          <a:xfrm>
+            <a:off x="533400" y="3962400"/>
+            <a:ext cx="8170380" cy="1015663"/>
+          </a:xfrm>
+          <a:prstGeom prst="rect">
+            <a:avLst/>
+          </a:prstGeom>
+          <a:noFill/>
+        </p:spPr>
+        <p:txBody>
+          <a:bodyPr wrap="none" rtlCol="0">
+            <a:spAutoFit/>
+          </a:bodyPr>
+          <a:lstStyle/>
+          <a:p>
+            <a:r>
+              <a:rPr lang="en-US" sz="6000" dirty="0" smtClean="0">
+                <a:solidFill>
+                  <a:srgbClr val="0000FF"/>
+                </a:solidFill>
+              </a:rPr>
+              <a:t>f(n) </a:t>
+            </a:r>
+            <a:r>
+              <a:rPr lang="en-US" sz="6000" b="1" dirty="0" smtClean="0">
+                <a:solidFill>
+                  <a:srgbClr val="0000FF"/>
+                </a:solidFill>
+                <a:latin typeface="Euclid Symbol" charset="2"/>
+                <a:cs typeface="Euclid Symbol" charset="2"/>
+              </a:rPr>
+              <a:t>=</a:t>
+            </a:r>
+            <a:r>
+              <a:rPr lang="en-US" sz="6000" dirty="0" smtClean="0">
+                <a:solidFill>
+                  <a:srgbClr val="0000FF"/>
+                </a:solidFill>
+              </a:rPr>
+              <a:t> (linear part) </a:t>
+            </a:r>
+            <a:r>
+              <a:rPr lang="en-US" sz="6000" dirty="0" smtClean="0">
+                <a:solidFill>
+                  <a:srgbClr val="FF00FF"/>
+                </a:solidFill>
+              </a:rPr>
+              <a:t>+ c</a:t>
+            </a:r>
+            <a:endParaRPr lang="en-US" sz="6000" dirty="0">
+              <a:solidFill>
+                <a:srgbClr val="FF00FF"/>
+              </a:solidFill>
+            </a:endParaRPr>
+          </a:p>
+        </p:txBody>
+      </p:sp>
+    </p:spTree>
+  </p:cSld>
+  <p:clrMapOvr>
+    <a:masterClrMapping/>
+  </p:clrMapOvr>
+  <p:transition xmlns:p14="http://schemas.microsoft.com/office/powerpoint/2010/main" spd="slow" advClick="0">
+    <p:fade thruBlk="1"/>
+  </p:transition>
+  <p:timing>
+    <p:tnLst>
+      <p:par>
+        <p:cTn xmlns:p14="http://schemas.microsoft.com/office/powerpoint/2010/main" id="1" dur="indefinite" restart="never" nodeType="tmRoot">
+          <p:childTnLst>
+            <p:seq concurrent="1" nextAc="seek">
+              <p:cTn id="2" dur="indefinite" nodeType="mainSeq">
+                <p:childTnLst>
+                  <p:par>
+                    <p:cTn id="3" fill="hold">
+                      <p:stCondLst>
+                        <p:cond delay="indefinite"/>
+                      </p:stCondLst>
+                      <p:childTnLst>
+                        <p:par>
+                          <p:cTn id="4" fill="hold">
+                            <p:stCondLst>
+                              <p:cond delay="0"/>
+                            </p:stCondLst>
+                            <p:childTnLst>
+                              <p:par>
+                                <p:cTn id="5" presetID="22" presetClass="entr" presetSubtype="8" fill="hold" grpId="0" nodeType="clickEffect">
+                                  <p:stCondLst>
+                                    <p:cond delay="0"/>
+                                  </p:stCondLst>
+                                  <p:childTnLst>
+                                    <p:set>
+                                      <p:cBhvr>
+                                        <p:cTn id="6" dur="1" fill="hold">
+                                          <p:stCondLst>
+                                            <p:cond delay="0"/>
+                                          </p:stCondLst>
+                                        </p:cTn>
+                                        <p:tgtEl>
+                                          <p:spTgt spid="7"/>
+                                        </p:tgtEl>
+                                        <p:attrNameLst>
+                                          <p:attrName>style.visibility</p:attrName>
+                                        </p:attrNameLst>
+                                      </p:cBhvr>
+                                      <p:to>
+                                        <p:strVal val="visible"/>
+                                      </p:to>
+                                    </p:set>
+                                    <p:animEffect transition="in" filter="wipe(left)">
+                                      <p:cBhvr>
+                                        <p:cTn id="7" dur="1000"/>
+                                        <p:tgtEl>
+                                          <p:spTgt spid="7"/>
+                                        </p:tgtEl>
+                                      </p:cBhvr>
+                                    </p:animEffect>
+                                  </p:childTnLst>
+                                </p:cTn>
+                              </p:par>
+                            </p:childTnLst>
+                          </p:cTn>
+                        </p:par>
+                      </p:childTnLst>
+                    </p:cTn>
+                  </p:par>
+                </p:childTnLst>
+              </p:cTn>
+              <p:prevCondLst>
+                <p:cond evt="onPrev" delay="0">
+                  <p:tgtEl>
+                    <p:sldTgt/>
+                  </p:tgtEl>
+                </p:cond>
+              </p:prevCondLst>
+              <p:nextCondLst>
+                <p:cond evt="onNext" delay="0">
+                  <p:tgtEl>
+                    <p:sldTgt/>
+                  </p:tgtEl>
+                </p:cond>
+              </p:nextCondLst>
+            </p:seq>
+          </p:childTnLst>
+        </p:cTn>
+      </p:par>
+    </p:tnLst>
+    <p:bldLst>
+      <p:bldP spid="7" grpId="0"/>
+    </p:bldLst>
+  </p:timing>
+</p:sld>
+</file>
+
+<file path=ppt/slides/slide22.xml><?xml version="1.0" encoding="utf-8"?>
+<p:sld xmlns:a="http://schemas.openxmlformats.org/drawingml/2006/main" xmlns:r="http://schemas.openxmlformats.org/officeDocument/2006/relationships" xmlns:p="http://schemas.openxmlformats.org/presentationml/2006/main">
+  <p:cSld>
+    <p:spTree>
+      <p:nvGrpSpPr>
+        <p:cNvPr id="1" name=""/>
+        <p:cNvGrpSpPr/>
+        <p:nvPr/>
+      </p:nvGrpSpPr>
+      <p:grpSpPr>
+        <a:xfrm>
+          <a:off x="0" y="0"/>
+          <a:ext cx="0" cy="0"/>
+          <a:chOff x="0" y="0"/>
+          <a:chExt cx="0" cy="0"/>
+        </a:xfrm>
+      </p:grpSpPr>
+      <p:sp>
+        <p:nvSpPr>
           <p:cNvPr id="2" name="Title 1"/>
           <p:cNvSpPr>
             <a:spLocks noGrp="1"/>
@@ -10102,15 +12275,7 @@
                   <a:srgbClr val="0000E5"/>
                 </a:solidFill>
               </a:rPr>
-              <a:t>1/(1</a:t>
-            </a:r>
-            <a:r>
-              <a:rPr lang="en-US" sz="4800" dirty="0" smtClean="0">
-                <a:solidFill>
-                  <a:srgbClr val="0000E5"/>
-                </a:solidFill>
-              </a:rPr>
-              <a:t>-</a:t>
+              <a:t>1/(1-</a:t>
             </a:r>
             <a:r>
               <a:rPr lang="en-US" sz="4800" b="1" dirty="0">
@@ -10128,15 +12293,7 @@
                   <a:srgbClr val="0000E5"/>
                 </a:solidFill>
               </a:rPr>
-              <a:t>x</a:t>
-            </a:r>
-            <a:r>
-              <a:rPr lang="en-US" sz="4800" dirty="0" smtClean="0">
-                <a:solidFill>
-                  <a:srgbClr val="0000E5"/>
-                </a:solidFill>
-              </a:rPr>
-              <a:t>)</a:t>
+              <a:t>x)</a:t>
             </a:r>
           </a:p>
           <a:p>
@@ -10351,7 +12508,7 @@
               <a:pPr>
                 <a:defRPr/>
               </a:pPr>
-              <a:t>20</a:t>
+              <a:t>22</a:t>
             </a:fld>
             <a:endParaRPr lang="en-US" dirty="0"/>
           </a:p>
@@ -10885,12 +13042,12 @@
           <a:graphicData uri="http://schemas.openxmlformats.org/presentationml/2006/ole">
             <mc:AlternateContent xmlns:mc="http://schemas.openxmlformats.org/markup-compatibility/2006">
               <mc:Choice xmlns:v="urn:schemas-microsoft-com:vml" Requires="v">
-                <p:oleObj spid="_x0000_s338951" name="Equation" r:id="rId3" imgW="165100" imgH="165100" progId="Equation.DSMT4">
+                <p:oleObj spid="_x0000_s338961" name="Equation" r:id="rId4" imgW="165100" imgH="165100" progId="Equation.DSMT4">
                   <p:embed/>
                 </p:oleObj>
               </mc:Choice>
               <mc:Fallback>
-                <p:oleObj name="Equation" r:id="rId3" imgW="165100" imgH="165100" progId="Equation.DSMT4">
+                <p:oleObj name="Equation" r:id="rId4" imgW="165100" imgH="165100" progId="Equation.DSMT4">
                   <p:embed/>
                   <p:pic>
                     <p:nvPicPr>
@@ -10899,7 +13056,7 @@
                       <p:nvPr/>
                     </p:nvPicPr>
                     <p:blipFill>
-                      <a:blip r:embed="rId4"/>
+                      <a:blip r:embed="rId5"/>
                       <a:stretch>
                         <a:fillRect/>
                       </a:stretch>
@@ -10942,12 +13099,12 @@
           <a:graphicData uri="http://schemas.openxmlformats.org/presentationml/2006/ole">
             <mc:AlternateContent xmlns:mc="http://schemas.openxmlformats.org/markup-compatibility/2006">
               <mc:Choice xmlns:v="urn:schemas-microsoft-com:vml" Requires="v">
-                <p:oleObj spid="_x0000_s338952" name="Equation" r:id="rId5" imgW="1663700" imgH="558800" progId="Equation.DSMT4">
+                <p:oleObj spid="_x0000_s338962" name="Equation" r:id="rId6" imgW="1663700" imgH="558800" progId="Equation.DSMT4">
                   <p:embed/>
                 </p:oleObj>
               </mc:Choice>
               <mc:Fallback>
-                <p:oleObj name="Equation" r:id="rId5" imgW="1663700" imgH="558800" progId="Equation.DSMT4">
+                <p:oleObj name="Equation" r:id="rId6" imgW="1663700" imgH="558800" progId="Equation.DSMT4">
                   <p:embed/>
                   <p:pic>
                     <p:nvPicPr>
@@ -10956,7 +13113,7 @@
                       <p:nvPr/>
                     </p:nvPicPr>
                     <p:blipFill>
-                      <a:blip r:embed="rId6"/>
+                      <a:blip r:embed="rId7"/>
                       <a:stretch>
                         <a:fillRect/>
                       </a:stretch>
@@ -10999,12 +13156,12 @@
           <a:graphicData uri="http://schemas.openxmlformats.org/presentationml/2006/ole">
             <mc:AlternateContent xmlns:mc="http://schemas.openxmlformats.org/markup-compatibility/2006">
               <mc:Choice xmlns:v="urn:schemas-microsoft-com:vml" Requires="v">
-                <p:oleObj spid="_x0000_s338953" name="Equation" r:id="rId7" imgW="533400" imgH="215900" progId="Equation.DSMT4">
+                <p:oleObj spid="_x0000_s338963" name="Equation" r:id="rId8" imgW="533400" imgH="215900" progId="Equation.DSMT4">
                   <p:embed/>
                 </p:oleObj>
               </mc:Choice>
               <mc:Fallback>
-                <p:oleObj name="Equation" r:id="rId7" imgW="533400" imgH="215900" progId="Equation.DSMT4">
+                <p:oleObj name="Equation" r:id="rId8" imgW="533400" imgH="215900" progId="Equation.DSMT4">
                   <p:embed/>
                   <p:pic>
                     <p:nvPicPr>
@@ -11013,7 +13170,7 @@
                       <p:nvPr/>
                     </p:nvPicPr>
                     <p:blipFill>
-                      <a:blip r:embed="rId8"/>
+                      <a:blip r:embed="rId9"/>
                       <a:stretch>
                         <a:fillRect/>
                       </a:stretch>
@@ -11044,13 +13201,13 @@
   <p:clrMapOvr>
     <a:masterClrMapping/>
   </p:clrMapOvr>
-  <mc:AlternateContent xmlns:mc="http://schemas.openxmlformats.org/markup-compatibility/2006">
-    <mc:Choice xmlns:p14="http://schemas.microsoft.com/office/powerpoint/2010/main" Requires="p14">
+  <mc:AlternateContent xmlns:mc="http://schemas.openxmlformats.org/markup-compatibility/2006" xmlns:p14="http://schemas.microsoft.com/office/powerpoint/2010/main">
+    <mc:Choice Requires="p14">
       <p:transition spd="med" p14:dur="700" advClick="0">
         <p:fade/>
       </p:transition>
     </mc:Choice>
-    <mc:Fallback>
+    <mc:Fallback xmlns="">
       <p:transition xmlns:p14="http://schemas.microsoft.com/office/powerpoint/2010/main" spd="med" advClick="0">
         <p:fade/>
       </p:transition>
@@ -11327,7 +13484,7 @@
           <a:graphicData uri="http://schemas.openxmlformats.org/presentationml/2006/ole">
             <mc:AlternateContent xmlns:mc="http://schemas.openxmlformats.org/markup-compatibility/2006">
               <mc:Choice xmlns:v="urn:schemas-microsoft-com:vml" Requires="v">
-                <p:oleObj spid="_x0000_s334876" name="Equation" r:id="rId3" imgW="165100" imgH="165100" progId="Equation.DSMT4">
+                <p:oleObj spid="_x0000_s334886" name="Equation" r:id="rId3" imgW="165100" imgH="165100" progId="Equation.DSMT4">
                   <p:embed/>
                 </p:oleObj>
               </mc:Choice>
@@ -11384,7 +13541,7 @@
           <a:graphicData uri="http://schemas.openxmlformats.org/presentationml/2006/ole">
             <mc:AlternateContent xmlns:mc="http://schemas.openxmlformats.org/markup-compatibility/2006">
               <mc:Choice xmlns:v="urn:schemas-microsoft-com:vml" Requires="v">
-                <p:oleObj spid="_x0000_s334877" name="Equation" r:id="rId5" imgW="1663700" imgH="558800" progId="Equation.DSMT4">
+                <p:oleObj spid="_x0000_s334887" name="Equation" r:id="rId5" imgW="1663700" imgH="558800" progId="Equation.DSMT4">
                   <p:embed/>
                 </p:oleObj>
               </mc:Choice>
@@ -11441,7 +13598,7 @@
           <a:graphicData uri="http://schemas.openxmlformats.org/presentationml/2006/ole">
             <mc:AlternateContent xmlns:mc="http://schemas.openxmlformats.org/markup-compatibility/2006">
               <mc:Choice xmlns:v="urn:schemas-microsoft-com:vml" Requires="v">
-                <p:oleObj spid="_x0000_s334878" name="Equation" r:id="rId7" imgW="533400" imgH="215900" progId="Equation.DSMT4">
+                <p:oleObj spid="_x0000_s334888" name="Equation" r:id="rId7" imgW="533400" imgH="215900" progId="Equation.DSMT4">
                   <p:embed/>
                 </p:oleObj>
               </mc:Choice>
@@ -11607,12 +13764,12 @@
           <a:graphicData uri="http://schemas.openxmlformats.org/presentationml/2006/ole">
             <mc:AlternateContent xmlns:mc="http://schemas.openxmlformats.org/markup-compatibility/2006">
               <mc:Choice xmlns:v="urn:schemas-microsoft-com:vml" Requires="v">
-                <p:oleObj spid="_x0000_s331787" name="Equation" r:id="rId3" imgW="2019300" imgH="215900" progId="Equation.DSMT4">
+                <p:oleObj spid="_x0000_s331791" name="Equation" r:id="rId4" imgW="2019300" imgH="215900" progId="Equation.DSMT4">
                   <p:embed/>
                 </p:oleObj>
               </mc:Choice>
               <mc:Fallback>
-                <p:oleObj name="Equation" r:id="rId3" imgW="2019300" imgH="215900" progId="Equation.DSMT4">
+                <p:oleObj name="Equation" r:id="rId4" imgW="2019300" imgH="215900" progId="Equation.DSMT4">
                   <p:embed/>
                   <p:pic>
                     <p:nvPicPr>
@@ -11621,7 +13778,7 @@
                       <p:nvPr/>
                     </p:nvPicPr>
                     <p:blipFill>
-                      <a:blip r:embed="rId4"/>
+                      <a:blip r:embed="rId5"/>
                       <a:stretch>
                         <a:fillRect/>
                       </a:stretch>
@@ -12043,12 +14200,12 @@
           <a:graphicData uri="http://schemas.openxmlformats.org/presentationml/2006/ole">
             <mc:AlternateContent xmlns:mc="http://schemas.openxmlformats.org/markup-compatibility/2006">
               <mc:Choice xmlns:v="urn:schemas-microsoft-com:vml" Requires="v">
-                <p:oleObj spid="_x0000_s332843" name="Equation" r:id="rId3" imgW="939800" imgH="482600" progId="Equation.DSMT4">
+                <p:oleObj spid="_x0000_s332856" name="Equation" r:id="rId4" imgW="939800" imgH="482600" progId="Equation.DSMT4">
                   <p:embed/>
                 </p:oleObj>
               </mc:Choice>
               <mc:Fallback>
-                <p:oleObj name="Equation" r:id="rId3" imgW="939800" imgH="482600" progId="Equation.DSMT4">
+                <p:oleObj name="Equation" r:id="rId4" imgW="939800" imgH="482600" progId="Equation.DSMT4">
                   <p:embed/>
                   <p:pic>
                     <p:nvPicPr>
@@ -12057,7 +14214,7 @@
                       <p:nvPr/>
                     </p:nvPicPr>
                     <p:blipFill>
-                      <a:blip r:embed="rId4"/>
+                      <a:blip r:embed="rId5"/>
                       <a:stretch>
                         <a:fillRect/>
                       </a:stretch>
@@ -12239,12 +14396,12 @@
           <a:graphicData uri="http://schemas.openxmlformats.org/presentationml/2006/ole">
             <mc:AlternateContent xmlns:mc="http://schemas.openxmlformats.org/markup-compatibility/2006">
               <mc:Choice xmlns:v="urn:schemas-microsoft-com:vml" Requires="v">
-                <p:oleObj spid="_x0000_s332844" name="Equation" r:id="rId5" imgW="431800" imgH="228600" progId="Equation.DSMT4">
+                <p:oleObj spid="_x0000_s332857" name="Equation" r:id="rId6" imgW="431800" imgH="228600" progId="Equation.DSMT4">
                   <p:embed/>
                 </p:oleObj>
               </mc:Choice>
               <mc:Fallback>
-                <p:oleObj name="Equation" r:id="rId5" imgW="431800" imgH="228600" progId="Equation.DSMT4">
+                <p:oleObj name="Equation" r:id="rId6" imgW="431800" imgH="228600" progId="Equation.DSMT4">
                   <p:embed/>
                   <p:pic>
                     <p:nvPicPr>
@@ -12253,7 +14410,7 @@
                       <p:nvPr/>
                     </p:nvPicPr>
                     <p:blipFill>
-                      <a:blip r:embed="rId6"/>
+                      <a:blip r:embed="rId7"/>
                       <a:stretch>
                         <a:fillRect/>
                       </a:stretch>
@@ -12353,12 +14510,12 @@
           <a:graphicData uri="http://schemas.openxmlformats.org/presentationml/2006/ole">
             <mc:AlternateContent xmlns:mc="http://schemas.openxmlformats.org/markup-compatibility/2006">
               <mc:Choice xmlns:v="urn:schemas-microsoft-com:vml" Requires="v">
-                <p:oleObj spid="_x0000_s332845" name="Equation" r:id="rId7" imgW="1790700" imgH="292100" progId="Equation.DSMT4">
+                <p:oleObj spid="_x0000_s332858" name="Equation" r:id="rId8" imgW="1790700" imgH="292100" progId="Equation.DSMT4">
                   <p:embed/>
                 </p:oleObj>
               </mc:Choice>
               <mc:Fallback>
-                <p:oleObj name="Equation" r:id="rId7" imgW="1790700" imgH="292100" progId="Equation.DSMT4">
+                <p:oleObj name="Equation" r:id="rId8" imgW="1790700" imgH="292100" progId="Equation.DSMT4">
                   <p:embed/>
                   <p:pic>
                     <p:nvPicPr>
@@ -12367,7 +14524,7 @@
                       <p:nvPr/>
                     </p:nvPicPr>
                     <p:blipFill>
-                      <a:blip r:embed="rId8"/>
+                      <a:blip r:embed="rId9"/>
                       <a:stretch>
                         <a:fillRect/>
                       </a:stretch>
@@ -12410,12 +14567,12 @@
           <a:graphicData uri="http://schemas.openxmlformats.org/presentationml/2006/ole">
             <mc:AlternateContent xmlns:mc="http://schemas.openxmlformats.org/markup-compatibility/2006">
               <mc:Choice xmlns:v="urn:schemas-microsoft-com:vml" Requires="v">
-                <p:oleObj spid="_x0000_s332846" name="Equation" r:id="rId9" imgW="533400" imgH="215900" progId="Equation.DSMT4">
+                <p:oleObj spid="_x0000_s332859" name="Equation" r:id="rId10" imgW="533400" imgH="215900" progId="Equation.DSMT4">
                   <p:embed/>
                 </p:oleObj>
               </mc:Choice>
               <mc:Fallback>
-                <p:oleObj name="Equation" r:id="rId9" imgW="533400" imgH="215900" progId="Equation.DSMT4">
+                <p:oleObj name="Equation" r:id="rId10" imgW="533400" imgH="215900" progId="Equation.DSMT4">
                   <p:embed/>
                   <p:pic>
                     <p:nvPicPr>
@@ -12424,7 +14581,7 @@
                       <p:nvPr/>
                     </p:nvPicPr>
                     <p:blipFill>
-                      <a:blip r:embed="rId10"/>
+                      <a:blip r:embed="rId11"/>
                       <a:stretch>
                         <a:fillRect/>
                       </a:stretch>
@@ -13137,7 +15294,7 @@
             <a:graphicData uri="http://schemas.openxmlformats.org/presentationml/2006/ole">
               <mc:AlternateContent xmlns:mc="http://schemas.openxmlformats.org/markup-compatibility/2006">
                 <mc:Choice xmlns:v="urn:schemas-microsoft-com:vml" Requires="v">
-                  <p:oleObj spid="_x0000_s278559" name="Equation" r:id="rId6" imgW="215900" imgH="330200" progId="Equation.DSMT4">
+                  <p:oleObj spid="_x0000_s278563" name="Equation" r:id="rId6" imgW="215900" imgH="330200" progId="Equation.DSMT4">
                     <p:embed/>
                   </p:oleObj>
                 </mc:Choice>
@@ -13918,7 +16075,7 @@
           <p:nvPr/>
         </p:nvPicPr>
         <p:blipFill>
-          <a:blip r:embed="rId2">
+          <a:blip r:embed="rId3">
             <a:extLst>
               <a:ext uri="{28A0092B-C50C-407E-A947-70E740481C1C}">
                 <a14:useLocalDpi xmlns:a14="http://schemas.microsoft.com/office/drawing/2010/main" val="0"/>
@@ -13931,7 +16088,7 @@
         </p:blipFill>
         <p:spPr>
           <a:xfrm>
-            <a:off x="914400" y="1248735"/>
+            <a:off x="762000" y="1248735"/>
             <a:ext cx="7010400" cy="4999665"/>
           </a:xfrm>
           <a:prstGeom prst="rect">
@@ -13948,7 +16105,7 @@
           <p:nvPr/>
         </p:nvPicPr>
         <p:blipFill>
-          <a:blip r:embed="rId3">
+          <a:blip r:embed="rId4">
             <a:extLst>
               <a:ext uri="{28A0092B-C50C-407E-A947-70E740481C1C}">
                 <a14:useLocalDpi xmlns:a14="http://schemas.microsoft.com/office/drawing/2010/main" val="0"/>
@@ -13980,7 +16137,7 @@
           </p:nvPr>
         </p:nvPicPr>
         <p:blipFill>
-          <a:blip r:embed="rId4">
+          <a:blip r:embed="rId5">
             <a:extLst>
               <a:ext uri="{28A0092B-C50C-407E-A947-70E740481C1C}">
                 <a14:useLocalDpi xmlns:a14="http://schemas.microsoft.com/office/drawing/2010/main" val="0"/>
